--- a/doc/PPPAT_ControlRoom.pptx
+++ b/doc/PPPAT_ControlRoom.pptx
@@ -6,8 +6,8 @@
   </p:sldMasterIdLst>
   <p:sldIdLst>
     <p:sldId id="257" r:id="rId2"/>
-    <p:sldId id="256" r:id="rId3"/>
-    <p:sldId id="258" r:id="rId4"/>
+    <p:sldId id="258" r:id="rId3"/>
+    <p:sldId id="256" r:id="rId4"/>
   </p:sldIdLst>
   <p:sldSz cx="12192000" cy="6858000"/>
   <p:notesSz cx="6858000" cy="9144000"/>
@@ -106,6 +106,11 @@
       </a:defRPr>
     </a:lvl9pPr>
   </p:defaultTextStyle>
+  <p:extLst>
+    <p:ext uri="{EFAFB233-063F-42B5-8137-9DF3F51BA10A}">
+      <p15:sldGuideLst xmlns:p15="http://schemas.microsoft.com/office/powerpoint/2012/main"/>
+    </p:ext>
+  </p:extLst>
 </p:presentation>
 </file>
 
@@ -240,7 +245,7 @@
           <a:p>
             <a:fld id="{20081A0A-8D3B-4A05-AA88-B8EDC306EF50}" type="datetimeFigureOut">
               <a:rPr lang="en-GB" smtClean="0"/>
-              <a:t>05/06/2020</a:t>
+              <a:t>06/10/2020</a:t>
             </a:fld>
             <a:endParaRPr lang="en-GB"/>
           </a:p>
@@ -410,7 +415,7 @@
           <a:p>
             <a:fld id="{20081A0A-8D3B-4A05-AA88-B8EDC306EF50}" type="datetimeFigureOut">
               <a:rPr lang="en-GB" smtClean="0"/>
-              <a:t>05/06/2020</a:t>
+              <a:t>06/10/2020</a:t>
             </a:fld>
             <a:endParaRPr lang="en-GB"/>
           </a:p>
@@ -590,7 +595,7 @@
           <a:p>
             <a:fld id="{20081A0A-8D3B-4A05-AA88-B8EDC306EF50}" type="datetimeFigureOut">
               <a:rPr lang="en-GB" smtClean="0"/>
-              <a:t>05/06/2020</a:t>
+              <a:t>06/10/2020</a:t>
             </a:fld>
             <a:endParaRPr lang="en-GB"/>
           </a:p>
@@ -760,7 +765,7 @@
           <a:p>
             <a:fld id="{20081A0A-8D3B-4A05-AA88-B8EDC306EF50}" type="datetimeFigureOut">
               <a:rPr lang="en-GB" smtClean="0"/>
-              <a:t>05/06/2020</a:t>
+              <a:t>06/10/2020</a:t>
             </a:fld>
             <a:endParaRPr lang="en-GB"/>
           </a:p>
@@ -1006,7 +1011,7 @@
           <a:p>
             <a:fld id="{20081A0A-8D3B-4A05-AA88-B8EDC306EF50}" type="datetimeFigureOut">
               <a:rPr lang="en-GB" smtClean="0"/>
-              <a:t>05/06/2020</a:t>
+              <a:t>06/10/2020</a:t>
             </a:fld>
             <a:endParaRPr lang="en-GB"/>
           </a:p>
@@ -1238,7 +1243,7 @@
           <a:p>
             <a:fld id="{20081A0A-8D3B-4A05-AA88-B8EDC306EF50}" type="datetimeFigureOut">
               <a:rPr lang="en-GB" smtClean="0"/>
-              <a:t>05/06/2020</a:t>
+              <a:t>06/10/2020</a:t>
             </a:fld>
             <a:endParaRPr lang="en-GB"/>
           </a:p>
@@ -1605,7 +1610,7 @@
           <a:p>
             <a:fld id="{20081A0A-8D3B-4A05-AA88-B8EDC306EF50}" type="datetimeFigureOut">
               <a:rPr lang="en-GB" smtClean="0"/>
-              <a:t>05/06/2020</a:t>
+              <a:t>06/10/2020</a:t>
             </a:fld>
             <a:endParaRPr lang="en-GB"/>
           </a:p>
@@ -1723,7 +1728,7 @@
           <a:p>
             <a:fld id="{20081A0A-8D3B-4A05-AA88-B8EDC306EF50}" type="datetimeFigureOut">
               <a:rPr lang="en-GB" smtClean="0"/>
-              <a:t>05/06/2020</a:t>
+              <a:t>06/10/2020</a:t>
             </a:fld>
             <a:endParaRPr lang="en-GB"/>
           </a:p>
@@ -1818,7 +1823,7 @@
           <a:p>
             <a:fld id="{20081A0A-8D3B-4A05-AA88-B8EDC306EF50}" type="datetimeFigureOut">
               <a:rPr lang="en-GB" smtClean="0"/>
-              <a:t>05/06/2020</a:t>
+              <a:t>06/10/2020</a:t>
             </a:fld>
             <a:endParaRPr lang="en-GB"/>
           </a:p>
@@ -2095,7 +2100,7 @@
           <a:p>
             <a:fld id="{20081A0A-8D3B-4A05-AA88-B8EDC306EF50}" type="datetimeFigureOut">
               <a:rPr lang="en-GB" smtClean="0"/>
-              <a:t>05/06/2020</a:t>
+              <a:t>06/10/2020</a:t>
             </a:fld>
             <a:endParaRPr lang="en-GB"/>
           </a:p>
@@ -2348,7 +2353,7 @@
           <a:p>
             <a:fld id="{20081A0A-8D3B-4A05-AA88-B8EDC306EF50}" type="datetimeFigureOut">
               <a:rPr lang="en-GB" smtClean="0"/>
-              <a:t>05/06/2020</a:t>
+              <a:t>06/10/2020</a:t>
             </a:fld>
             <a:endParaRPr lang="en-GB"/>
           </a:p>
@@ -2561,7 +2566,7 @@
           <a:p>
             <a:fld id="{20081A0A-8D3B-4A05-AA88-B8EDC306EF50}" type="datetimeFigureOut">
               <a:rPr lang="en-GB" smtClean="0"/>
-              <a:t>05/06/2020</a:t>
+              <a:t>06/10/2020</a:t>
             </a:fld>
             <a:endParaRPr lang="en-GB"/>
           </a:p>
@@ -2982,10 +2987,10 @@
           <a:lstStyle/>
           <a:p>
             <a:r>
-              <a:rPr lang="en-GB" dirty="0" smtClean="0"/>
-              <a:t>Control Room</a:t>
-            </a:r>
-            <a:endParaRPr lang="en-GB" dirty="0"/>
+              <a:rPr lang="fr-FR" dirty="0" smtClean="0"/>
+              <a:t>Control Room (CR)</a:t>
+            </a:r>
+            <a:endParaRPr lang="fr-FR" dirty="0"/>
           </a:p>
         </p:txBody>
       </p:sp>
@@ -2999,111 +3004,143 @@
             <p:ph idx="1"/>
           </p:nvPr>
         </p:nvSpPr>
-        <p:spPr/>
-        <p:txBody>
-          <a:bodyPr/>
-          <a:lstStyle/>
-          <a:p>
-            <a:r>
-              <a:rPr lang="en-GB" dirty="0" smtClean="0"/>
-              <a:t>Module de PPPAT</a:t>
-            </a:r>
-          </a:p>
-          <a:p>
-            <a:r>
-              <a:rPr lang="en-GB" dirty="0" err="1" smtClean="0"/>
-              <a:t>Objectifs</a:t>
-            </a:r>
-            <a:r>
-              <a:rPr lang="en-GB" dirty="0" smtClean="0"/>
-              <a:t>:</a:t>
+        <p:spPr>
+          <a:xfrm>
+            <a:off x="838200" y="1690688"/>
+            <a:ext cx="10515600" cy="4351338"/>
+          </a:xfrm>
+        </p:spPr>
+        <p:txBody>
+          <a:bodyPr/>
+          <a:lstStyle/>
+          <a:p>
+            <a:r>
+              <a:rPr lang="fr-FR" dirty="0" smtClean="0"/>
+              <a:t>Module de PPPAT, mais utilisable indépendamment</a:t>
+            </a:r>
+          </a:p>
+          <a:p>
+            <a:r>
+              <a:rPr lang="fr-FR" dirty="0" smtClean="0"/>
+              <a:t>Objectifs:</a:t>
             </a:r>
           </a:p>
           <a:p>
             <a:pPr lvl="1"/>
             <a:r>
-              <a:rPr lang="en-GB" dirty="0" err="1" smtClean="0"/>
-              <a:t>Visualiser</a:t>
-            </a:r>
-            <a:r>
-              <a:rPr lang="en-GB" dirty="0" smtClean="0"/>
-              <a:t> les waveforms de la </a:t>
-            </a:r>
-            <a:r>
-              <a:rPr lang="en-GB" dirty="0" err="1" smtClean="0"/>
-              <a:t>programmation</a:t>
-            </a:r>
-            <a:r>
-              <a:rPr lang="en-GB" dirty="0" smtClean="0"/>
-              <a:t> PCS d’un </a:t>
-            </a:r>
-            <a:r>
-              <a:rPr lang="en-GB" dirty="0" err="1" smtClean="0"/>
-              <a:t>ou</a:t>
-            </a:r>
-            <a:r>
-              <a:rPr lang="en-GB" dirty="0" smtClean="0"/>
-              <a:t> </a:t>
-            </a:r>
-            <a:r>
-              <a:rPr lang="en-GB" dirty="0" err="1" smtClean="0"/>
-              <a:t>plusieurs</a:t>
-            </a:r>
-            <a:r>
-              <a:rPr lang="en-GB" dirty="0" smtClean="0"/>
-              <a:t> </a:t>
-            </a:r>
-            <a:r>
-              <a:rPr lang="en-GB" dirty="0" err="1" smtClean="0"/>
-              <a:t>chocs</a:t>
-            </a:r>
-            <a:endParaRPr lang="en-GB" dirty="0" smtClean="0"/>
+              <a:rPr lang="fr-FR" dirty="0" smtClean="0"/>
+              <a:t>Visualiser les </a:t>
+            </a:r>
+            <a:r>
+              <a:rPr lang="fr-FR" dirty="0" err="1" smtClean="0"/>
+              <a:t>waveforms</a:t>
+            </a:r>
+            <a:r>
+              <a:rPr lang="fr-FR" dirty="0" smtClean="0"/>
+              <a:t> de la programmation PCS d’un ou plusieurs chocs</a:t>
+            </a:r>
           </a:p>
           <a:p>
             <a:pPr lvl="1"/>
             <a:r>
-              <a:rPr lang="en-GB" dirty="0" err="1" smtClean="0"/>
-              <a:t>Visualiser</a:t>
-            </a:r>
-            <a:r>
-              <a:rPr lang="en-GB" dirty="0" smtClean="0"/>
-              <a:t> les </a:t>
-            </a:r>
-            <a:r>
-              <a:rPr lang="en-GB" dirty="0" err="1" smtClean="0"/>
-              <a:t>signaux</a:t>
-            </a:r>
-            <a:r>
-              <a:rPr lang="en-GB" dirty="0" smtClean="0"/>
-              <a:t> courants d’un </a:t>
-            </a:r>
-            <a:r>
-              <a:rPr lang="en-GB" dirty="0" err="1" smtClean="0"/>
-              <a:t>ou</a:t>
-            </a:r>
-            <a:r>
-              <a:rPr lang="en-GB" dirty="0" smtClean="0"/>
-              <a:t> </a:t>
-            </a:r>
-            <a:r>
-              <a:rPr lang="en-GB" dirty="0" err="1" smtClean="0"/>
-              <a:t>plusieurs</a:t>
-            </a:r>
-            <a:r>
-              <a:rPr lang="en-GB" dirty="0" smtClean="0"/>
-              <a:t> </a:t>
-            </a:r>
-            <a:r>
-              <a:rPr lang="en-GB" dirty="0" err="1" smtClean="0"/>
-              <a:t>chocs</a:t>
-            </a:r>
-            <a:endParaRPr lang="en-GB" dirty="0" smtClean="0"/>
+              <a:rPr lang="fr-FR" dirty="0" smtClean="0"/>
+              <a:t>Visualiser les signaux courants d’un ou plusieurs chocs</a:t>
+            </a:r>
+          </a:p>
+          <a:p>
+            <a:pPr lvl="1"/>
+            <a:r>
+              <a:rPr lang="fr-FR" dirty="0" smtClean="0"/>
+              <a:t>Sauvegarde/Ouverture de la configuration des signaux/fenêtres </a:t>
+            </a:r>
+          </a:p>
+          <a:p>
+            <a:pPr lvl="1"/>
+            <a:endParaRPr lang="fr-FR" dirty="0" smtClean="0"/>
           </a:p>
           <a:p>
             <a:pPr marL="457200" lvl="1" indent="0">
               <a:buNone/>
             </a:pPr>
-            <a:endParaRPr lang="en-GB" dirty="0"/>
+            <a:endParaRPr lang="fr-FR" dirty="0"/>
+          </a:p>
+        </p:txBody>
+      </p:sp>
+      <p:sp>
+        <p:nvSpPr>
+          <p:cNvPr id="4" name="Rectangle 3"/>
+          <p:cNvSpPr/>
+          <p:nvPr/>
+        </p:nvSpPr>
+        <p:spPr>
+          <a:xfrm>
+            <a:off x="886686" y="5043056"/>
+            <a:ext cx="6553201" cy="1011382"/>
+          </a:xfrm>
+          <a:prstGeom prst="rect">
+            <a:avLst/>
+          </a:prstGeom>
+          <a:solidFill>
+            <a:schemeClr val="accent2"/>
+          </a:solidFill>
+          <a:ln>
+            <a:solidFill>
+              <a:schemeClr val="accent2">
+                <a:lumMod val="50000"/>
+              </a:schemeClr>
+            </a:solidFill>
+          </a:ln>
+        </p:spPr>
+        <p:style>
+          <a:lnRef idx="2">
+            <a:schemeClr val="accent1">
+              <a:shade val="50000"/>
+            </a:schemeClr>
+          </a:lnRef>
+          <a:fillRef idx="1">
+            <a:schemeClr val="accent1"/>
+          </a:fillRef>
+          <a:effectRef idx="0">
+            <a:schemeClr val="accent1"/>
+          </a:effectRef>
+          <a:fontRef idx="minor">
+            <a:schemeClr val="lt1"/>
+          </a:fontRef>
+        </p:style>
+        <p:txBody>
+          <a:bodyPr rtlCol="0" anchor="ctr"/>
+          <a:lstStyle/>
+          <a:p>
+            <a:pPr lvl="1"/>
+            <a:r>
+              <a:rPr lang="en-GB" sz="2400" dirty="0">
+                <a:latin typeface="Courier New" panose="02070309020205020404" pitchFamily="49" charset="0"/>
+                <a:cs typeface="Courier New" panose="02070309020205020404" pitchFamily="49" charset="0"/>
+              </a:rPr>
+              <a:t>module load </a:t>
+            </a:r>
+            <a:r>
+              <a:rPr lang="en-GB" sz="2400" dirty="0" err="1">
+                <a:latin typeface="Courier New" panose="02070309020205020404" pitchFamily="49" charset="0"/>
+                <a:cs typeface="Courier New" panose="02070309020205020404" pitchFamily="49" charset="0"/>
+              </a:rPr>
+              <a:t>tools_dc</a:t>
+            </a:r>
+            <a:endParaRPr lang="en-GB" sz="2400" dirty="0">
+              <a:latin typeface="Courier New" panose="02070309020205020404" pitchFamily="49" charset="0"/>
+              <a:cs typeface="Courier New" panose="02070309020205020404" pitchFamily="49" charset="0"/>
+            </a:endParaRPr>
+          </a:p>
+          <a:p>
+            <a:pPr lvl="1"/>
+            <a:r>
+              <a:rPr lang="en-GB" sz="2400" dirty="0" smtClean="0">
+                <a:latin typeface="Courier New" panose="02070309020205020404" pitchFamily="49" charset="0"/>
+                <a:cs typeface="Courier New" panose="02070309020205020404" pitchFamily="49" charset="0"/>
+              </a:rPr>
+              <a:t>CR</a:t>
+            </a:r>
+            <a:endParaRPr lang="en-GB" sz="2400" dirty="0"/>
           </a:p>
         </p:txBody>
       </p:sp>
@@ -3146,7 +3183,7 @@
       </p:grpSpPr>
       <p:pic>
         <p:nvPicPr>
-          <p:cNvPr id="4" name="Image 3"/>
+          <p:cNvPr id="5" name="Image 4"/>
           <p:cNvPicPr>
             <a:picLocks noChangeAspect="1"/>
           </p:cNvPicPr>
@@ -3160,950 +3197,18 @@
         </p:blipFill>
         <p:spPr>
           <a:xfrm>
-            <a:off x="609600" y="-14288"/>
-            <a:ext cx="10972800" cy="6886575"/>
+            <a:off x="95250" y="47625"/>
+            <a:ext cx="12001500" cy="6762750"/>
           </a:xfrm>
           <a:prstGeom prst="rect">
             <a:avLst/>
           </a:prstGeom>
         </p:spPr>
       </p:pic>
-      <p:sp>
-        <p:nvSpPr>
-          <p:cNvPr id="5" name="ZoneTexte 4"/>
-          <p:cNvSpPr txBox="1"/>
-          <p:nvPr/>
-        </p:nvSpPr>
-        <p:spPr>
-          <a:xfrm>
-            <a:off x="4758208" y="27742"/>
-            <a:ext cx="4075411" cy="523220"/>
-          </a:xfrm>
-          <a:prstGeom prst="rect">
-            <a:avLst/>
-          </a:prstGeom>
-          <a:solidFill>
-            <a:schemeClr val="bg1">
-              <a:lumMod val="85000"/>
-              <a:alpha val="60000"/>
-            </a:schemeClr>
-          </a:solidFill>
-          <a:ln>
-            <a:solidFill>
-              <a:schemeClr val="tx1"/>
-            </a:solidFill>
-          </a:ln>
-        </p:spPr>
-        <p:txBody>
-          <a:bodyPr wrap="none" rtlCol="0">
-            <a:spAutoFit/>
-          </a:bodyPr>
-          <a:lstStyle/>
-          <a:p>
-            <a:r>
-              <a:rPr lang="fr-FR" sz="1400" dirty="0" smtClean="0"/>
-              <a:t>Liste des chocs à afficher (séparés par des virgules). </a:t>
-            </a:r>
-          </a:p>
-          <a:p>
-            <a:r>
-              <a:rPr lang="fr-FR" sz="1400" dirty="0" smtClean="0"/>
-              <a:t>Raccourcis: 0 : prochain choc, -1 choc </a:t>
-            </a:r>
-            <a:r>
-              <a:rPr lang="fr-FR" sz="1400" dirty="0" err="1" smtClean="0"/>
-              <a:t>precedent</a:t>
-            </a:r>
-            <a:r>
-              <a:rPr lang="fr-FR" sz="1400" dirty="0" smtClean="0"/>
-              <a:t>, etc. </a:t>
-            </a:r>
-            <a:endParaRPr lang="fr-FR" sz="1400" dirty="0"/>
-          </a:p>
-        </p:txBody>
-      </p:sp>
-      <p:cxnSp>
-        <p:nvCxnSpPr>
-          <p:cNvPr id="7" name="Connecteur droit avec flèche 6"/>
-          <p:cNvCxnSpPr>
-            <a:stCxn id="5" idx="1"/>
-          </p:cNvCxnSpPr>
-          <p:nvPr/>
-        </p:nvCxnSpPr>
-        <p:spPr>
-          <a:xfrm flipH="1">
-            <a:off x="850900" y="289352"/>
-            <a:ext cx="3907308" cy="361270"/>
-          </a:xfrm>
-          <a:prstGeom prst="straightConnector1">
-            <a:avLst/>
-          </a:prstGeom>
-          <a:ln>
-            <a:solidFill>
-              <a:schemeClr val="tx1"/>
-            </a:solidFill>
-            <a:tailEnd type="triangle"/>
-          </a:ln>
-        </p:spPr>
-        <p:style>
-          <a:lnRef idx="1">
-            <a:schemeClr val="accent1"/>
-          </a:lnRef>
-          <a:fillRef idx="0">
-            <a:schemeClr val="accent1"/>
-          </a:fillRef>
-          <a:effectRef idx="0">
-            <a:schemeClr val="accent1"/>
-          </a:effectRef>
-          <a:fontRef idx="minor">
-            <a:schemeClr val="tx1"/>
-          </a:fontRef>
-        </p:style>
-      </p:cxnSp>
-      <p:sp>
-        <p:nvSpPr>
-          <p:cNvPr id="8" name="ZoneTexte 7"/>
-          <p:cNvSpPr txBox="1"/>
-          <p:nvPr/>
-        </p:nvSpPr>
-        <p:spPr>
-          <a:xfrm>
-            <a:off x="7031037" y="3516913"/>
-            <a:ext cx="3906839" cy="307777"/>
-          </a:xfrm>
-          <a:prstGeom prst="rect">
-            <a:avLst/>
-          </a:prstGeom>
-          <a:solidFill>
-            <a:schemeClr val="accent1">
-              <a:lumMod val="20000"/>
-              <a:lumOff val="80000"/>
-              <a:alpha val="60000"/>
-            </a:schemeClr>
-          </a:solidFill>
-          <a:ln>
-            <a:solidFill>
-              <a:schemeClr val="tx1"/>
-            </a:solidFill>
-          </a:ln>
-        </p:spPr>
-        <p:txBody>
-          <a:bodyPr wrap="none" rtlCol="0">
-            <a:spAutoFit/>
-          </a:bodyPr>
-          <a:lstStyle/>
-          <a:p>
-            <a:r>
-              <a:rPr lang="fr-FR" sz="1400" dirty="0" smtClean="0"/>
-              <a:t>Zone affichage des données en </a:t>
-            </a:r>
-            <a:r>
-              <a:rPr lang="fr-FR" sz="1400" dirty="0" err="1" smtClean="0"/>
-              <a:t>function</a:t>
-            </a:r>
-            <a:r>
-              <a:rPr lang="fr-FR" sz="1400" dirty="0" smtClean="0"/>
-              <a:t> du temps</a:t>
-            </a:r>
-            <a:endParaRPr lang="fr-FR" sz="1400" dirty="0"/>
-          </a:p>
-        </p:txBody>
-      </p:sp>
-      <p:sp>
-        <p:nvSpPr>
-          <p:cNvPr id="9" name="ZoneTexte 8"/>
-          <p:cNvSpPr txBox="1"/>
-          <p:nvPr/>
-        </p:nvSpPr>
-        <p:spPr>
-          <a:xfrm>
-            <a:off x="7029449" y="5847725"/>
-            <a:ext cx="3906839" cy="307777"/>
-          </a:xfrm>
-          <a:prstGeom prst="rect">
-            <a:avLst/>
-          </a:prstGeom>
-          <a:solidFill>
-            <a:schemeClr val="accent1">
-              <a:lumMod val="20000"/>
-              <a:lumOff val="80000"/>
-              <a:alpha val="60000"/>
-            </a:schemeClr>
-          </a:solidFill>
-          <a:ln>
-            <a:solidFill>
-              <a:schemeClr val="tx1"/>
-            </a:solidFill>
-          </a:ln>
-        </p:spPr>
-        <p:txBody>
-          <a:bodyPr wrap="none" rtlCol="0">
-            <a:spAutoFit/>
-          </a:bodyPr>
-          <a:lstStyle/>
-          <a:p>
-            <a:r>
-              <a:rPr lang="fr-FR" sz="1400" dirty="0" smtClean="0"/>
-              <a:t>Zone affichage des données en </a:t>
-            </a:r>
-            <a:r>
-              <a:rPr lang="fr-FR" sz="1400" dirty="0" err="1" smtClean="0"/>
-              <a:t>function</a:t>
-            </a:r>
-            <a:r>
-              <a:rPr lang="fr-FR" sz="1400" dirty="0" smtClean="0"/>
-              <a:t> du temps</a:t>
-            </a:r>
-            <a:endParaRPr lang="fr-FR" sz="1400" dirty="0"/>
-          </a:p>
-        </p:txBody>
-      </p:sp>
-      <p:sp>
-        <p:nvSpPr>
-          <p:cNvPr id="10" name="Rectangle 9"/>
-          <p:cNvSpPr/>
-          <p:nvPr/>
-        </p:nvSpPr>
-        <p:spPr>
-          <a:xfrm>
-            <a:off x="723900" y="1079500"/>
-            <a:ext cx="10756900" cy="2889082"/>
-          </a:xfrm>
-          <a:prstGeom prst="rect">
-            <a:avLst/>
-          </a:prstGeom>
-          <a:noFill/>
-          <a:ln w="38100">
-            <a:solidFill>
-              <a:schemeClr val="accent2"/>
-            </a:solidFill>
-          </a:ln>
-        </p:spPr>
-        <p:style>
-          <a:lnRef idx="2">
-            <a:schemeClr val="accent1">
-              <a:shade val="50000"/>
-            </a:schemeClr>
-          </a:lnRef>
-          <a:fillRef idx="1">
-            <a:schemeClr val="accent1"/>
-          </a:fillRef>
-          <a:effectRef idx="0">
-            <a:schemeClr val="accent1"/>
-          </a:effectRef>
-          <a:fontRef idx="minor">
-            <a:schemeClr val="lt1"/>
-          </a:fontRef>
-        </p:style>
-        <p:txBody>
-          <a:bodyPr rtlCol="0" anchor="ctr"/>
-          <a:lstStyle/>
-          <a:p>
-            <a:pPr algn="ctr"/>
-            <a:endParaRPr lang="fr-FR" dirty="0"/>
-          </a:p>
-        </p:txBody>
-      </p:sp>
-      <p:sp>
-        <p:nvSpPr>
-          <p:cNvPr id="11" name="ZoneTexte 10"/>
-          <p:cNvSpPr txBox="1"/>
-          <p:nvPr/>
-        </p:nvSpPr>
-        <p:spPr>
-          <a:xfrm>
-            <a:off x="5845347" y="1079500"/>
-            <a:ext cx="5635453" cy="307777"/>
-          </a:xfrm>
-          <a:prstGeom prst="rect">
-            <a:avLst/>
-          </a:prstGeom>
-          <a:solidFill>
-            <a:schemeClr val="bg1">
-              <a:lumMod val="85000"/>
-              <a:alpha val="60000"/>
-            </a:schemeClr>
-          </a:solidFill>
-          <a:ln>
-            <a:solidFill>
-              <a:schemeClr val="accent2"/>
-            </a:solidFill>
-          </a:ln>
-        </p:spPr>
-        <p:txBody>
-          <a:bodyPr wrap="none" rtlCol="0">
-            <a:spAutoFit/>
-          </a:bodyPr>
-          <a:lstStyle/>
-          <a:p>
-            <a:r>
-              <a:rPr lang="fr-FR" sz="1400" dirty="0" smtClean="0">
-                <a:solidFill>
-                  <a:schemeClr val="accent2">
-                    <a:lumMod val="75000"/>
-                  </a:schemeClr>
-                </a:solidFill>
-              </a:rPr>
-              <a:t>“Panel”. On peut ajouter et enlever des panels (tous empilés verticalement)</a:t>
-            </a:r>
-            <a:endParaRPr lang="fr-FR" sz="1400" dirty="0">
-              <a:solidFill>
-                <a:schemeClr val="accent2">
-                  <a:lumMod val="75000"/>
-                </a:schemeClr>
-              </a:solidFill>
-            </a:endParaRPr>
-          </a:p>
-        </p:txBody>
-      </p:sp>
-      <p:sp>
-        <p:nvSpPr>
-          <p:cNvPr id="13" name="Rectangle 12"/>
-          <p:cNvSpPr/>
-          <p:nvPr/>
-        </p:nvSpPr>
-        <p:spPr>
-          <a:xfrm>
-            <a:off x="609600" y="812572"/>
-            <a:ext cx="1968500" cy="266928"/>
-          </a:xfrm>
-          <a:prstGeom prst="rect">
-            <a:avLst/>
-          </a:prstGeom>
-          <a:noFill/>
-          <a:ln w="38100">
-            <a:solidFill>
-              <a:schemeClr val="tx2"/>
-            </a:solidFill>
-          </a:ln>
-        </p:spPr>
-        <p:style>
-          <a:lnRef idx="2">
-            <a:schemeClr val="accent1">
-              <a:shade val="50000"/>
-            </a:schemeClr>
-          </a:lnRef>
-          <a:fillRef idx="1">
-            <a:schemeClr val="accent1"/>
-          </a:fillRef>
-          <a:effectRef idx="0">
-            <a:schemeClr val="accent1"/>
-          </a:effectRef>
-          <a:fontRef idx="minor">
-            <a:schemeClr val="lt1"/>
-          </a:fontRef>
-        </p:style>
-        <p:txBody>
-          <a:bodyPr rtlCol="0" anchor="ctr"/>
-          <a:lstStyle/>
-          <a:p>
-            <a:pPr algn="ctr"/>
-            <a:endParaRPr lang="fr-FR" dirty="0"/>
-          </a:p>
-        </p:txBody>
-      </p:sp>
-      <p:sp>
-        <p:nvSpPr>
-          <p:cNvPr id="14" name="ZoneTexte 13"/>
-          <p:cNvSpPr txBox="1"/>
-          <p:nvPr/>
-        </p:nvSpPr>
-        <p:spPr>
-          <a:xfrm>
-            <a:off x="4333679" y="650622"/>
-            <a:ext cx="5391541" cy="307777"/>
-          </a:xfrm>
-          <a:prstGeom prst="rect">
-            <a:avLst/>
-          </a:prstGeom>
-          <a:solidFill>
-            <a:schemeClr val="bg1">
-              <a:lumMod val="85000"/>
-              <a:alpha val="60000"/>
-            </a:schemeClr>
-          </a:solidFill>
-          <a:ln>
-            <a:solidFill>
-              <a:schemeClr val="tx2"/>
-            </a:solidFill>
-          </a:ln>
-        </p:spPr>
-        <p:txBody>
-          <a:bodyPr wrap="none" rtlCol="0">
-            <a:spAutoFit/>
-          </a:bodyPr>
-          <a:lstStyle/>
-          <a:p>
-            <a:r>
-              <a:rPr lang="fr-FR" sz="1400" dirty="0" smtClean="0">
-                <a:solidFill>
-                  <a:schemeClr val="tx2">
-                    <a:lumMod val="75000"/>
-                  </a:schemeClr>
-                </a:solidFill>
-              </a:rPr>
-              <a:t>“Tabs”. On peut ajouter et enlever des Tabs, qui contiennent des panels</a:t>
-            </a:r>
-            <a:endParaRPr lang="fr-FR" sz="1400" dirty="0">
-              <a:solidFill>
-                <a:schemeClr val="tx2">
-                  <a:lumMod val="75000"/>
-                </a:schemeClr>
-              </a:solidFill>
-            </a:endParaRPr>
-          </a:p>
-        </p:txBody>
-      </p:sp>
-      <p:cxnSp>
-        <p:nvCxnSpPr>
-          <p:cNvPr id="15" name="Connecteur droit avec flèche 14"/>
-          <p:cNvCxnSpPr/>
-          <p:nvPr/>
-        </p:nvCxnSpPr>
-        <p:spPr>
-          <a:xfrm flipH="1">
-            <a:off x="2606479" y="838315"/>
-            <a:ext cx="1698821" cy="141525"/>
-          </a:xfrm>
-          <a:prstGeom prst="straightConnector1">
-            <a:avLst/>
-          </a:prstGeom>
-          <a:ln>
-            <a:solidFill>
-              <a:schemeClr val="tx1"/>
-            </a:solidFill>
-            <a:tailEnd type="triangle"/>
-          </a:ln>
-        </p:spPr>
-        <p:style>
-          <a:lnRef idx="1">
-            <a:schemeClr val="accent1"/>
-          </a:lnRef>
-          <a:fillRef idx="0">
-            <a:schemeClr val="accent1"/>
-          </a:fillRef>
-          <a:effectRef idx="0">
-            <a:schemeClr val="accent1"/>
-          </a:effectRef>
-          <a:fontRef idx="minor">
-            <a:schemeClr val="tx1"/>
-          </a:fontRef>
-        </p:style>
-      </p:cxnSp>
-      <p:sp>
-        <p:nvSpPr>
-          <p:cNvPr id="18" name="ZoneTexte 17"/>
-          <p:cNvSpPr txBox="1"/>
-          <p:nvPr/>
-        </p:nvSpPr>
-        <p:spPr>
-          <a:xfrm>
-            <a:off x="962398" y="2867897"/>
-            <a:ext cx="2493491" cy="738664"/>
-          </a:xfrm>
-          <a:prstGeom prst="rect">
-            <a:avLst/>
-          </a:prstGeom>
-          <a:solidFill>
-            <a:schemeClr val="bg1">
-              <a:lumMod val="85000"/>
-              <a:alpha val="90000"/>
-            </a:schemeClr>
-          </a:solidFill>
-          <a:ln>
-            <a:solidFill>
-              <a:schemeClr val="tx1"/>
-            </a:solidFill>
-          </a:ln>
-        </p:spPr>
-        <p:txBody>
-          <a:bodyPr wrap="square" rtlCol="0">
-            <a:spAutoFit/>
-          </a:bodyPr>
-          <a:lstStyle/>
-          <a:p>
-            <a:r>
-              <a:rPr lang="fr-FR" sz="1400" dirty="0" smtClean="0"/>
-              <a:t>Sélection des courbes à afficher sur la zone de droite (ajouter/enlever)</a:t>
-            </a:r>
-            <a:endParaRPr lang="fr-FR" sz="1400" dirty="0"/>
-          </a:p>
-        </p:txBody>
-      </p:sp>
-      <p:sp>
-        <p:nvSpPr>
-          <p:cNvPr id="19" name="ZoneTexte 18"/>
-          <p:cNvSpPr txBox="1"/>
-          <p:nvPr/>
-        </p:nvSpPr>
-        <p:spPr>
-          <a:xfrm>
-            <a:off x="1024671" y="5007664"/>
-            <a:ext cx="2082800" cy="738664"/>
-          </a:xfrm>
-          <a:prstGeom prst="rect">
-            <a:avLst/>
-          </a:prstGeom>
-          <a:solidFill>
-            <a:schemeClr val="bg1">
-              <a:lumMod val="85000"/>
-              <a:alpha val="90000"/>
-            </a:schemeClr>
-          </a:solidFill>
-          <a:ln>
-            <a:solidFill>
-              <a:schemeClr val="tx1"/>
-            </a:solidFill>
-          </a:ln>
-        </p:spPr>
-        <p:txBody>
-          <a:bodyPr wrap="square" rtlCol="0">
-            <a:spAutoFit/>
-          </a:bodyPr>
-          <a:lstStyle/>
-          <a:p>
-            <a:r>
-              <a:rPr lang="fr-FR" sz="1400" dirty="0" smtClean="0"/>
-              <a:t>Sélection des courbes à afficher sur la zone de droite (ajouter/enlever)</a:t>
-            </a:r>
-            <a:endParaRPr lang="fr-FR" sz="1400" dirty="0"/>
-          </a:p>
-        </p:txBody>
-      </p:sp>
-      <p:sp>
-        <p:nvSpPr>
-          <p:cNvPr id="20" name="Rectangle 19"/>
-          <p:cNvSpPr/>
-          <p:nvPr/>
-        </p:nvSpPr>
-        <p:spPr>
-          <a:xfrm>
-            <a:off x="822521" y="4105360"/>
-            <a:ext cx="1107879" cy="292100"/>
-          </a:xfrm>
-          <a:prstGeom prst="rect">
-            <a:avLst/>
-          </a:prstGeom>
-          <a:noFill/>
-          <a:ln w="57150">
-            <a:solidFill>
-              <a:schemeClr val="accent6">
-                <a:lumMod val="50000"/>
-              </a:schemeClr>
-            </a:solidFill>
-          </a:ln>
-        </p:spPr>
-        <p:style>
-          <a:lnRef idx="2">
-            <a:schemeClr val="accent1">
-              <a:shade val="50000"/>
-            </a:schemeClr>
-          </a:lnRef>
-          <a:fillRef idx="1">
-            <a:schemeClr val="accent1"/>
-          </a:fillRef>
-          <a:effectRef idx="0">
-            <a:schemeClr val="accent1"/>
-          </a:effectRef>
-          <a:fontRef idx="minor">
-            <a:schemeClr val="lt1"/>
-          </a:fontRef>
-        </p:style>
-        <p:txBody>
-          <a:bodyPr rtlCol="0" anchor="ctr"/>
-          <a:lstStyle/>
-          <a:p>
-            <a:pPr algn="ctr"/>
-            <a:endParaRPr lang="fr-FR" dirty="0"/>
-          </a:p>
-        </p:txBody>
-      </p:sp>
-      <p:cxnSp>
-        <p:nvCxnSpPr>
-          <p:cNvPr id="21" name="Connecteur droit avec flèche 20"/>
-          <p:cNvCxnSpPr/>
-          <p:nvPr/>
-        </p:nvCxnSpPr>
-        <p:spPr>
-          <a:xfrm flipH="1" flipV="1">
-            <a:off x="1940953" y="4475688"/>
-            <a:ext cx="1727201" cy="144681"/>
-          </a:xfrm>
-          <a:prstGeom prst="straightConnector1">
-            <a:avLst/>
-          </a:prstGeom>
-          <a:ln>
-            <a:solidFill>
-              <a:schemeClr val="tx1"/>
-            </a:solidFill>
-            <a:tailEnd type="triangle"/>
-          </a:ln>
-        </p:spPr>
-        <p:style>
-          <a:lnRef idx="1">
-            <a:schemeClr val="accent1"/>
-          </a:lnRef>
-          <a:fillRef idx="0">
-            <a:schemeClr val="accent1"/>
-          </a:fillRef>
-          <a:effectRef idx="0">
-            <a:schemeClr val="accent1"/>
-          </a:effectRef>
-          <a:fontRef idx="minor">
-            <a:schemeClr val="tx1"/>
-          </a:fontRef>
-        </p:style>
-      </p:cxnSp>
-      <p:sp>
-        <p:nvSpPr>
-          <p:cNvPr id="23" name="ZoneTexte 22"/>
-          <p:cNvSpPr txBox="1"/>
-          <p:nvPr/>
-        </p:nvSpPr>
-        <p:spPr>
-          <a:xfrm>
-            <a:off x="3689262" y="4475688"/>
-            <a:ext cx="6677725" cy="307777"/>
-          </a:xfrm>
-          <a:prstGeom prst="rect">
-            <a:avLst/>
-          </a:prstGeom>
-          <a:solidFill>
-            <a:schemeClr val="bg1">
-              <a:lumMod val="85000"/>
-              <a:alpha val="60000"/>
-            </a:schemeClr>
-          </a:solidFill>
-          <a:ln>
-            <a:solidFill>
-              <a:schemeClr val="tx2"/>
-            </a:solidFill>
-          </a:ln>
-        </p:spPr>
-        <p:txBody>
-          <a:bodyPr wrap="none" rtlCol="0">
-            <a:spAutoFit/>
-          </a:bodyPr>
-          <a:lstStyle/>
-          <a:p>
-            <a:r>
-              <a:rPr lang="fr-FR" sz="1400" dirty="0" smtClean="0">
-                <a:solidFill>
-                  <a:schemeClr val="tx2">
-                    <a:lumMod val="75000"/>
-                  </a:schemeClr>
-                </a:solidFill>
-              </a:rPr>
-              <a:t>Zone de recherche, pour filtrer parmi tous les signaux pour en trouver un plus rapidement</a:t>
-            </a:r>
-            <a:endParaRPr lang="fr-FR" sz="1400" dirty="0">
-              <a:solidFill>
-                <a:schemeClr val="tx2">
-                  <a:lumMod val="75000"/>
-                </a:schemeClr>
-              </a:solidFill>
-            </a:endParaRPr>
-          </a:p>
-        </p:txBody>
-      </p:sp>
-      <p:sp>
-        <p:nvSpPr>
-          <p:cNvPr id="24" name="Rectangle 23"/>
-          <p:cNvSpPr/>
-          <p:nvPr/>
-        </p:nvSpPr>
-        <p:spPr>
-          <a:xfrm>
-            <a:off x="2606479" y="1262668"/>
-            <a:ext cx="1107879" cy="292100"/>
-          </a:xfrm>
-          <a:prstGeom prst="rect">
-            <a:avLst/>
-          </a:prstGeom>
-          <a:noFill/>
-          <a:ln w="57150">
-            <a:solidFill>
-              <a:schemeClr val="accent6">
-                <a:lumMod val="50000"/>
-              </a:schemeClr>
-            </a:solidFill>
-          </a:ln>
-        </p:spPr>
-        <p:style>
-          <a:lnRef idx="2">
-            <a:schemeClr val="accent1">
-              <a:shade val="50000"/>
-            </a:schemeClr>
-          </a:lnRef>
-          <a:fillRef idx="1">
-            <a:schemeClr val="accent1"/>
-          </a:fillRef>
-          <a:effectRef idx="0">
-            <a:schemeClr val="accent1"/>
-          </a:effectRef>
-          <a:fontRef idx="minor">
-            <a:schemeClr val="lt1"/>
-          </a:fontRef>
-        </p:style>
-        <p:txBody>
-          <a:bodyPr rtlCol="0" anchor="ctr"/>
-          <a:lstStyle/>
-          <a:p>
-            <a:pPr algn="ctr"/>
-            <a:endParaRPr lang="fr-FR" dirty="0"/>
-          </a:p>
-        </p:txBody>
-      </p:sp>
-      <p:cxnSp>
-        <p:nvCxnSpPr>
-          <p:cNvPr id="25" name="Connecteur droit avec flèche 24"/>
-          <p:cNvCxnSpPr/>
-          <p:nvPr/>
-        </p:nvCxnSpPr>
-        <p:spPr>
-          <a:xfrm flipH="1" flipV="1">
-            <a:off x="3741552" y="1554770"/>
-            <a:ext cx="1091150" cy="553247"/>
-          </a:xfrm>
-          <a:prstGeom prst="straightConnector1">
-            <a:avLst/>
-          </a:prstGeom>
-          <a:ln>
-            <a:solidFill>
-              <a:schemeClr val="tx1"/>
-            </a:solidFill>
-            <a:tailEnd type="triangle"/>
-          </a:ln>
-        </p:spPr>
-        <p:style>
-          <a:lnRef idx="1">
-            <a:schemeClr val="accent1"/>
-          </a:lnRef>
-          <a:fillRef idx="0">
-            <a:schemeClr val="accent1"/>
-          </a:fillRef>
-          <a:effectRef idx="0">
-            <a:schemeClr val="accent1"/>
-          </a:effectRef>
-          <a:fontRef idx="minor">
-            <a:schemeClr val="tx1"/>
-          </a:fontRef>
-        </p:style>
-      </p:cxnSp>
-      <p:sp>
-        <p:nvSpPr>
-          <p:cNvPr id="27" name="ZoneTexte 26"/>
-          <p:cNvSpPr txBox="1"/>
-          <p:nvPr/>
-        </p:nvSpPr>
-        <p:spPr>
-          <a:xfrm>
-            <a:off x="4832702" y="1558127"/>
-            <a:ext cx="5608779" cy="1384995"/>
-          </a:xfrm>
-          <a:prstGeom prst="rect">
-            <a:avLst/>
-          </a:prstGeom>
-          <a:solidFill>
-            <a:schemeClr val="accent6">
-              <a:lumMod val="20000"/>
-              <a:lumOff val="80000"/>
-              <a:alpha val="60000"/>
-            </a:schemeClr>
-          </a:solidFill>
-          <a:ln>
-            <a:solidFill>
-              <a:schemeClr val="tx2"/>
-            </a:solidFill>
-          </a:ln>
-        </p:spPr>
-        <p:txBody>
-          <a:bodyPr wrap="square" rtlCol="0">
-            <a:spAutoFit/>
-          </a:bodyPr>
-          <a:lstStyle/>
-          <a:p>
-            <a:r>
-              <a:rPr lang="fr-FR" sz="1400" dirty="0" smtClean="0">
-                <a:solidFill>
-                  <a:schemeClr val="tx2">
-                    <a:lumMod val="75000"/>
-                  </a:schemeClr>
-                </a:solidFill>
-              </a:rPr>
-              <a:t>Sélection </a:t>
-            </a:r>
-          </a:p>
-          <a:p>
-            <a:pPr marL="285750" indent="-285750">
-              <a:buFontTx/>
-              <a:buChar char="-"/>
-            </a:pPr>
-            <a:r>
-              <a:rPr lang="fr-FR" sz="1400" dirty="0" smtClean="0">
-                <a:solidFill>
-                  <a:schemeClr val="tx2">
-                    <a:lumMod val="75000"/>
-                  </a:schemeClr>
-                </a:solidFill>
-              </a:rPr>
-              <a:t>“</a:t>
-            </a:r>
-            <a:r>
-              <a:rPr lang="fr-FR" sz="1400" dirty="0" err="1" smtClean="0">
-                <a:solidFill>
-                  <a:schemeClr val="tx2">
-                    <a:lumMod val="75000"/>
-                  </a:schemeClr>
-                </a:solidFill>
-              </a:rPr>
-              <a:t>signals</a:t>
-            </a:r>
-            <a:r>
-              <a:rPr lang="fr-FR" sz="1400" dirty="0" smtClean="0">
-                <a:solidFill>
-                  <a:schemeClr val="tx2">
-                    <a:lumMod val="75000"/>
-                  </a:schemeClr>
-                </a:solidFill>
-              </a:rPr>
-              <a:t>” (signaux de la base de données) </a:t>
-            </a:r>
-          </a:p>
-          <a:p>
-            <a:r>
-              <a:rPr lang="fr-FR" sz="1400" dirty="0" smtClean="0">
-                <a:solidFill>
-                  <a:schemeClr val="tx2">
-                    <a:lumMod val="75000"/>
-                  </a:schemeClr>
-                </a:solidFill>
-              </a:rPr>
-              <a:t>ou </a:t>
-            </a:r>
-          </a:p>
-          <a:p>
-            <a:pPr marL="285750" indent="-285750">
-              <a:buFontTx/>
-              <a:buChar char="-"/>
-            </a:pPr>
-            <a:r>
-              <a:rPr lang="fr-FR" sz="1400" dirty="0" smtClean="0">
-                <a:solidFill>
-                  <a:schemeClr val="tx2">
-                    <a:lumMod val="75000"/>
-                  </a:schemeClr>
-                </a:solidFill>
-              </a:rPr>
-              <a:t>“</a:t>
-            </a:r>
-            <a:r>
-              <a:rPr lang="fr-FR" sz="1400" dirty="0" err="1" smtClean="0">
-                <a:solidFill>
-                  <a:schemeClr val="tx2">
-                    <a:lumMod val="75000"/>
-                  </a:schemeClr>
-                </a:solidFill>
-              </a:rPr>
-              <a:t>waveforms</a:t>
-            </a:r>
-            <a:r>
-              <a:rPr lang="fr-FR" sz="1400" dirty="0" smtClean="0">
-                <a:solidFill>
-                  <a:schemeClr val="tx2">
-                    <a:lumMod val="75000"/>
-                  </a:schemeClr>
-                </a:solidFill>
-              </a:rPr>
-              <a:t>” (signaux de la configuration PCS)</a:t>
-            </a:r>
-          </a:p>
-          <a:p>
-            <a:endParaRPr lang="fr-FR" sz="1400" dirty="0" smtClean="0">
-              <a:solidFill>
-                <a:schemeClr val="tx2">
-                  <a:lumMod val="75000"/>
-                </a:schemeClr>
-              </a:solidFill>
-            </a:endParaRPr>
-          </a:p>
-          <a:p>
-            <a:r>
-              <a:rPr lang="fr-FR" sz="1400" dirty="0" smtClean="0">
-                <a:solidFill>
-                  <a:schemeClr val="tx2">
-                    <a:lumMod val="75000"/>
-                  </a:schemeClr>
-                </a:solidFill>
-              </a:rPr>
-              <a:t>On devrait pouvoir superposer les deux éventuellement?</a:t>
-            </a:r>
-            <a:endParaRPr lang="fr-FR" sz="1400" dirty="0">
-              <a:solidFill>
-                <a:schemeClr val="tx2">
-                  <a:lumMod val="75000"/>
-                </a:schemeClr>
-              </a:solidFill>
-            </a:endParaRPr>
-          </a:p>
-        </p:txBody>
-      </p:sp>
-      <p:sp>
-        <p:nvSpPr>
-          <p:cNvPr id="29" name="ZoneTexte 28"/>
-          <p:cNvSpPr txBox="1"/>
-          <p:nvPr/>
-        </p:nvSpPr>
-        <p:spPr>
-          <a:xfrm>
-            <a:off x="1024671" y="6048755"/>
-            <a:ext cx="4852482" cy="307777"/>
-          </a:xfrm>
-          <a:prstGeom prst="rect">
-            <a:avLst/>
-          </a:prstGeom>
-          <a:solidFill>
-            <a:schemeClr val="bg1">
-              <a:lumMod val="85000"/>
-              <a:alpha val="60000"/>
-            </a:schemeClr>
-          </a:solidFill>
-          <a:ln>
-            <a:solidFill>
-              <a:schemeClr val="tx2"/>
-            </a:solidFill>
-          </a:ln>
-        </p:spPr>
-        <p:txBody>
-          <a:bodyPr wrap="none" rtlCol="0">
-            <a:spAutoFit/>
-          </a:bodyPr>
-          <a:lstStyle/>
-          <a:p>
-            <a:r>
-              <a:rPr lang="fr-FR" sz="1400" dirty="0" smtClean="0">
-                <a:solidFill>
-                  <a:schemeClr val="tx2">
-                    <a:lumMod val="75000"/>
-                  </a:schemeClr>
-                </a:solidFill>
-              </a:rPr>
-              <a:t>La sone de sélection peut être redimensionnée et même cachée</a:t>
-            </a:r>
-            <a:endParaRPr lang="fr-FR" sz="1400" dirty="0">
-              <a:solidFill>
-                <a:schemeClr val="tx2">
-                  <a:lumMod val="75000"/>
-                </a:schemeClr>
-              </a:solidFill>
-            </a:endParaRPr>
-          </a:p>
-        </p:txBody>
-      </p:sp>
     </p:spTree>
     <p:extLst>
       <p:ext uri="{BB962C8B-B14F-4D97-AF65-F5344CB8AC3E}">
-        <p14:creationId xmlns:p14="http://schemas.microsoft.com/office/powerpoint/2010/main" val="2068212747"/>
+        <p14:creationId xmlns:p14="http://schemas.microsoft.com/office/powerpoint/2010/main" val="1269417001"/>
       </p:ext>
     </p:extLst>
   </p:cSld>
@@ -4137,244 +3242,1056 @@
           <a:chExt cx="0" cy="0"/>
         </a:xfrm>
       </p:grpSpPr>
-      <p:sp>
-        <p:nvSpPr>
-          <p:cNvPr id="2" name="Titre 1"/>
-          <p:cNvSpPr>
-            <a:spLocks noGrp="1"/>
-          </p:cNvSpPr>
-          <p:nvPr>
-            <p:ph type="title"/>
-          </p:nvPr>
-        </p:nvSpPr>
-        <p:spPr/>
-        <p:txBody>
-          <a:bodyPr/>
-          <a:lstStyle/>
-          <a:p>
-            <a:r>
-              <a:rPr lang="en-GB" dirty="0" smtClean="0"/>
-              <a:t>TODO</a:t>
-            </a:r>
-            <a:endParaRPr lang="en-GB" dirty="0"/>
-          </a:p>
-        </p:txBody>
-      </p:sp>
-      <p:sp>
-        <p:nvSpPr>
-          <p:cNvPr id="3" name="Espace réservé du contenu 2"/>
-          <p:cNvSpPr>
-            <a:spLocks noGrp="1"/>
-          </p:cNvSpPr>
-          <p:nvPr>
-            <p:ph idx="1"/>
-          </p:nvPr>
-        </p:nvSpPr>
-        <p:spPr/>
-        <p:txBody>
-          <a:bodyPr/>
-          <a:lstStyle/>
-          <a:p>
-            <a:r>
-              <a:rPr lang="en-GB" dirty="0" smtClean="0">
+      <p:pic>
+        <p:nvPicPr>
+          <p:cNvPr id="2" name="Image 1"/>
+          <p:cNvPicPr>
+            <a:picLocks noChangeAspect="1"/>
+          </p:cNvPicPr>
+          <p:nvPr/>
+        </p:nvPicPr>
+        <p:blipFill>
+          <a:blip r:embed="rId2"/>
+          <a:stretch>
+            <a:fillRect/>
+          </a:stretch>
+        </p:blipFill>
+        <p:spPr>
+          <a:xfrm>
+            <a:off x="95250" y="47625"/>
+            <a:ext cx="12001500" cy="6762750"/>
+          </a:xfrm>
+          <a:prstGeom prst="rect">
+            <a:avLst/>
+          </a:prstGeom>
+        </p:spPr>
+      </p:pic>
+      <p:sp>
+        <p:nvSpPr>
+          <p:cNvPr id="5" name="ZoneTexte 4"/>
+          <p:cNvSpPr txBox="1"/>
+          <p:nvPr/>
+        </p:nvSpPr>
+        <p:spPr>
+          <a:xfrm>
+            <a:off x="4758208" y="27742"/>
+            <a:ext cx="4075411" cy="523220"/>
+          </a:xfrm>
+          <a:prstGeom prst="rect">
+            <a:avLst/>
+          </a:prstGeom>
+          <a:solidFill>
+            <a:schemeClr val="bg1">
+              <a:lumMod val="85000"/>
+              <a:alpha val="60000"/>
+            </a:schemeClr>
+          </a:solidFill>
+          <a:ln>
+            <a:solidFill>
+              <a:schemeClr val="tx1"/>
+            </a:solidFill>
+          </a:ln>
+        </p:spPr>
+        <p:txBody>
+          <a:bodyPr wrap="none" rtlCol="0">
+            <a:spAutoFit/>
+          </a:bodyPr>
+          <a:lstStyle/>
+          <a:p>
+            <a:r>
+              <a:rPr lang="fr-FR" sz="1400" dirty="0" smtClean="0"/>
+              <a:t>Liste des chocs à afficher (séparés par des virgules). </a:t>
+            </a:r>
+          </a:p>
+          <a:p>
+            <a:r>
+              <a:rPr lang="fr-FR" sz="1400" dirty="0" smtClean="0"/>
+              <a:t>Raccourcis: 0 : prochain choc, -1 choc </a:t>
+            </a:r>
+            <a:r>
+              <a:rPr lang="fr-FR" sz="1400" dirty="0" err="1" smtClean="0"/>
+              <a:t>precedent</a:t>
+            </a:r>
+            <a:r>
+              <a:rPr lang="fr-FR" sz="1400" dirty="0" smtClean="0"/>
+              <a:t>, etc. </a:t>
+            </a:r>
+            <a:endParaRPr lang="fr-FR" sz="1400" dirty="0"/>
+          </a:p>
+        </p:txBody>
+      </p:sp>
+      <p:cxnSp>
+        <p:nvCxnSpPr>
+          <p:cNvPr id="7" name="Connecteur droit avec flèche 6"/>
+          <p:cNvCxnSpPr>
+            <a:stCxn id="5" idx="1"/>
+          </p:cNvCxnSpPr>
+          <p:nvPr/>
+        </p:nvCxnSpPr>
+        <p:spPr>
+          <a:xfrm flipH="1">
+            <a:off x="850900" y="289352"/>
+            <a:ext cx="3907308" cy="361270"/>
+          </a:xfrm>
+          <a:prstGeom prst="straightConnector1">
+            <a:avLst/>
+          </a:prstGeom>
+          <a:ln>
+            <a:solidFill>
+              <a:schemeClr val="tx1"/>
+            </a:solidFill>
+            <a:tailEnd type="triangle"/>
+          </a:ln>
+        </p:spPr>
+        <p:style>
+          <a:lnRef idx="1">
+            <a:schemeClr val="accent1"/>
+          </a:lnRef>
+          <a:fillRef idx="0">
+            <a:schemeClr val="accent1"/>
+          </a:fillRef>
+          <a:effectRef idx="0">
+            <a:schemeClr val="accent1"/>
+          </a:effectRef>
+          <a:fontRef idx="minor">
+            <a:schemeClr val="tx1"/>
+          </a:fontRef>
+        </p:style>
+      </p:cxnSp>
+      <p:sp>
+        <p:nvSpPr>
+          <p:cNvPr id="8" name="ZoneTexte 7"/>
+          <p:cNvSpPr txBox="1"/>
+          <p:nvPr/>
+        </p:nvSpPr>
+        <p:spPr>
+          <a:xfrm>
+            <a:off x="7002444" y="3228023"/>
+            <a:ext cx="3808478" cy="307777"/>
+          </a:xfrm>
+          <a:prstGeom prst="rect">
+            <a:avLst/>
+          </a:prstGeom>
+          <a:solidFill>
+            <a:schemeClr val="accent1">
+              <a:lumMod val="20000"/>
+              <a:lumOff val="80000"/>
+              <a:alpha val="60000"/>
+            </a:schemeClr>
+          </a:solidFill>
+          <a:ln>
+            <a:solidFill>
+              <a:schemeClr val="tx1"/>
+            </a:solidFill>
+          </a:ln>
+        </p:spPr>
+        <p:txBody>
+          <a:bodyPr wrap="none" rtlCol="0">
+            <a:spAutoFit/>
+          </a:bodyPr>
+          <a:lstStyle/>
+          <a:p>
+            <a:r>
+              <a:rPr lang="fr-FR" sz="1400" dirty="0" smtClean="0"/>
+              <a:t>Zone affichage des données en </a:t>
+            </a:r>
+            <a:r>
+              <a:rPr lang="fr-FR" sz="1400" dirty="0" smtClean="0"/>
+              <a:t>fonction </a:t>
+            </a:r>
+            <a:r>
+              <a:rPr lang="fr-FR" sz="1400" dirty="0" smtClean="0"/>
+              <a:t>du temps</a:t>
+            </a:r>
+            <a:endParaRPr lang="fr-FR" sz="1400" dirty="0"/>
+          </a:p>
+        </p:txBody>
+      </p:sp>
+      <p:sp>
+        <p:nvSpPr>
+          <p:cNvPr id="9" name="ZoneTexte 8"/>
+          <p:cNvSpPr txBox="1"/>
+          <p:nvPr/>
+        </p:nvSpPr>
+        <p:spPr>
+          <a:xfrm>
+            <a:off x="7029449" y="5847725"/>
+            <a:ext cx="3808478" cy="307777"/>
+          </a:xfrm>
+          <a:prstGeom prst="rect">
+            <a:avLst/>
+          </a:prstGeom>
+          <a:solidFill>
+            <a:schemeClr val="accent1">
+              <a:lumMod val="20000"/>
+              <a:lumOff val="80000"/>
+              <a:alpha val="60000"/>
+            </a:schemeClr>
+          </a:solidFill>
+          <a:ln>
+            <a:solidFill>
+              <a:schemeClr val="tx1"/>
+            </a:solidFill>
+          </a:ln>
+        </p:spPr>
+        <p:txBody>
+          <a:bodyPr wrap="none" rtlCol="0">
+            <a:spAutoFit/>
+          </a:bodyPr>
+          <a:lstStyle/>
+          <a:p>
+            <a:r>
+              <a:rPr lang="fr-FR" sz="1400" dirty="0" smtClean="0"/>
+              <a:t>Zone affichage des données en </a:t>
+            </a:r>
+            <a:r>
+              <a:rPr lang="fr-FR" sz="1400" dirty="0" smtClean="0"/>
+              <a:t>fonction </a:t>
+            </a:r>
+            <a:r>
+              <a:rPr lang="fr-FR" sz="1400" dirty="0" smtClean="0"/>
+              <a:t>du temps</a:t>
+            </a:r>
+            <a:endParaRPr lang="fr-FR" sz="1400" dirty="0"/>
+          </a:p>
+        </p:txBody>
+      </p:sp>
+      <p:sp>
+        <p:nvSpPr>
+          <p:cNvPr id="10" name="Rectangle 9"/>
+          <p:cNvSpPr/>
+          <p:nvPr/>
+        </p:nvSpPr>
+        <p:spPr>
+          <a:xfrm>
+            <a:off x="151237" y="1079500"/>
+            <a:ext cx="11791381" cy="2889082"/>
+          </a:xfrm>
+          <a:prstGeom prst="rect">
+            <a:avLst/>
+          </a:prstGeom>
+          <a:noFill/>
+          <a:ln w="38100">
+            <a:solidFill>
+              <a:schemeClr val="accent2"/>
+            </a:solidFill>
+          </a:ln>
+        </p:spPr>
+        <p:style>
+          <a:lnRef idx="2">
+            <a:schemeClr val="accent1">
+              <a:shade val="50000"/>
+            </a:schemeClr>
+          </a:lnRef>
+          <a:fillRef idx="1">
+            <a:schemeClr val="accent1"/>
+          </a:fillRef>
+          <a:effectRef idx="0">
+            <a:schemeClr val="accent1"/>
+          </a:effectRef>
+          <a:fontRef idx="minor">
+            <a:schemeClr val="lt1"/>
+          </a:fontRef>
+        </p:style>
+        <p:txBody>
+          <a:bodyPr rtlCol="0" anchor="ctr"/>
+          <a:lstStyle/>
+          <a:p>
+            <a:pPr algn="ctr"/>
+            <a:endParaRPr lang="fr-FR" dirty="0"/>
+          </a:p>
+        </p:txBody>
+      </p:sp>
+      <p:sp>
+        <p:nvSpPr>
+          <p:cNvPr id="11" name="ZoneTexte 10"/>
+          <p:cNvSpPr txBox="1"/>
+          <p:nvPr/>
+        </p:nvSpPr>
+        <p:spPr>
+          <a:xfrm>
+            <a:off x="5845347" y="1079500"/>
+            <a:ext cx="5635453" cy="307777"/>
+          </a:xfrm>
+          <a:prstGeom prst="rect">
+            <a:avLst/>
+          </a:prstGeom>
+          <a:solidFill>
+            <a:schemeClr val="bg1">
+              <a:lumMod val="85000"/>
+              <a:alpha val="60000"/>
+            </a:schemeClr>
+          </a:solidFill>
+          <a:ln>
+            <a:solidFill>
+              <a:schemeClr val="accent2"/>
+            </a:solidFill>
+          </a:ln>
+        </p:spPr>
+        <p:txBody>
+          <a:bodyPr wrap="none" rtlCol="0">
+            <a:spAutoFit/>
+          </a:bodyPr>
+          <a:lstStyle/>
+          <a:p>
+            <a:r>
+              <a:rPr lang="fr-FR" sz="1400" dirty="0" smtClean="0">
                 <a:solidFill>
-                  <a:schemeClr val="accent3"/>
+                  <a:schemeClr val="accent2">
+                    <a:lumMod val="75000"/>
+                  </a:schemeClr>
                 </a:solidFill>
               </a:rPr>
-              <a:t>Recherche </a:t>
-            </a:r>
-            <a:r>
-              <a:rPr lang="en-GB" dirty="0" err="1" smtClean="0">
+              <a:t>“Panel”. On peut ajouter et enlever des panels (tous empilés verticalement)</a:t>
+            </a:r>
+            <a:endParaRPr lang="fr-FR" sz="1400" dirty="0">
+              <a:solidFill>
+                <a:schemeClr val="accent2">
+                  <a:lumMod val="75000"/>
+                </a:schemeClr>
+              </a:solidFill>
+            </a:endParaRPr>
+          </a:p>
+        </p:txBody>
+      </p:sp>
+      <p:sp>
+        <p:nvSpPr>
+          <p:cNvPr id="13" name="Rectangle 12"/>
+          <p:cNvSpPr/>
+          <p:nvPr/>
+        </p:nvSpPr>
+        <p:spPr>
+          <a:xfrm>
+            <a:off x="240643" y="1075877"/>
+            <a:ext cx="2641102" cy="291258"/>
+          </a:xfrm>
+          <a:prstGeom prst="rect">
+            <a:avLst/>
+          </a:prstGeom>
+          <a:noFill/>
+          <a:ln w="38100">
+            <a:solidFill>
+              <a:schemeClr val="tx2"/>
+            </a:solidFill>
+          </a:ln>
+        </p:spPr>
+        <p:style>
+          <a:lnRef idx="2">
+            <a:schemeClr val="accent1">
+              <a:shade val="50000"/>
+            </a:schemeClr>
+          </a:lnRef>
+          <a:fillRef idx="1">
+            <a:schemeClr val="accent1"/>
+          </a:fillRef>
+          <a:effectRef idx="0">
+            <a:schemeClr val="accent1"/>
+          </a:effectRef>
+          <a:fontRef idx="minor">
+            <a:schemeClr val="lt1"/>
+          </a:fontRef>
+        </p:style>
+        <p:txBody>
+          <a:bodyPr rtlCol="0" anchor="ctr"/>
+          <a:lstStyle/>
+          <a:p>
+            <a:pPr algn="ctr"/>
+            <a:endParaRPr lang="fr-FR" dirty="0"/>
+          </a:p>
+        </p:txBody>
+      </p:sp>
+      <p:sp>
+        <p:nvSpPr>
+          <p:cNvPr id="14" name="ZoneTexte 13"/>
+          <p:cNvSpPr txBox="1"/>
+          <p:nvPr/>
+        </p:nvSpPr>
+        <p:spPr>
+          <a:xfrm>
+            <a:off x="4333679" y="650622"/>
+            <a:ext cx="5391541" cy="307777"/>
+          </a:xfrm>
+          <a:prstGeom prst="rect">
+            <a:avLst/>
+          </a:prstGeom>
+          <a:solidFill>
+            <a:schemeClr val="bg1">
+              <a:lumMod val="85000"/>
+              <a:alpha val="60000"/>
+            </a:schemeClr>
+          </a:solidFill>
+          <a:ln>
+            <a:solidFill>
+              <a:schemeClr val="tx2"/>
+            </a:solidFill>
+          </a:ln>
+        </p:spPr>
+        <p:txBody>
+          <a:bodyPr wrap="none" rtlCol="0">
+            <a:spAutoFit/>
+          </a:bodyPr>
+          <a:lstStyle/>
+          <a:p>
+            <a:r>
+              <a:rPr lang="fr-FR" sz="1400" dirty="0" smtClean="0">
                 <a:solidFill>
-                  <a:schemeClr val="accent3"/>
+                  <a:schemeClr val="tx2">
+                    <a:lumMod val="75000"/>
+                  </a:schemeClr>
                 </a:solidFill>
               </a:rPr>
-              <a:t>parmi</a:t>
-            </a:r>
-            <a:r>
-              <a:rPr lang="en-GB" dirty="0" smtClean="0">
+              <a:t>“Tabs”. On peut ajouter et enlever des Tabs, qui contiennent des panels</a:t>
+            </a:r>
+            <a:endParaRPr lang="fr-FR" sz="1400" dirty="0">
+              <a:solidFill>
+                <a:schemeClr val="tx2">
+                  <a:lumMod val="75000"/>
+                </a:schemeClr>
+              </a:solidFill>
+            </a:endParaRPr>
+          </a:p>
+        </p:txBody>
+      </p:sp>
+      <p:cxnSp>
+        <p:nvCxnSpPr>
+          <p:cNvPr id="15" name="Connecteur droit avec flèche 14"/>
+          <p:cNvCxnSpPr/>
+          <p:nvPr/>
+        </p:nvCxnSpPr>
+        <p:spPr>
+          <a:xfrm flipH="1">
+            <a:off x="2606479" y="838315"/>
+            <a:ext cx="1698821" cy="141525"/>
+          </a:xfrm>
+          <a:prstGeom prst="straightConnector1">
+            <a:avLst/>
+          </a:prstGeom>
+          <a:ln>
+            <a:solidFill>
+              <a:schemeClr val="tx1"/>
+            </a:solidFill>
+            <a:tailEnd type="triangle"/>
+          </a:ln>
+        </p:spPr>
+        <p:style>
+          <a:lnRef idx="1">
+            <a:schemeClr val="accent1"/>
+          </a:lnRef>
+          <a:fillRef idx="0">
+            <a:schemeClr val="accent1"/>
+          </a:fillRef>
+          <a:effectRef idx="0">
+            <a:schemeClr val="accent1"/>
+          </a:effectRef>
+          <a:fontRef idx="minor">
+            <a:schemeClr val="tx1"/>
+          </a:fontRef>
+        </p:style>
+      </p:cxnSp>
+      <p:sp>
+        <p:nvSpPr>
+          <p:cNvPr id="18" name="ZoneTexte 17"/>
+          <p:cNvSpPr txBox="1"/>
+          <p:nvPr/>
+        </p:nvSpPr>
+        <p:spPr>
+          <a:xfrm>
+            <a:off x="151237" y="2923984"/>
+            <a:ext cx="2493491" cy="738664"/>
+          </a:xfrm>
+          <a:prstGeom prst="rect">
+            <a:avLst/>
+          </a:prstGeom>
+          <a:solidFill>
+            <a:schemeClr val="bg1">
+              <a:lumMod val="85000"/>
+              <a:alpha val="90000"/>
+            </a:schemeClr>
+          </a:solidFill>
+          <a:ln>
+            <a:solidFill>
+              <a:schemeClr val="tx1"/>
+            </a:solidFill>
+          </a:ln>
+        </p:spPr>
+        <p:txBody>
+          <a:bodyPr wrap="square" rtlCol="0">
+            <a:spAutoFit/>
+          </a:bodyPr>
+          <a:lstStyle/>
+          <a:p>
+            <a:r>
+              <a:rPr lang="fr-FR" sz="1400" dirty="0" smtClean="0"/>
+              <a:t>Sélection des courbes à afficher sur la zone de droite (</a:t>
+            </a:r>
+            <a:r>
+              <a:rPr lang="fr-FR" sz="1400" dirty="0" smtClean="0"/>
+              <a:t>ajouter/enlever/chercher)</a:t>
+            </a:r>
+            <a:endParaRPr lang="fr-FR" sz="1400" dirty="0"/>
+          </a:p>
+        </p:txBody>
+      </p:sp>
+      <p:sp>
+        <p:nvSpPr>
+          <p:cNvPr id="19" name="ZoneTexte 18"/>
+          <p:cNvSpPr txBox="1"/>
+          <p:nvPr/>
+        </p:nvSpPr>
+        <p:spPr>
+          <a:xfrm>
+            <a:off x="2059007" y="5114808"/>
+            <a:ext cx="2082800" cy="738664"/>
+          </a:xfrm>
+          <a:prstGeom prst="rect">
+            <a:avLst/>
+          </a:prstGeom>
+          <a:solidFill>
+            <a:schemeClr val="bg1">
+              <a:lumMod val="85000"/>
+              <a:alpha val="90000"/>
+            </a:schemeClr>
+          </a:solidFill>
+          <a:ln>
+            <a:solidFill>
+              <a:schemeClr val="tx1"/>
+            </a:solidFill>
+          </a:ln>
+        </p:spPr>
+        <p:txBody>
+          <a:bodyPr wrap="square" rtlCol="0">
+            <a:spAutoFit/>
+          </a:bodyPr>
+          <a:lstStyle/>
+          <a:p>
+            <a:r>
+              <a:rPr lang="fr-FR" sz="1400" dirty="0" smtClean="0"/>
+              <a:t>Sélection des courbes à afficher sur la zone de droite (ajouter/enlever)</a:t>
+            </a:r>
+            <a:endParaRPr lang="fr-FR" sz="1400" dirty="0"/>
+          </a:p>
+        </p:txBody>
+      </p:sp>
+      <p:sp>
+        <p:nvSpPr>
+          <p:cNvPr id="20" name="Rectangle 19"/>
+          <p:cNvSpPr/>
+          <p:nvPr/>
+        </p:nvSpPr>
+        <p:spPr>
+          <a:xfrm>
+            <a:off x="362248" y="1500770"/>
+            <a:ext cx="1842155" cy="307777"/>
+          </a:xfrm>
+          <a:prstGeom prst="rect">
+            <a:avLst/>
+          </a:prstGeom>
+          <a:noFill/>
+          <a:ln w="57150">
+            <a:solidFill>
+              <a:schemeClr val="accent6">
+                <a:lumMod val="50000"/>
+              </a:schemeClr>
+            </a:solidFill>
+          </a:ln>
+        </p:spPr>
+        <p:style>
+          <a:lnRef idx="2">
+            <a:schemeClr val="accent1">
+              <a:shade val="50000"/>
+            </a:schemeClr>
+          </a:lnRef>
+          <a:fillRef idx="1">
+            <a:schemeClr val="accent1"/>
+          </a:fillRef>
+          <a:effectRef idx="0">
+            <a:schemeClr val="accent1"/>
+          </a:effectRef>
+          <a:fontRef idx="minor">
+            <a:schemeClr val="lt1"/>
+          </a:fontRef>
+        </p:style>
+        <p:txBody>
+          <a:bodyPr rtlCol="0" anchor="ctr"/>
+          <a:lstStyle/>
+          <a:p>
+            <a:pPr algn="ctr"/>
+            <a:endParaRPr lang="fr-FR" dirty="0"/>
+          </a:p>
+        </p:txBody>
+      </p:sp>
+      <p:cxnSp>
+        <p:nvCxnSpPr>
+          <p:cNvPr id="21" name="Connecteur droit avec flèche 20"/>
+          <p:cNvCxnSpPr/>
+          <p:nvPr/>
+        </p:nvCxnSpPr>
+        <p:spPr>
+          <a:xfrm flipH="1" flipV="1">
+            <a:off x="2059007" y="1890494"/>
+            <a:ext cx="2326627" cy="1976843"/>
+          </a:xfrm>
+          <a:prstGeom prst="straightConnector1">
+            <a:avLst/>
+          </a:prstGeom>
+          <a:ln>
+            <a:solidFill>
+              <a:schemeClr val="tx1"/>
+            </a:solidFill>
+            <a:tailEnd type="triangle"/>
+          </a:ln>
+        </p:spPr>
+        <p:style>
+          <a:lnRef idx="1">
+            <a:schemeClr val="accent1"/>
+          </a:lnRef>
+          <a:fillRef idx="0">
+            <a:schemeClr val="accent1"/>
+          </a:fillRef>
+          <a:effectRef idx="0">
+            <a:schemeClr val="accent1"/>
+          </a:effectRef>
+          <a:fontRef idx="minor">
+            <a:schemeClr val="tx1"/>
+          </a:fontRef>
+        </p:style>
+      </p:cxnSp>
+      <p:sp>
+        <p:nvSpPr>
+          <p:cNvPr id="23" name="ZoneTexte 22"/>
+          <p:cNvSpPr txBox="1"/>
+          <p:nvPr/>
+        </p:nvSpPr>
+        <p:spPr>
+          <a:xfrm>
+            <a:off x="4385634" y="3867337"/>
+            <a:ext cx="6677725" cy="307777"/>
+          </a:xfrm>
+          <a:prstGeom prst="rect">
+            <a:avLst/>
+          </a:prstGeom>
+          <a:solidFill>
+            <a:schemeClr val="bg1">
+              <a:lumMod val="85000"/>
+              <a:alpha val="60000"/>
+            </a:schemeClr>
+          </a:solidFill>
+          <a:ln>
+            <a:solidFill>
+              <a:schemeClr val="tx2"/>
+            </a:solidFill>
+          </a:ln>
+        </p:spPr>
+        <p:txBody>
+          <a:bodyPr wrap="none" rtlCol="0">
+            <a:spAutoFit/>
+          </a:bodyPr>
+          <a:lstStyle/>
+          <a:p>
+            <a:r>
+              <a:rPr lang="fr-FR" sz="1400" dirty="0" smtClean="0">
                 <a:solidFill>
-                  <a:schemeClr val="accent3"/>
+                  <a:schemeClr val="tx2">
+                    <a:lumMod val="75000"/>
+                  </a:schemeClr>
                 </a:solidFill>
               </a:rPr>
-              <a:t> les </a:t>
-            </a:r>
-            <a:r>
-              <a:rPr lang="en-GB" dirty="0" err="1" smtClean="0">
+              <a:t>Zone de recherche, pour filtrer parmi tous les signaux pour en trouver un plus rapidement</a:t>
+            </a:r>
+            <a:endParaRPr lang="fr-FR" sz="1400" dirty="0">
+              <a:solidFill>
+                <a:schemeClr val="tx2">
+                  <a:lumMod val="75000"/>
+                </a:schemeClr>
+              </a:solidFill>
+            </a:endParaRPr>
+          </a:p>
+        </p:txBody>
+      </p:sp>
+      <p:sp>
+        <p:nvSpPr>
+          <p:cNvPr id="24" name="Rectangle 23"/>
+          <p:cNvSpPr/>
+          <p:nvPr/>
+        </p:nvSpPr>
+        <p:spPr>
+          <a:xfrm>
+            <a:off x="2250613" y="1535549"/>
+            <a:ext cx="1107879" cy="292100"/>
+          </a:xfrm>
+          <a:prstGeom prst="rect">
+            <a:avLst/>
+          </a:prstGeom>
+          <a:noFill/>
+          <a:ln w="57150">
+            <a:solidFill>
+              <a:schemeClr val="accent6">
+                <a:lumMod val="50000"/>
+              </a:schemeClr>
+            </a:solidFill>
+          </a:ln>
+        </p:spPr>
+        <p:style>
+          <a:lnRef idx="2">
+            <a:schemeClr val="accent1">
+              <a:shade val="50000"/>
+            </a:schemeClr>
+          </a:lnRef>
+          <a:fillRef idx="1">
+            <a:schemeClr val="accent1"/>
+          </a:fillRef>
+          <a:effectRef idx="0">
+            <a:schemeClr val="accent1"/>
+          </a:effectRef>
+          <a:fontRef idx="minor">
+            <a:schemeClr val="lt1"/>
+          </a:fontRef>
+        </p:style>
+        <p:txBody>
+          <a:bodyPr rtlCol="0" anchor="ctr"/>
+          <a:lstStyle/>
+          <a:p>
+            <a:pPr algn="ctr"/>
+            <a:endParaRPr lang="fr-FR" dirty="0"/>
+          </a:p>
+        </p:txBody>
+      </p:sp>
+      <p:cxnSp>
+        <p:nvCxnSpPr>
+          <p:cNvPr id="25" name="Connecteur droit avec flèche 24"/>
+          <p:cNvCxnSpPr/>
+          <p:nvPr/>
+        </p:nvCxnSpPr>
+        <p:spPr>
+          <a:xfrm flipH="1" flipV="1">
+            <a:off x="3450912" y="1794895"/>
+            <a:ext cx="1381790" cy="313123"/>
+          </a:xfrm>
+          <a:prstGeom prst="straightConnector1">
+            <a:avLst/>
+          </a:prstGeom>
+          <a:ln>
+            <a:solidFill>
+              <a:schemeClr val="tx1"/>
+            </a:solidFill>
+            <a:tailEnd type="triangle"/>
+          </a:ln>
+        </p:spPr>
+        <p:style>
+          <a:lnRef idx="1">
+            <a:schemeClr val="accent1"/>
+          </a:lnRef>
+          <a:fillRef idx="0">
+            <a:schemeClr val="accent1"/>
+          </a:fillRef>
+          <a:effectRef idx="0">
+            <a:schemeClr val="accent1"/>
+          </a:effectRef>
+          <a:fontRef idx="minor">
+            <a:schemeClr val="tx1"/>
+          </a:fontRef>
+        </p:style>
+      </p:cxnSp>
+      <p:sp>
+        <p:nvSpPr>
+          <p:cNvPr id="27" name="ZoneTexte 26"/>
+          <p:cNvSpPr txBox="1"/>
+          <p:nvPr/>
+        </p:nvSpPr>
+        <p:spPr>
+          <a:xfrm>
+            <a:off x="4832702" y="1558127"/>
+            <a:ext cx="5608779" cy="1384995"/>
+          </a:xfrm>
+          <a:prstGeom prst="rect">
+            <a:avLst/>
+          </a:prstGeom>
+          <a:solidFill>
+            <a:schemeClr val="accent6">
+              <a:lumMod val="20000"/>
+              <a:lumOff val="80000"/>
+              <a:alpha val="60000"/>
+            </a:schemeClr>
+          </a:solidFill>
+          <a:ln>
+            <a:solidFill>
+              <a:schemeClr val="tx2"/>
+            </a:solidFill>
+          </a:ln>
+        </p:spPr>
+        <p:txBody>
+          <a:bodyPr wrap="square" rtlCol="0">
+            <a:spAutoFit/>
+          </a:bodyPr>
+          <a:lstStyle/>
+          <a:p>
+            <a:r>
+              <a:rPr lang="fr-FR" sz="1400" dirty="0" smtClean="0">
                 <a:solidFill>
-                  <a:schemeClr val="accent3"/>
+                  <a:schemeClr val="tx2">
+                    <a:lumMod val="75000"/>
+                  </a:schemeClr>
                 </a:solidFill>
               </a:rPr>
-              <a:t>signaux</a:t>
-            </a:r>
-            <a:r>
-              <a:rPr lang="en-GB" dirty="0" smtClean="0">
+              <a:t>Sélection </a:t>
+            </a:r>
+          </a:p>
+          <a:p>
+            <a:pPr marL="285750" indent="-285750">
+              <a:buFontTx/>
+              <a:buChar char="-"/>
+            </a:pPr>
+            <a:r>
+              <a:rPr lang="fr-FR" sz="1400" dirty="0" smtClean="0">
                 <a:solidFill>
-                  <a:schemeClr val="accent3"/>
+                  <a:schemeClr val="tx2">
+                    <a:lumMod val="75000"/>
+                  </a:schemeClr>
                 </a:solidFill>
               </a:rPr>
-              <a:t> : OK</a:t>
-            </a:r>
-          </a:p>
-          <a:p>
-            <a:r>
-              <a:rPr lang="en-GB" dirty="0" err="1" smtClean="0"/>
-              <a:t>Filtrage</a:t>
-            </a:r>
-            <a:r>
-              <a:rPr lang="en-GB" dirty="0" smtClean="0"/>
-              <a:t> des </a:t>
-            </a:r>
-            <a:r>
-              <a:rPr lang="en-GB" dirty="0" err="1" smtClean="0"/>
-              <a:t>signaux</a:t>
-            </a:r>
-            <a:r>
-              <a:rPr lang="en-GB" dirty="0" smtClean="0"/>
-              <a:t> </a:t>
-            </a:r>
-            <a:r>
-              <a:rPr lang="en-GB" dirty="0" err="1" smtClean="0"/>
-              <a:t>lors</a:t>
-            </a:r>
-            <a:r>
-              <a:rPr lang="en-GB" dirty="0" smtClean="0"/>
-              <a:t> de la </a:t>
-            </a:r>
-            <a:r>
-              <a:rPr lang="en-GB" dirty="0" err="1" smtClean="0"/>
-              <a:t>recherche</a:t>
-            </a:r>
-            <a:r>
-              <a:rPr lang="en-GB" dirty="0" smtClean="0"/>
-              <a:t> </a:t>
-            </a:r>
-          </a:p>
-          <a:p>
-            <a:r>
-              <a:rPr lang="en-GB" dirty="0" smtClean="0"/>
-              <a:t>Zone de dessin</a:t>
-            </a:r>
-          </a:p>
-          <a:p>
-            <a:r>
-              <a:rPr lang="en-GB" dirty="0" err="1" smtClean="0"/>
-              <a:t>Récupération</a:t>
-            </a:r>
-            <a:r>
-              <a:rPr lang="en-GB" dirty="0" smtClean="0"/>
-              <a:t> des </a:t>
-            </a:r>
-            <a:r>
-              <a:rPr lang="en-GB" dirty="0" err="1" smtClean="0"/>
-              <a:t>données</a:t>
-            </a:r>
-            <a:endParaRPr lang="en-GB" dirty="0" smtClean="0"/>
-          </a:p>
-          <a:p>
-            <a:r>
-              <a:rPr lang="en-GB" dirty="0" err="1" smtClean="0">
+              <a:t>“</a:t>
+            </a:r>
+            <a:r>
+              <a:rPr lang="fr-FR" sz="1400" dirty="0" err="1" smtClean="0">
                 <a:solidFill>
-                  <a:schemeClr val="accent3"/>
+                  <a:schemeClr val="tx2">
+                    <a:lumMod val="75000"/>
+                  </a:schemeClr>
                 </a:solidFill>
               </a:rPr>
-              <a:t>Liste</a:t>
-            </a:r>
-            <a:r>
-              <a:rPr lang="en-GB" dirty="0" smtClean="0">
+              <a:t>signals</a:t>
+            </a:r>
+            <a:r>
+              <a:rPr lang="fr-FR" sz="1400" dirty="0" smtClean="0">
                 <a:solidFill>
-                  <a:schemeClr val="accent3"/>
+                  <a:schemeClr val="tx2">
+                    <a:lumMod val="75000"/>
+                  </a:schemeClr>
                 </a:solidFill>
               </a:rPr>
-              <a:t> des waveforms : OK</a:t>
-            </a:r>
-          </a:p>
-          <a:p>
-            <a:r>
-              <a:rPr lang="en-GB" dirty="0" err="1" smtClean="0"/>
-              <a:t>Ajouter</a:t>
-            </a:r>
-            <a:r>
-              <a:rPr lang="en-GB" dirty="0" smtClean="0"/>
-              <a:t> </a:t>
-            </a:r>
-            <a:r>
-              <a:rPr lang="en-GB" dirty="0" err="1" smtClean="0"/>
-              <a:t>aussi</a:t>
-            </a:r>
-            <a:r>
-              <a:rPr lang="en-GB" dirty="0" smtClean="0"/>
-              <a:t> les </a:t>
-            </a:r>
-            <a:r>
-              <a:rPr lang="en-GB" dirty="0" err="1" smtClean="0"/>
-              <a:t>enveloppes</a:t>
-            </a:r>
-            <a:r>
-              <a:rPr lang="en-GB" dirty="0" smtClean="0"/>
-              <a:t> (min/max) des waveforms ? </a:t>
-            </a:r>
-          </a:p>
-          <a:p>
-            <a:r>
-              <a:rPr lang="en-GB" dirty="0" err="1" smtClean="0"/>
-              <a:t>Sauvegarder</a:t>
-            </a:r>
-            <a:r>
-              <a:rPr lang="en-GB" dirty="0" smtClean="0"/>
-              <a:t> la configuration des Panels/Tabs/</a:t>
-            </a:r>
-            <a:r>
-              <a:rPr lang="en-GB" dirty="0" err="1" smtClean="0"/>
-              <a:t>Sélection</a:t>
-            </a:r>
-            <a:r>
-              <a:rPr lang="en-GB" dirty="0" smtClean="0"/>
-              <a:t> des </a:t>
-            </a:r>
-            <a:r>
-              <a:rPr lang="en-GB" dirty="0" err="1" smtClean="0"/>
-              <a:t>signaux</a:t>
-            </a:r>
-            <a:endParaRPr lang="en-GB" dirty="0" smtClean="0"/>
-          </a:p>
-          <a:p>
-            <a:r>
-              <a:rPr lang="en-GB" dirty="0" smtClean="0"/>
-              <a:t>Et </a:t>
-            </a:r>
-            <a:r>
-              <a:rPr lang="en-GB" dirty="0" err="1" smtClean="0"/>
-              <a:t>plein</a:t>
-            </a:r>
-            <a:r>
-              <a:rPr lang="en-GB" dirty="0" smtClean="0"/>
-              <a:t> </a:t>
-            </a:r>
-            <a:r>
-              <a:rPr lang="en-GB" dirty="0" err="1" smtClean="0"/>
-              <a:t>d’autres</a:t>
-            </a:r>
-            <a:r>
-              <a:rPr lang="en-GB" dirty="0" smtClean="0"/>
-              <a:t> </a:t>
-            </a:r>
-            <a:r>
-              <a:rPr lang="en-GB" dirty="0" err="1" smtClean="0"/>
-              <a:t>trucs</a:t>
-            </a:r>
-            <a:r>
-              <a:rPr lang="en-GB" dirty="0" smtClean="0"/>
-              <a:t> encore</a:t>
-            </a:r>
-            <a:endParaRPr lang="en-GB" dirty="0"/>
-          </a:p>
-        </p:txBody>
-      </p:sp>
+              <a:t>” (signaux de la base de données) </a:t>
+            </a:r>
+          </a:p>
+          <a:p>
+            <a:r>
+              <a:rPr lang="fr-FR" sz="1400" dirty="0" smtClean="0">
+                <a:solidFill>
+                  <a:schemeClr val="tx2">
+                    <a:lumMod val="75000"/>
+                  </a:schemeClr>
+                </a:solidFill>
+              </a:rPr>
+              <a:t>ou </a:t>
+            </a:r>
+          </a:p>
+          <a:p>
+            <a:pPr marL="285750" indent="-285750">
+              <a:buFontTx/>
+              <a:buChar char="-"/>
+            </a:pPr>
+            <a:r>
+              <a:rPr lang="fr-FR" sz="1400" dirty="0" smtClean="0">
+                <a:solidFill>
+                  <a:schemeClr val="tx2">
+                    <a:lumMod val="75000"/>
+                  </a:schemeClr>
+                </a:solidFill>
+              </a:rPr>
+              <a:t>“</a:t>
+            </a:r>
+            <a:r>
+              <a:rPr lang="fr-FR" sz="1400" dirty="0" err="1" smtClean="0">
+                <a:solidFill>
+                  <a:schemeClr val="tx2">
+                    <a:lumMod val="75000"/>
+                  </a:schemeClr>
+                </a:solidFill>
+              </a:rPr>
+              <a:t>waveforms</a:t>
+            </a:r>
+            <a:r>
+              <a:rPr lang="fr-FR" sz="1400" dirty="0" smtClean="0">
+                <a:solidFill>
+                  <a:schemeClr val="tx2">
+                    <a:lumMod val="75000"/>
+                  </a:schemeClr>
+                </a:solidFill>
+              </a:rPr>
+              <a:t>” (signaux de la configuration PCS)</a:t>
+            </a:r>
+          </a:p>
+          <a:p>
+            <a:endParaRPr lang="fr-FR" sz="1400" dirty="0" smtClean="0">
+              <a:solidFill>
+                <a:schemeClr val="tx2">
+                  <a:lumMod val="75000"/>
+                </a:schemeClr>
+              </a:solidFill>
+            </a:endParaRPr>
+          </a:p>
+          <a:p>
+            <a:r>
+              <a:rPr lang="fr-FR" sz="1400" dirty="0" smtClean="0">
+                <a:solidFill>
+                  <a:schemeClr val="tx2">
+                    <a:lumMod val="75000"/>
+                  </a:schemeClr>
+                </a:solidFill>
+              </a:rPr>
+              <a:t>On devrait pouvoir superposer les deux éventuellement?</a:t>
+            </a:r>
+            <a:endParaRPr lang="fr-FR" sz="1400" dirty="0">
+              <a:solidFill>
+                <a:schemeClr val="tx2">
+                  <a:lumMod val="75000"/>
+                </a:schemeClr>
+              </a:solidFill>
+            </a:endParaRPr>
+          </a:p>
+        </p:txBody>
+      </p:sp>
+      <p:sp>
+        <p:nvSpPr>
+          <p:cNvPr id="29" name="ZoneTexte 28"/>
+          <p:cNvSpPr txBox="1"/>
+          <p:nvPr/>
+        </p:nvSpPr>
+        <p:spPr>
+          <a:xfrm>
+            <a:off x="1024671" y="6194022"/>
+            <a:ext cx="4852482" cy="307777"/>
+          </a:xfrm>
+          <a:prstGeom prst="rect">
+            <a:avLst/>
+          </a:prstGeom>
+          <a:solidFill>
+            <a:schemeClr val="bg1">
+              <a:lumMod val="85000"/>
+              <a:alpha val="60000"/>
+            </a:schemeClr>
+          </a:solidFill>
+          <a:ln>
+            <a:solidFill>
+              <a:schemeClr val="tx2"/>
+            </a:solidFill>
+          </a:ln>
+        </p:spPr>
+        <p:txBody>
+          <a:bodyPr wrap="none" rtlCol="0">
+            <a:spAutoFit/>
+          </a:bodyPr>
+          <a:lstStyle/>
+          <a:p>
+            <a:r>
+              <a:rPr lang="fr-FR" sz="1400" dirty="0" smtClean="0">
+                <a:solidFill>
+                  <a:schemeClr val="tx2">
+                    <a:lumMod val="75000"/>
+                  </a:schemeClr>
+                </a:solidFill>
+              </a:rPr>
+              <a:t>La sone de sélection peut être redimensionnée et même cachée</a:t>
+            </a:r>
+            <a:endParaRPr lang="fr-FR" sz="1400" dirty="0">
+              <a:solidFill>
+                <a:schemeClr val="tx2">
+                  <a:lumMod val="75000"/>
+                </a:schemeClr>
+              </a:solidFill>
+            </a:endParaRPr>
+          </a:p>
+        </p:txBody>
+      </p:sp>
+      <p:sp>
+        <p:nvSpPr>
+          <p:cNvPr id="26" name="Rectangle 25"/>
+          <p:cNvSpPr/>
+          <p:nvPr/>
+        </p:nvSpPr>
+        <p:spPr>
+          <a:xfrm>
+            <a:off x="2204403" y="4074340"/>
+            <a:ext cx="1107879" cy="292100"/>
+          </a:xfrm>
+          <a:prstGeom prst="rect">
+            <a:avLst/>
+          </a:prstGeom>
+          <a:noFill/>
+          <a:ln w="57150">
+            <a:solidFill>
+              <a:schemeClr val="accent6">
+                <a:lumMod val="50000"/>
+              </a:schemeClr>
+            </a:solidFill>
+          </a:ln>
+        </p:spPr>
+        <p:style>
+          <a:lnRef idx="2">
+            <a:schemeClr val="accent1">
+              <a:shade val="50000"/>
+            </a:schemeClr>
+          </a:lnRef>
+          <a:fillRef idx="1">
+            <a:schemeClr val="accent1"/>
+          </a:fillRef>
+          <a:effectRef idx="0">
+            <a:schemeClr val="accent1"/>
+          </a:effectRef>
+          <a:fontRef idx="minor">
+            <a:schemeClr val="lt1"/>
+          </a:fontRef>
+        </p:style>
+        <p:txBody>
+          <a:bodyPr rtlCol="0" anchor="ctr"/>
+          <a:lstStyle/>
+          <a:p>
+            <a:pPr algn="ctr"/>
+            <a:endParaRPr lang="fr-FR" dirty="0"/>
+          </a:p>
+        </p:txBody>
+      </p:sp>
+      <p:cxnSp>
+        <p:nvCxnSpPr>
+          <p:cNvPr id="28" name="Connecteur droit avec flèche 27"/>
+          <p:cNvCxnSpPr>
+            <a:stCxn id="27" idx="1"/>
+          </p:cNvCxnSpPr>
+          <p:nvPr/>
+        </p:nvCxnSpPr>
+        <p:spPr>
+          <a:xfrm flipH="1">
+            <a:off x="3312282" y="2250625"/>
+            <a:ext cx="1520420" cy="1813179"/>
+          </a:xfrm>
+          <a:prstGeom prst="straightConnector1">
+            <a:avLst/>
+          </a:prstGeom>
+          <a:ln>
+            <a:solidFill>
+              <a:schemeClr val="tx1"/>
+            </a:solidFill>
+            <a:tailEnd type="triangle"/>
+          </a:ln>
+        </p:spPr>
+        <p:style>
+          <a:lnRef idx="1">
+            <a:schemeClr val="accent1"/>
+          </a:lnRef>
+          <a:fillRef idx="0">
+            <a:schemeClr val="accent1"/>
+          </a:fillRef>
+          <a:effectRef idx="0">
+            <a:schemeClr val="accent1"/>
+          </a:effectRef>
+          <a:fontRef idx="minor">
+            <a:schemeClr val="tx1"/>
+          </a:fontRef>
+        </p:style>
+      </p:cxnSp>
     </p:spTree>
     <p:extLst>
       <p:ext uri="{BB962C8B-B14F-4D97-AF65-F5344CB8AC3E}">
-        <p14:creationId xmlns:p14="http://schemas.microsoft.com/office/powerpoint/2010/main" val="1216393143"/>
+        <p14:creationId xmlns:p14="http://schemas.microsoft.com/office/powerpoint/2010/main" val="2068212747"/>
       </p:ext>
     </p:extLst>
   </p:cSld>

--- a/doc/PPPAT_ControlRoom.pptx
+++ b/doc/PPPAT_ControlRoom.pptx
@@ -8,6 +8,8 @@
     <p:sldId id="257" r:id="rId2"/>
     <p:sldId id="258" r:id="rId3"/>
     <p:sldId id="256" r:id="rId4"/>
+    <p:sldId id="259" r:id="rId5"/>
+    <p:sldId id="260" r:id="rId6"/>
   </p:sldIdLst>
   <p:sldSz cx="12192000" cy="6858000"/>
   <p:notesSz cx="6858000" cy="9144000"/>
@@ -245,7 +247,7 @@
           <a:p>
             <a:fld id="{20081A0A-8D3B-4A05-AA88-B8EDC306EF50}" type="datetimeFigureOut">
               <a:rPr lang="en-GB" smtClean="0"/>
-              <a:t>06/10/2020</a:t>
+              <a:t>02/11/2020</a:t>
             </a:fld>
             <a:endParaRPr lang="en-GB"/>
           </a:p>
@@ -415,7 +417,7 @@
           <a:p>
             <a:fld id="{20081A0A-8D3B-4A05-AA88-B8EDC306EF50}" type="datetimeFigureOut">
               <a:rPr lang="en-GB" smtClean="0"/>
-              <a:t>06/10/2020</a:t>
+              <a:t>02/11/2020</a:t>
             </a:fld>
             <a:endParaRPr lang="en-GB"/>
           </a:p>
@@ -595,7 +597,7 @@
           <a:p>
             <a:fld id="{20081A0A-8D3B-4A05-AA88-B8EDC306EF50}" type="datetimeFigureOut">
               <a:rPr lang="en-GB" smtClean="0"/>
-              <a:t>06/10/2020</a:t>
+              <a:t>02/11/2020</a:t>
             </a:fld>
             <a:endParaRPr lang="en-GB"/>
           </a:p>
@@ -765,7 +767,7 @@
           <a:p>
             <a:fld id="{20081A0A-8D3B-4A05-AA88-B8EDC306EF50}" type="datetimeFigureOut">
               <a:rPr lang="en-GB" smtClean="0"/>
-              <a:t>06/10/2020</a:t>
+              <a:t>02/11/2020</a:t>
             </a:fld>
             <a:endParaRPr lang="en-GB"/>
           </a:p>
@@ -1011,7 +1013,7 @@
           <a:p>
             <a:fld id="{20081A0A-8D3B-4A05-AA88-B8EDC306EF50}" type="datetimeFigureOut">
               <a:rPr lang="en-GB" smtClean="0"/>
-              <a:t>06/10/2020</a:t>
+              <a:t>02/11/2020</a:t>
             </a:fld>
             <a:endParaRPr lang="en-GB"/>
           </a:p>
@@ -1243,7 +1245,7 @@
           <a:p>
             <a:fld id="{20081A0A-8D3B-4A05-AA88-B8EDC306EF50}" type="datetimeFigureOut">
               <a:rPr lang="en-GB" smtClean="0"/>
-              <a:t>06/10/2020</a:t>
+              <a:t>02/11/2020</a:t>
             </a:fld>
             <a:endParaRPr lang="en-GB"/>
           </a:p>
@@ -1610,7 +1612,7 @@
           <a:p>
             <a:fld id="{20081A0A-8D3B-4A05-AA88-B8EDC306EF50}" type="datetimeFigureOut">
               <a:rPr lang="en-GB" smtClean="0"/>
-              <a:t>06/10/2020</a:t>
+              <a:t>02/11/2020</a:t>
             </a:fld>
             <a:endParaRPr lang="en-GB"/>
           </a:p>
@@ -1728,7 +1730,7 @@
           <a:p>
             <a:fld id="{20081A0A-8D3B-4A05-AA88-B8EDC306EF50}" type="datetimeFigureOut">
               <a:rPr lang="en-GB" smtClean="0"/>
-              <a:t>06/10/2020</a:t>
+              <a:t>02/11/2020</a:t>
             </a:fld>
             <a:endParaRPr lang="en-GB"/>
           </a:p>
@@ -1823,7 +1825,7 @@
           <a:p>
             <a:fld id="{20081A0A-8D3B-4A05-AA88-B8EDC306EF50}" type="datetimeFigureOut">
               <a:rPr lang="en-GB" smtClean="0"/>
-              <a:t>06/10/2020</a:t>
+              <a:t>02/11/2020</a:t>
             </a:fld>
             <a:endParaRPr lang="en-GB"/>
           </a:p>
@@ -2100,7 +2102,7 @@
           <a:p>
             <a:fld id="{20081A0A-8D3B-4A05-AA88-B8EDC306EF50}" type="datetimeFigureOut">
               <a:rPr lang="en-GB" smtClean="0"/>
-              <a:t>06/10/2020</a:t>
+              <a:t>02/11/2020</a:t>
             </a:fld>
             <a:endParaRPr lang="en-GB"/>
           </a:p>
@@ -2353,7 +2355,7 @@
           <a:p>
             <a:fld id="{20081A0A-8D3B-4A05-AA88-B8EDC306EF50}" type="datetimeFigureOut">
               <a:rPr lang="en-GB" smtClean="0"/>
-              <a:t>06/10/2020</a:t>
+              <a:t>02/11/2020</a:t>
             </a:fld>
             <a:endParaRPr lang="en-GB"/>
           </a:p>
@@ -2566,7 +2568,7 @@
           <a:p>
             <a:fld id="{20081A0A-8D3B-4A05-AA88-B8EDC306EF50}" type="datetimeFigureOut">
               <a:rPr lang="en-GB" smtClean="0"/>
-              <a:t>06/10/2020</a:t>
+              <a:t>02/11/2020</a:t>
             </a:fld>
             <a:endParaRPr lang="en-GB"/>
           </a:p>
@@ -3393,15 +3395,7 @@
           <a:p>
             <a:r>
               <a:rPr lang="fr-FR" sz="1400" dirty="0" smtClean="0"/>
-              <a:t>Zone affichage des données en </a:t>
-            </a:r>
-            <a:r>
-              <a:rPr lang="fr-FR" sz="1400" dirty="0" smtClean="0"/>
-              <a:t>fonction </a:t>
-            </a:r>
-            <a:r>
-              <a:rPr lang="fr-FR" sz="1400" dirty="0" smtClean="0"/>
-              <a:t>du temps</a:t>
+              <a:t>Zone affichage des données en fonction du temps</a:t>
             </a:r>
             <a:endParaRPr lang="fr-FR" sz="1400" dirty="0"/>
           </a:p>
@@ -3442,15 +3436,7 @@
           <a:p>
             <a:r>
               <a:rPr lang="fr-FR" sz="1400" dirty="0" smtClean="0"/>
-              <a:t>Zone affichage des données en </a:t>
-            </a:r>
-            <a:r>
-              <a:rPr lang="fr-FR" sz="1400" dirty="0" smtClean="0"/>
-              <a:t>fonction </a:t>
-            </a:r>
-            <a:r>
-              <a:rPr lang="fr-FR" sz="1400" dirty="0" smtClean="0"/>
-              <a:t>du temps</a:t>
+              <a:t>Zone affichage des données en fonction du temps</a:t>
             </a:r>
             <a:endParaRPr lang="fr-FR" sz="1400" dirty="0"/>
           </a:p>
@@ -3722,11 +3708,7 @@
           <a:p>
             <a:r>
               <a:rPr lang="fr-FR" sz="1400" dirty="0" smtClean="0"/>
-              <a:t>Sélection des courbes à afficher sur la zone de droite (</a:t>
-            </a:r>
-            <a:r>
-              <a:rPr lang="fr-FR" sz="1400" dirty="0" smtClean="0"/>
-              <a:t>ajouter/enlever/chercher)</a:t>
+              <a:t>Sélection des courbes à afficher sur la zone de droite (ajouter/enlever/chercher)</a:t>
             </a:r>
             <a:endParaRPr lang="fr-FR" sz="1400" dirty="0"/>
           </a:p>
@@ -4292,6 +4274,844 @@
     <p:extLst>
       <p:ext uri="{BB962C8B-B14F-4D97-AF65-F5344CB8AC3E}">
         <p14:creationId xmlns:p14="http://schemas.microsoft.com/office/powerpoint/2010/main" val="2068212747"/>
+      </p:ext>
+    </p:extLst>
+  </p:cSld>
+  <p:clrMapOvr>
+    <a:masterClrMapping/>
+  </p:clrMapOvr>
+  <p:timing>
+    <p:tnLst>
+      <p:par>
+        <p:cTn id="1" dur="indefinite" restart="never" nodeType="tmRoot"/>
+      </p:par>
+    </p:tnLst>
+  </p:timing>
+</p:sld>
+</file>
+
+<file path=ppt/slides/slide4.xml><?xml version="1.0" encoding="utf-8"?>
+<p:sld xmlns:a="http://schemas.openxmlformats.org/drawingml/2006/main" xmlns:r="http://schemas.openxmlformats.org/officeDocument/2006/relationships" xmlns:p="http://schemas.openxmlformats.org/presentationml/2006/main">
+  <p:cSld>
+    <p:spTree>
+      <p:nvGrpSpPr>
+        <p:cNvPr id="1" name=""/>
+        <p:cNvGrpSpPr/>
+        <p:nvPr/>
+      </p:nvGrpSpPr>
+      <p:grpSpPr>
+        <a:xfrm>
+          <a:off x="0" y="0"/>
+          <a:ext cx="0" cy="0"/>
+          <a:chOff x="0" y="0"/>
+          <a:chExt cx="0" cy="0"/>
+        </a:xfrm>
+      </p:grpSpPr>
+      <p:pic>
+        <p:nvPicPr>
+          <p:cNvPr id="36" name="Image 35"/>
+          <p:cNvPicPr>
+            <a:picLocks noChangeAspect="1"/>
+          </p:cNvPicPr>
+          <p:nvPr/>
+        </p:nvPicPr>
+        <p:blipFill>
+          <a:blip r:embed="rId2"/>
+          <a:stretch>
+            <a:fillRect/>
+          </a:stretch>
+        </p:blipFill>
+        <p:spPr>
+          <a:xfrm>
+            <a:off x="3871911" y="670871"/>
+            <a:ext cx="5590744" cy="5856668"/>
+          </a:xfrm>
+          <a:prstGeom prst="rect">
+            <a:avLst/>
+          </a:prstGeom>
+        </p:spPr>
+      </p:pic>
+      <p:sp>
+        <p:nvSpPr>
+          <p:cNvPr id="30" name="ZoneTexte 29"/>
+          <p:cNvSpPr txBox="1"/>
+          <p:nvPr/>
+        </p:nvSpPr>
+        <p:spPr>
+          <a:xfrm>
+            <a:off x="1907181" y="4107873"/>
+            <a:ext cx="1540389" cy="307777"/>
+          </a:xfrm>
+          <a:prstGeom prst="rect">
+            <a:avLst/>
+          </a:prstGeom>
+          <a:solidFill>
+            <a:schemeClr val="accent1">
+              <a:lumMod val="20000"/>
+              <a:lumOff val="80000"/>
+              <a:alpha val="60000"/>
+            </a:schemeClr>
+          </a:solidFill>
+          <a:ln>
+            <a:solidFill>
+              <a:schemeClr val="accent1"/>
+            </a:solidFill>
+          </a:ln>
+        </p:spPr>
+        <p:txBody>
+          <a:bodyPr wrap="square" rtlCol="0">
+            <a:spAutoFit/>
+          </a:bodyPr>
+          <a:lstStyle/>
+          <a:p>
+            <a:r>
+              <a:rPr lang="fr-FR" sz="1400" dirty="0" smtClean="0">
+                <a:solidFill>
+                  <a:schemeClr val="tx2">
+                    <a:lumMod val="75000"/>
+                  </a:schemeClr>
+                </a:solidFill>
+              </a:rPr>
+              <a:t>WEST </a:t>
+            </a:r>
+            <a:r>
+              <a:rPr lang="fr-FR" sz="1400" dirty="0" err="1" smtClean="0">
+                <a:solidFill>
+                  <a:schemeClr val="tx2">
+                    <a:lumMod val="75000"/>
+                  </a:schemeClr>
+                </a:solidFill>
+              </a:rPr>
+              <a:t>Signals</a:t>
+            </a:r>
+            <a:r>
+              <a:rPr lang="fr-FR" sz="1400" dirty="0" smtClean="0">
+                <a:solidFill>
+                  <a:schemeClr val="tx2">
+                    <a:lumMod val="75000"/>
+                  </a:schemeClr>
+                </a:solidFill>
+              </a:rPr>
+              <a:t> </a:t>
+            </a:r>
+            <a:r>
+              <a:rPr lang="fr-FR" sz="1400" dirty="0" err="1" smtClean="0">
+                <a:solidFill>
+                  <a:schemeClr val="tx2">
+                    <a:lumMod val="75000"/>
+                  </a:schemeClr>
+                </a:solidFill>
+              </a:rPr>
+              <a:t>list</a:t>
+            </a:r>
+            <a:endParaRPr lang="fr-FR" sz="1400" dirty="0">
+              <a:solidFill>
+                <a:schemeClr val="tx2">
+                  <a:lumMod val="75000"/>
+                </a:schemeClr>
+              </a:solidFill>
+            </a:endParaRPr>
+          </a:p>
+        </p:txBody>
+      </p:sp>
+      <p:cxnSp>
+        <p:nvCxnSpPr>
+          <p:cNvPr id="6" name="Connecteur droit avec flèche 5"/>
+          <p:cNvCxnSpPr>
+            <a:stCxn id="30" idx="3"/>
+            <a:endCxn id="12" idx="1"/>
+          </p:cNvCxnSpPr>
+          <p:nvPr/>
+        </p:nvCxnSpPr>
+        <p:spPr>
+          <a:xfrm flipV="1">
+            <a:off x="3447570" y="4107873"/>
+            <a:ext cx="553967" cy="153889"/>
+          </a:xfrm>
+          <a:prstGeom prst="straightConnector1">
+            <a:avLst/>
+          </a:prstGeom>
+          <a:ln w="38100">
+            <a:tailEnd type="triangle"/>
+          </a:ln>
+        </p:spPr>
+        <p:style>
+          <a:lnRef idx="1">
+            <a:schemeClr val="accent1"/>
+          </a:lnRef>
+          <a:fillRef idx="0">
+            <a:schemeClr val="accent1"/>
+          </a:fillRef>
+          <a:effectRef idx="0">
+            <a:schemeClr val="accent1"/>
+          </a:effectRef>
+          <a:fontRef idx="minor">
+            <a:schemeClr val="tx1"/>
+          </a:fontRef>
+        </p:style>
+      </p:cxnSp>
+      <p:sp>
+        <p:nvSpPr>
+          <p:cNvPr id="12" name="Rectangle 11"/>
+          <p:cNvSpPr/>
+          <p:nvPr/>
+        </p:nvSpPr>
+        <p:spPr>
+          <a:xfrm>
+            <a:off x="4001537" y="1814946"/>
+            <a:ext cx="2812473" cy="4585854"/>
+          </a:xfrm>
+          <a:prstGeom prst="rect">
+            <a:avLst/>
+          </a:prstGeom>
+          <a:noFill/>
+          <a:ln w="57150"/>
+        </p:spPr>
+        <p:style>
+          <a:lnRef idx="2">
+            <a:schemeClr val="accent1">
+              <a:shade val="50000"/>
+            </a:schemeClr>
+          </a:lnRef>
+          <a:fillRef idx="1">
+            <a:schemeClr val="accent1"/>
+          </a:fillRef>
+          <a:effectRef idx="0">
+            <a:schemeClr val="accent1"/>
+          </a:effectRef>
+          <a:fontRef idx="minor">
+            <a:schemeClr val="lt1"/>
+          </a:fontRef>
+        </p:style>
+        <p:txBody>
+          <a:bodyPr rtlCol="0" anchor="ctr"/>
+          <a:lstStyle/>
+          <a:p>
+            <a:pPr algn="ctr"/>
+            <a:endParaRPr lang="en-GB"/>
+          </a:p>
+        </p:txBody>
+      </p:sp>
+      <p:sp>
+        <p:nvSpPr>
+          <p:cNvPr id="33" name="Rectangle 32"/>
+          <p:cNvSpPr/>
+          <p:nvPr/>
+        </p:nvSpPr>
+        <p:spPr>
+          <a:xfrm>
+            <a:off x="6943636" y="1612900"/>
+            <a:ext cx="2519019" cy="4787900"/>
+          </a:xfrm>
+          <a:prstGeom prst="rect">
+            <a:avLst/>
+          </a:prstGeom>
+          <a:noFill/>
+          <a:ln w="57150"/>
+        </p:spPr>
+        <p:style>
+          <a:lnRef idx="2">
+            <a:schemeClr val="accent1">
+              <a:shade val="50000"/>
+            </a:schemeClr>
+          </a:lnRef>
+          <a:fillRef idx="1">
+            <a:schemeClr val="accent1"/>
+          </a:fillRef>
+          <a:effectRef idx="0">
+            <a:schemeClr val="accent1"/>
+          </a:effectRef>
+          <a:fontRef idx="minor">
+            <a:schemeClr val="lt1"/>
+          </a:fontRef>
+        </p:style>
+        <p:txBody>
+          <a:bodyPr rtlCol="0" anchor="ctr"/>
+          <a:lstStyle/>
+          <a:p>
+            <a:pPr algn="ctr"/>
+            <a:endParaRPr lang="en-GB"/>
+          </a:p>
+        </p:txBody>
+      </p:sp>
+      <p:sp>
+        <p:nvSpPr>
+          <p:cNvPr id="35" name="ZoneTexte 34"/>
+          <p:cNvSpPr txBox="1"/>
+          <p:nvPr/>
+        </p:nvSpPr>
+        <p:spPr>
+          <a:xfrm>
+            <a:off x="7961521" y="3953984"/>
+            <a:ext cx="889225" cy="307777"/>
+          </a:xfrm>
+          <a:prstGeom prst="rect">
+            <a:avLst/>
+          </a:prstGeom>
+          <a:solidFill>
+            <a:schemeClr val="accent1">
+              <a:lumMod val="20000"/>
+              <a:lumOff val="80000"/>
+              <a:alpha val="60000"/>
+            </a:schemeClr>
+          </a:solidFill>
+          <a:ln>
+            <a:solidFill>
+              <a:schemeClr val="accent1"/>
+            </a:solidFill>
+          </a:ln>
+        </p:spPr>
+        <p:txBody>
+          <a:bodyPr wrap="square" rtlCol="0">
+            <a:spAutoFit/>
+          </a:bodyPr>
+          <a:lstStyle/>
+          <a:p>
+            <a:r>
+              <a:rPr lang="fr-FR" sz="1400" dirty="0" smtClean="0">
+                <a:solidFill>
+                  <a:schemeClr val="tx2">
+                    <a:lumMod val="75000"/>
+                  </a:schemeClr>
+                </a:solidFill>
+              </a:rPr>
+              <a:t>Plot zone</a:t>
+            </a:r>
+            <a:endParaRPr lang="fr-FR" sz="1400" dirty="0">
+              <a:solidFill>
+                <a:schemeClr val="tx2">
+                  <a:lumMod val="75000"/>
+                </a:schemeClr>
+              </a:solidFill>
+            </a:endParaRPr>
+          </a:p>
+        </p:txBody>
+      </p:sp>
+      <p:sp>
+        <p:nvSpPr>
+          <p:cNvPr id="37" name="ZoneTexte 36"/>
+          <p:cNvSpPr txBox="1"/>
+          <p:nvPr/>
+        </p:nvSpPr>
+        <p:spPr>
+          <a:xfrm>
+            <a:off x="1676400" y="1134584"/>
+            <a:ext cx="1445588" cy="307777"/>
+          </a:xfrm>
+          <a:prstGeom prst="rect">
+            <a:avLst/>
+          </a:prstGeom>
+          <a:solidFill>
+            <a:schemeClr val="accent1">
+              <a:lumMod val="20000"/>
+              <a:lumOff val="80000"/>
+              <a:alpha val="60000"/>
+            </a:schemeClr>
+          </a:solidFill>
+          <a:ln>
+            <a:solidFill>
+              <a:schemeClr val="accent1"/>
+            </a:solidFill>
+          </a:ln>
+        </p:spPr>
+        <p:txBody>
+          <a:bodyPr wrap="square" rtlCol="0">
+            <a:spAutoFit/>
+          </a:bodyPr>
+          <a:lstStyle/>
+          <a:p>
+            <a:r>
+              <a:rPr lang="fr-FR" sz="1400" dirty="0" smtClean="0">
+                <a:solidFill>
+                  <a:schemeClr val="tx2">
+                    <a:lumMod val="75000"/>
+                  </a:schemeClr>
+                </a:solidFill>
+              </a:rPr>
+              <a:t>Pulse </a:t>
+            </a:r>
+            <a:r>
+              <a:rPr lang="fr-FR" sz="1400" dirty="0" err="1" smtClean="0">
+                <a:solidFill>
+                  <a:schemeClr val="tx2">
+                    <a:lumMod val="75000"/>
+                  </a:schemeClr>
+                </a:solidFill>
+              </a:rPr>
+              <a:t>numbers</a:t>
+            </a:r>
+            <a:endParaRPr lang="fr-FR" sz="1400" dirty="0">
+              <a:solidFill>
+                <a:schemeClr val="tx2">
+                  <a:lumMod val="75000"/>
+                </a:schemeClr>
+              </a:solidFill>
+            </a:endParaRPr>
+          </a:p>
+        </p:txBody>
+      </p:sp>
+      <p:cxnSp>
+        <p:nvCxnSpPr>
+          <p:cNvPr id="38" name="Connecteur droit avec flèche 37"/>
+          <p:cNvCxnSpPr/>
+          <p:nvPr/>
+        </p:nvCxnSpPr>
+        <p:spPr>
+          <a:xfrm flipV="1">
+            <a:off x="3121987" y="1211528"/>
+            <a:ext cx="749924" cy="76946"/>
+          </a:xfrm>
+          <a:prstGeom prst="straightConnector1">
+            <a:avLst/>
+          </a:prstGeom>
+          <a:ln w="38100">
+            <a:tailEnd type="triangle"/>
+          </a:ln>
+        </p:spPr>
+        <p:style>
+          <a:lnRef idx="1">
+            <a:schemeClr val="accent1"/>
+          </a:lnRef>
+          <a:fillRef idx="0">
+            <a:schemeClr val="accent1"/>
+          </a:fillRef>
+          <a:effectRef idx="0">
+            <a:schemeClr val="accent1"/>
+          </a:effectRef>
+          <a:fontRef idx="minor">
+            <a:schemeClr val="tx1"/>
+          </a:fontRef>
+        </p:style>
+      </p:cxnSp>
+    </p:spTree>
+    <p:extLst>
+      <p:ext uri="{BB962C8B-B14F-4D97-AF65-F5344CB8AC3E}">
+        <p14:creationId xmlns:p14="http://schemas.microsoft.com/office/powerpoint/2010/main" val="1064842820"/>
+      </p:ext>
+    </p:extLst>
+  </p:cSld>
+  <p:clrMapOvr>
+    <a:masterClrMapping/>
+  </p:clrMapOvr>
+  <p:timing>
+    <p:tnLst>
+      <p:par>
+        <p:cTn id="1" dur="indefinite" restart="never" nodeType="tmRoot"/>
+      </p:par>
+    </p:tnLst>
+  </p:timing>
+</p:sld>
+</file>
+
+<file path=ppt/slides/slide5.xml><?xml version="1.0" encoding="utf-8"?>
+<p:sld xmlns:a="http://schemas.openxmlformats.org/drawingml/2006/main" xmlns:r="http://schemas.openxmlformats.org/officeDocument/2006/relationships" xmlns:p="http://schemas.openxmlformats.org/presentationml/2006/main">
+  <p:cSld>
+    <p:spTree>
+      <p:nvGrpSpPr>
+        <p:cNvPr id="1" name=""/>
+        <p:cNvGrpSpPr/>
+        <p:nvPr/>
+      </p:nvGrpSpPr>
+      <p:grpSpPr>
+        <a:xfrm>
+          <a:off x="0" y="0"/>
+          <a:ext cx="0" cy="0"/>
+          <a:chOff x="0" y="0"/>
+          <a:chExt cx="0" cy="0"/>
+        </a:xfrm>
+      </p:grpSpPr>
+      <p:pic>
+        <p:nvPicPr>
+          <p:cNvPr id="4" name="Image 3"/>
+          <p:cNvPicPr>
+            <a:picLocks noChangeAspect="1"/>
+          </p:cNvPicPr>
+          <p:nvPr/>
+        </p:nvPicPr>
+        <p:blipFill>
+          <a:blip r:embed="rId2"/>
+          <a:stretch>
+            <a:fillRect/>
+          </a:stretch>
+        </p:blipFill>
+        <p:spPr>
+          <a:xfrm>
+            <a:off x="3470898" y="903673"/>
+            <a:ext cx="6664206" cy="5551385"/>
+          </a:xfrm>
+          <a:prstGeom prst="rect">
+            <a:avLst/>
+          </a:prstGeom>
+        </p:spPr>
+      </p:pic>
+      <p:sp>
+        <p:nvSpPr>
+          <p:cNvPr id="5" name="ZoneTexte 4"/>
+          <p:cNvSpPr txBox="1"/>
+          <p:nvPr/>
+        </p:nvSpPr>
+        <p:spPr>
+          <a:xfrm>
+            <a:off x="1579418" y="903673"/>
+            <a:ext cx="1445588" cy="307777"/>
+          </a:xfrm>
+          <a:prstGeom prst="rect">
+            <a:avLst/>
+          </a:prstGeom>
+          <a:solidFill>
+            <a:schemeClr val="accent1">
+              <a:lumMod val="20000"/>
+              <a:lumOff val="80000"/>
+              <a:alpha val="60000"/>
+            </a:schemeClr>
+          </a:solidFill>
+          <a:ln>
+            <a:solidFill>
+              <a:schemeClr val="accent1"/>
+            </a:solidFill>
+          </a:ln>
+        </p:spPr>
+        <p:txBody>
+          <a:bodyPr wrap="square" rtlCol="0">
+            <a:spAutoFit/>
+          </a:bodyPr>
+          <a:lstStyle/>
+          <a:p>
+            <a:r>
+              <a:rPr lang="fr-FR" sz="1400" dirty="0" smtClean="0">
+                <a:solidFill>
+                  <a:schemeClr val="tx2">
+                    <a:lumMod val="75000"/>
+                  </a:schemeClr>
+                </a:solidFill>
+              </a:rPr>
+              <a:t>Pulse </a:t>
+            </a:r>
+            <a:r>
+              <a:rPr lang="fr-FR" sz="1400" dirty="0" err="1" smtClean="0">
+                <a:solidFill>
+                  <a:schemeClr val="tx2">
+                    <a:lumMod val="75000"/>
+                  </a:schemeClr>
+                </a:solidFill>
+              </a:rPr>
+              <a:t>numbers</a:t>
+            </a:r>
+            <a:endParaRPr lang="fr-FR" sz="1400" dirty="0">
+              <a:solidFill>
+                <a:schemeClr val="tx2">
+                  <a:lumMod val="75000"/>
+                </a:schemeClr>
+              </a:solidFill>
+            </a:endParaRPr>
+          </a:p>
+        </p:txBody>
+      </p:sp>
+      <p:cxnSp>
+        <p:nvCxnSpPr>
+          <p:cNvPr id="6" name="Connecteur droit avec flèche 5"/>
+          <p:cNvCxnSpPr>
+            <a:stCxn id="8" idx="3"/>
+          </p:cNvCxnSpPr>
+          <p:nvPr/>
+        </p:nvCxnSpPr>
+        <p:spPr>
+          <a:xfrm flipV="1">
+            <a:off x="3025005" y="1595581"/>
+            <a:ext cx="563322" cy="210127"/>
+          </a:xfrm>
+          <a:prstGeom prst="straightConnector1">
+            <a:avLst/>
+          </a:prstGeom>
+          <a:ln w="38100">
+            <a:tailEnd type="triangle"/>
+          </a:ln>
+        </p:spPr>
+        <p:style>
+          <a:lnRef idx="1">
+            <a:schemeClr val="accent1"/>
+          </a:lnRef>
+          <a:fillRef idx="0">
+            <a:schemeClr val="accent1"/>
+          </a:fillRef>
+          <a:effectRef idx="0">
+            <a:schemeClr val="accent1"/>
+          </a:effectRef>
+          <a:fontRef idx="minor">
+            <a:schemeClr val="tx1"/>
+          </a:fontRef>
+        </p:style>
+      </p:cxnSp>
+      <p:sp>
+        <p:nvSpPr>
+          <p:cNvPr id="8" name="ZoneTexte 7"/>
+          <p:cNvSpPr txBox="1"/>
+          <p:nvPr/>
+        </p:nvSpPr>
+        <p:spPr>
+          <a:xfrm>
+            <a:off x="1579417" y="1651819"/>
+            <a:ext cx="1445588" cy="307777"/>
+          </a:xfrm>
+          <a:prstGeom prst="rect">
+            <a:avLst/>
+          </a:prstGeom>
+          <a:solidFill>
+            <a:schemeClr val="accent1">
+              <a:lumMod val="20000"/>
+              <a:lumOff val="80000"/>
+              <a:alpha val="60000"/>
+            </a:schemeClr>
+          </a:solidFill>
+          <a:ln>
+            <a:solidFill>
+              <a:schemeClr val="accent1"/>
+            </a:solidFill>
+          </a:ln>
+        </p:spPr>
+        <p:txBody>
+          <a:bodyPr wrap="square" rtlCol="0">
+            <a:spAutoFit/>
+          </a:bodyPr>
+          <a:lstStyle/>
+          <a:p>
+            <a:r>
+              <a:rPr lang="fr-FR" sz="1400" dirty="0" smtClean="0">
+                <a:solidFill>
+                  <a:schemeClr val="tx2">
+                    <a:lumMod val="75000"/>
+                  </a:schemeClr>
+                </a:solidFill>
+              </a:rPr>
+              <a:t>Multiple </a:t>
+            </a:r>
+            <a:r>
+              <a:rPr lang="fr-FR" sz="1400" dirty="0" err="1" smtClean="0">
+                <a:solidFill>
+                  <a:schemeClr val="tx2">
+                    <a:lumMod val="75000"/>
+                  </a:schemeClr>
+                </a:solidFill>
+              </a:rPr>
+              <a:t>tabs</a:t>
+            </a:r>
+            <a:endParaRPr lang="fr-FR" sz="1400" dirty="0">
+              <a:solidFill>
+                <a:schemeClr val="tx2">
+                  <a:lumMod val="75000"/>
+                </a:schemeClr>
+              </a:solidFill>
+            </a:endParaRPr>
+          </a:p>
+        </p:txBody>
+      </p:sp>
+      <p:sp>
+        <p:nvSpPr>
+          <p:cNvPr id="11" name="Rectangle 10"/>
+          <p:cNvSpPr/>
+          <p:nvPr/>
+        </p:nvSpPr>
+        <p:spPr>
+          <a:xfrm>
+            <a:off x="3588327" y="1595581"/>
+            <a:ext cx="6220691" cy="210127"/>
+          </a:xfrm>
+          <a:prstGeom prst="rect">
+            <a:avLst/>
+          </a:prstGeom>
+          <a:noFill/>
+          <a:ln w="57150"/>
+        </p:spPr>
+        <p:style>
+          <a:lnRef idx="2">
+            <a:schemeClr val="accent1">
+              <a:shade val="50000"/>
+            </a:schemeClr>
+          </a:lnRef>
+          <a:fillRef idx="1">
+            <a:schemeClr val="accent1"/>
+          </a:fillRef>
+          <a:effectRef idx="0">
+            <a:schemeClr val="accent1"/>
+          </a:effectRef>
+          <a:fontRef idx="minor">
+            <a:schemeClr val="lt1"/>
+          </a:fontRef>
+        </p:style>
+        <p:txBody>
+          <a:bodyPr rtlCol="0" anchor="ctr"/>
+          <a:lstStyle/>
+          <a:p>
+            <a:pPr algn="ctr"/>
+            <a:endParaRPr lang="en-GB"/>
+          </a:p>
+        </p:txBody>
+      </p:sp>
+      <p:sp>
+        <p:nvSpPr>
+          <p:cNvPr id="12" name="Rectangle 11"/>
+          <p:cNvSpPr/>
+          <p:nvPr/>
+        </p:nvSpPr>
+        <p:spPr>
+          <a:xfrm>
+            <a:off x="3588327" y="1959596"/>
+            <a:ext cx="6442364" cy="4274949"/>
+          </a:xfrm>
+          <a:prstGeom prst="rect">
+            <a:avLst/>
+          </a:prstGeom>
+          <a:noFill/>
+          <a:ln w="57150"/>
+        </p:spPr>
+        <p:style>
+          <a:lnRef idx="2">
+            <a:schemeClr val="accent1">
+              <a:shade val="50000"/>
+            </a:schemeClr>
+          </a:lnRef>
+          <a:fillRef idx="1">
+            <a:schemeClr val="accent1"/>
+          </a:fillRef>
+          <a:effectRef idx="0">
+            <a:schemeClr val="accent1"/>
+          </a:effectRef>
+          <a:fontRef idx="minor">
+            <a:schemeClr val="lt1"/>
+          </a:fontRef>
+        </p:style>
+        <p:txBody>
+          <a:bodyPr rtlCol="0" anchor="ctr"/>
+          <a:lstStyle/>
+          <a:p>
+            <a:pPr algn="ctr"/>
+            <a:endParaRPr lang="en-GB"/>
+          </a:p>
+        </p:txBody>
+      </p:sp>
+      <p:sp>
+        <p:nvSpPr>
+          <p:cNvPr id="13" name="ZoneTexte 12"/>
+          <p:cNvSpPr txBox="1"/>
+          <p:nvPr/>
+        </p:nvSpPr>
+        <p:spPr>
+          <a:xfrm>
+            <a:off x="1579417" y="4038427"/>
+            <a:ext cx="1445588" cy="523220"/>
+          </a:xfrm>
+          <a:prstGeom prst="rect">
+            <a:avLst/>
+          </a:prstGeom>
+          <a:solidFill>
+            <a:schemeClr val="accent1">
+              <a:lumMod val="20000"/>
+              <a:lumOff val="80000"/>
+              <a:alpha val="60000"/>
+            </a:schemeClr>
+          </a:solidFill>
+          <a:ln>
+            <a:solidFill>
+              <a:schemeClr val="accent1"/>
+            </a:solidFill>
+          </a:ln>
+        </p:spPr>
+        <p:txBody>
+          <a:bodyPr wrap="square" rtlCol="0">
+            <a:spAutoFit/>
+          </a:bodyPr>
+          <a:lstStyle/>
+          <a:p>
+            <a:r>
+              <a:rPr lang="fr-FR" sz="1400" dirty="0" smtClean="0">
+                <a:solidFill>
+                  <a:schemeClr val="tx2">
+                    <a:lumMod val="75000"/>
+                  </a:schemeClr>
+                </a:solidFill>
+              </a:rPr>
+              <a:t>Multiple graphs (« panels »)</a:t>
+            </a:r>
+            <a:endParaRPr lang="fr-FR" sz="1400" dirty="0">
+              <a:solidFill>
+                <a:schemeClr val="tx2">
+                  <a:lumMod val="75000"/>
+                </a:schemeClr>
+              </a:solidFill>
+            </a:endParaRPr>
+          </a:p>
+        </p:txBody>
+      </p:sp>
+      <p:cxnSp>
+        <p:nvCxnSpPr>
+          <p:cNvPr id="14" name="Connecteur droit avec flèche 13"/>
+          <p:cNvCxnSpPr/>
+          <p:nvPr/>
+        </p:nvCxnSpPr>
+        <p:spPr>
+          <a:xfrm>
+            <a:off x="3025005" y="1075365"/>
+            <a:ext cx="563322" cy="289973"/>
+          </a:xfrm>
+          <a:prstGeom prst="straightConnector1">
+            <a:avLst/>
+          </a:prstGeom>
+          <a:ln w="38100">
+            <a:tailEnd type="triangle"/>
+          </a:ln>
+        </p:spPr>
+        <p:style>
+          <a:lnRef idx="1">
+            <a:schemeClr val="accent1"/>
+          </a:lnRef>
+          <a:fillRef idx="0">
+            <a:schemeClr val="accent1"/>
+          </a:fillRef>
+          <a:effectRef idx="0">
+            <a:schemeClr val="accent1"/>
+          </a:effectRef>
+          <a:fontRef idx="minor">
+            <a:schemeClr val="tx1"/>
+          </a:fontRef>
+        </p:style>
+      </p:cxnSp>
+      <p:cxnSp>
+        <p:nvCxnSpPr>
+          <p:cNvPr id="16" name="Connecteur droit avec flèche 15"/>
+          <p:cNvCxnSpPr/>
+          <p:nvPr/>
+        </p:nvCxnSpPr>
+        <p:spPr>
+          <a:xfrm flipV="1">
+            <a:off x="3025005" y="4097070"/>
+            <a:ext cx="840413" cy="175755"/>
+          </a:xfrm>
+          <a:prstGeom prst="straightConnector1">
+            <a:avLst/>
+          </a:prstGeom>
+          <a:ln w="38100">
+            <a:tailEnd type="triangle"/>
+          </a:ln>
+        </p:spPr>
+        <p:style>
+          <a:lnRef idx="1">
+            <a:schemeClr val="accent1"/>
+          </a:lnRef>
+          <a:fillRef idx="0">
+            <a:schemeClr val="accent1"/>
+          </a:fillRef>
+          <a:effectRef idx="0">
+            <a:schemeClr val="accent1"/>
+          </a:effectRef>
+          <a:fontRef idx="minor">
+            <a:schemeClr val="tx1"/>
+          </a:fontRef>
+        </p:style>
+      </p:cxnSp>
+    </p:spTree>
+    <p:extLst>
+      <p:ext uri="{BB962C8B-B14F-4D97-AF65-F5344CB8AC3E}">
+        <p14:creationId xmlns:p14="http://schemas.microsoft.com/office/powerpoint/2010/main" val="37190166"/>
       </p:ext>
     </p:extLst>
   </p:cSld>

--- a/doc/PPPAT_ControlRoom.pptx
+++ b/doc/PPPAT_ControlRoom.pptx
@@ -9,20 +9,24 @@
     <p:sldId id="263" r:id="rId3"/>
     <p:sldId id="264" r:id="rId4"/>
     <p:sldId id="260" r:id="rId5"/>
-    <p:sldId id="265" r:id="rId6"/>
-    <p:sldId id="258" r:id="rId7"/>
-    <p:sldId id="262" r:id="rId8"/>
-    <p:sldId id="256" r:id="rId9"/>
-    <p:sldId id="266" r:id="rId10"/>
-    <p:sldId id="267" r:id="rId11"/>
-    <p:sldId id="269" r:id="rId12"/>
-    <p:sldId id="270" r:id="rId13"/>
-    <p:sldId id="271" r:id="rId14"/>
-    <p:sldId id="274" r:id="rId15"/>
-    <p:sldId id="275" r:id="rId16"/>
-    <p:sldId id="268" r:id="rId17"/>
-    <p:sldId id="272" r:id="rId18"/>
-    <p:sldId id="273" r:id="rId19"/>
+    <p:sldId id="276" r:id="rId6"/>
+    <p:sldId id="277" r:id="rId7"/>
+    <p:sldId id="278" r:id="rId8"/>
+    <p:sldId id="279" r:id="rId9"/>
+    <p:sldId id="265" r:id="rId10"/>
+    <p:sldId id="258" r:id="rId11"/>
+    <p:sldId id="262" r:id="rId12"/>
+    <p:sldId id="256" r:id="rId13"/>
+    <p:sldId id="266" r:id="rId14"/>
+    <p:sldId id="267" r:id="rId15"/>
+    <p:sldId id="269" r:id="rId16"/>
+    <p:sldId id="270" r:id="rId17"/>
+    <p:sldId id="271" r:id="rId18"/>
+    <p:sldId id="274" r:id="rId19"/>
+    <p:sldId id="275" r:id="rId20"/>
+    <p:sldId id="268" r:id="rId21"/>
+    <p:sldId id="272" r:id="rId22"/>
+    <p:sldId id="273" r:id="rId23"/>
   </p:sldIdLst>
   <p:sldSz cx="12192000" cy="6858000"/>
   <p:notesSz cx="6858000" cy="9144000"/>
@@ -1409,7 +1413,7 @@
           <a:p>
             <a:fld id="{20081A0A-8D3B-4A05-AA88-B8EDC306EF50}" type="datetimeFigureOut">
               <a:rPr lang="en-GB" smtClean="0"/>
-              <a:t>03/01/2021</a:t>
+              <a:t>04/01/2021</a:t>
             </a:fld>
             <a:endParaRPr lang="en-GB"/>
           </a:p>
@@ -1608,7 +1612,7 @@
           <a:p>
             <a:fld id="{20081A0A-8D3B-4A05-AA88-B8EDC306EF50}" type="datetimeFigureOut">
               <a:rPr lang="en-GB" smtClean="0"/>
-              <a:t>03/01/2021</a:t>
+              <a:t>04/01/2021</a:t>
             </a:fld>
             <a:endParaRPr lang="en-GB"/>
           </a:p>
@@ -5453,7 +5457,7 @@
                   </a:schemeClr>
                 </a:solidFill>
               </a:rPr>
-              <a:t>3 janvier 2021</a:t>
+              <a:t>4 janvier 2021</a:t>
             </a:fld>
             <a:endParaRPr lang="fr-FR" sz="1100" dirty="0">
               <a:solidFill>
@@ -6038,6 +6042,2175 @@
           <a:chExt cx="0" cy="0"/>
         </a:xfrm>
       </p:grpSpPr>
+      <p:pic>
+        <p:nvPicPr>
+          <p:cNvPr id="5" name="Image 4"/>
+          <p:cNvPicPr>
+            <a:picLocks noChangeAspect="1"/>
+          </p:cNvPicPr>
+          <p:nvPr/>
+        </p:nvPicPr>
+        <p:blipFill>
+          <a:blip r:embed="rId2"/>
+          <a:stretch>
+            <a:fillRect/>
+          </a:stretch>
+        </p:blipFill>
+        <p:spPr>
+          <a:xfrm>
+            <a:off x="95250" y="47625"/>
+            <a:ext cx="12001500" cy="6762750"/>
+          </a:xfrm>
+          <a:prstGeom prst="rect">
+            <a:avLst/>
+          </a:prstGeom>
+        </p:spPr>
+      </p:pic>
+      <p:sp>
+        <p:nvSpPr>
+          <p:cNvPr id="2" name="Titre 1"/>
+          <p:cNvSpPr>
+            <a:spLocks noGrp="1"/>
+          </p:cNvSpPr>
+          <p:nvPr>
+            <p:ph type="title"/>
+          </p:nvPr>
+        </p:nvSpPr>
+        <p:spPr>
+          <a:xfrm>
+            <a:off x="4370120" y="163522"/>
+            <a:ext cx="5876614" cy="379192"/>
+          </a:xfrm>
+          <a:solidFill>
+            <a:schemeClr val="bg1">
+              <a:alpha val="60000"/>
+            </a:schemeClr>
+          </a:solidFill>
+        </p:spPr>
+        <p:txBody>
+          <a:bodyPr/>
+          <a:lstStyle/>
+          <a:p>
+            <a:r>
+              <a:rPr lang="en-GB" dirty="0" smtClean="0"/>
+              <a:t>Control Room graphical interface description</a:t>
+            </a:r>
+            <a:endParaRPr lang="en-GB" dirty="0"/>
+          </a:p>
+        </p:txBody>
+      </p:sp>
+    </p:spTree>
+    <p:extLst>
+      <p:ext uri="{BB962C8B-B14F-4D97-AF65-F5344CB8AC3E}">
+        <p14:creationId xmlns:p14="http://schemas.microsoft.com/office/powerpoint/2010/main" val="1269417001"/>
+      </p:ext>
+    </p:extLst>
+  </p:cSld>
+  <p:clrMapOvr>
+    <a:masterClrMapping/>
+  </p:clrMapOvr>
+  <p:timing>
+    <p:tnLst>
+      <p:par>
+        <p:cTn id="1" dur="indefinite" restart="never" nodeType="tmRoot"/>
+      </p:par>
+    </p:tnLst>
+  </p:timing>
+</p:sld>
+</file>
+
+<file path=ppt/slides/slide11.xml><?xml version="1.0" encoding="utf-8"?>
+<p:sld xmlns:a="http://schemas.openxmlformats.org/drawingml/2006/main" xmlns:r="http://schemas.openxmlformats.org/officeDocument/2006/relationships" xmlns:p="http://schemas.openxmlformats.org/presentationml/2006/main">
+  <p:cSld>
+    <p:spTree>
+      <p:nvGrpSpPr>
+        <p:cNvPr id="1" name=""/>
+        <p:cNvGrpSpPr/>
+        <p:nvPr/>
+      </p:nvGrpSpPr>
+      <p:grpSpPr>
+        <a:xfrm>
+          <a:off x="0" y="0"/>
+          <a:ext cx="0" cy="0"/>
+          <a:chOff x="0" y="0"/>
+          <a:chExt cx="0" cy="0"/>
+        </a:xfrm>
+      </p:grpSpPr>
+      <p:pic>
+        <p:nvPicPr>
+          <p:cNvPr id="5" name="Image 4"/>
+          <p:cNvPicPr>
+            <a:picLocks noChangeAspect="1"/>
+          </p:cNvPicPr>
+          <p:nvPr/>
+        </p:nvPicPr>
+        <p:blipFill>
+          <a:blip r:embed="rId2"/>
+          <a:stretch>
+            <a:fillRect/>
+          </a:stretch>
+        </p:blipFill>
+        <p:spPr>
+          <a:xfrm>
+            <a:off x="95250" y="47625"/>
+            <a:ext cx="12001500" cy="6762750"/>
+          </a:xfrm>
+          <a:prstGeom prst="rect">
+            <a:avLst/>
+          </a:prstGeom>
+        </p:spPr>
+      </p:pic>
+      <p:sp>
+        <p:nvSpPr>
+          <p:cNvPr id="3" name="Rectangle 2"/>
+          <p:cNvSpPr/>
+          <p:nvPr/>
+        </p:nvSpPr>
+        <p:spPr>
+          <a:xfrm>
+            <a:off x="240643" y="1075877"/>
+            <a:ext cx="2641102" cy="291258"/>
+          </a:xfrm>
+          <a:prstGeom prst="rect">
+            <a:avLst/>
+          </a:prstGeom>
+          <a:noFill/>
+          <a:ln w="38100">
+            <a:solidFill>
+              <a:schemeClr val="tx2"/>
+            </a:solidFill>
+          </a:ln>
+        </p:spPr>
+        <p:style>
+          <a:lnRef idx="2">
+            <a:schemeClr val="accent1">
+              <a:shade val="50000"/>
+            </a:schemeClr>
+          </a:lnRef>
+          <a:fillRef idx="1">
+            <a:schemeClr val="accent1"/>
+          </a:fillRef>
+          <a:effectRef idx="0">
+            <a:schemeClr val="accent1"/>
+          </a:effectRef>
+          <a:fontRef idx="minor">
+            <a:schemeClr val="lt1"/>
+          </a:fontRef>
+        </p:style>
+        <p:txBody>
+          <a:bodyPr rtlCol="0" anchor="ctr"/>
+          <a:lstStyle/>
+          <a:p>
+            <a:pPr algn="ctr"/>
+            <a:endParaRPr lang="en-GB" dirty="0"/>
+          </a:p>
+        </p:txBody>
+      </p:sp>
+      <p:sp>
+        <p:nvSpPr>
+          <p:cNvPr id="4" name="ZoneTexte 3"/>
+          <p:cNvSpPr txBox="1"/>
+          <p:nvPr/>
+        </p:nvSpPr>
+        <p:spPr>
+          <a:xfrm>
+            <a:off x="4333679" y="650622"/>
+            <a:ext cx="3363806" cy="738664"/>
+          </a:xfrm>
+          <a:prstGeom prst="rect">
+            <a:avLst/>
+          </a:prstGeom>
+          <a:solidFill>
+            <a:schemeClr val="bg1">
+              <a:lumMod val="85000"/>
+              <a:alpha val="60000"/>
+            </a:schemeClr>
+          </a:solidFill>
+          <a:ln>
+            <a:solidFill>
+              <a:schemeClr val="tx2"/>
+            </a:solidFill>
+          </a:ln>
+        </p:spPr>
+        <p:txBody>
+          <a:bodyPr wrap="none" rtlCol="0">
+            <a:spAutoFit/>
+          </a:bodyPr>
+          <a:lstStyle/>
+          <a:p>
+            <a:r>
+              <a:rPr lang="en-GB" sz="1400" dirty="0" smtClean="0">
+                <a:solidFill>
+                  <a:schemeClr val="tx2">
+                    <a:lumMod val="75000"/>
+                  </a:schemeClr>
+                </a:solidFill>
+              </a:rPr>
+              <a:t>“Tabs”. </a:t>
+            </a:r>
+          </a:p>
+          <a:p>
+            <a:r>
+              <a:rPr lang="en-GB" sz="1400" dirty="0" smtClean="0">
+                <a:solidFill>
+                  <a:schemeClr val="tx2">
+                    <a:lumMod val="75000"/>
+                  </a:schemeClr>
+                </a:solidFill>
+              </a:rPr>
+              <a:t>A Tab contains one of few Panels</a:t>
+            </a:r>
+          </a:p>
+          <a:p>
+            <a:r>
+              <a:rPr lang="en-GB" sz="1400" dirty="0" smtClean="0">
+                <a:solidFill>
+                  <a:schemeClr val="tx2">
+                    <a:lumMod val="75000"/>
+                  </a:schemeClr>
+                </a:solidFill>
+              </a:rPr>
+              <a:t>Tabs can be added, renamed and removed. </a:t>
+            </a:r>
+            <a:endParaRPr lang="en-GB" sz="1400" dirty="0">
+              <a:solidFill>
+                <a:schemeClr val="tx2">
+                  <a:lumMod val="75000"/>
+                </a:schemeClr>
+              </a:solidFill>
+            </a:endParaRPr>
+          </a:p>
+        </p:txBody>
+      </p:sp>
+      <p:cxnSp>
+        <p:nvCxnSpPr>
+          <p:cNvPr id="6" name="Connecteur droit avec flèche 5"/>
+          <p:cNvCxnSpPr/>
+          <p:nvPr/>
+        </p:nvCxnSpPr>
+        <p:spPr>
+          <a:xfrm flipH="1">
+            <a:off x="2606479" y="838315"/>
+            <a:ext cx="1698821" cy="141525"/>
+          </a:xfrm>
+          <a:prstGeom prst="straightConnector1">
+            <a:avLst/>
+          </a:prstGeom>
+          <a:ln>
+            <a:solidFill>
+              <a:schemeClr val="tx1"/>
+            </a:solidFill>
+            <a:tailEnd type="triangle"/>
+          </a:ln>
+        </p:spPr>
+        <p:style>
+          <a:lnRef idx="1">
+            <a:schemeClr val="accent1"/>
+          </a:lnRef>
+          <a:fillRef idx="0">
+            <a:schemeClr val="accent1"/>
+          </a:fillRef>
+          <a:effectRef idx="0">
+            <a:schemeClr val="accent1"/>
+          </a:effectRef>
+          <a:fontRef idx="minor">
+            <a:schemeClr val="tx1"/>
+          </a:fontRef>
+        </p:style>
+      </p:cxnSp>
+      <p:sp>
+        <p:nvSpPr>
+          <p:cNvPr id="7" name="Rectangle 6"/>
+          <p:cNvSpPr/>
+          <p:nvPr/>
+        </p:nvSpPr>
+        <p:spPr>
+          <a:xfrm>
+            <a:off x="151237" y="1488236"/>
+            <a:ext cx="11791381" cy="2446455"/>
+          </a:xfrm>
+          <a:prstGeom prst="rect">
+            <a:avLst/>
+          </a:prstGeom>
+          <a:noFill/>
+          <a:ln w="38100">
+            <a:solidFill>
+              <a:schemeClr val="accent2"/>
+            </a:solidFill>
+          </a:ln>
+        </p:spPr>
+        <p:style>
+          <a:lnRef idx="2">
+            <a:schemeClr val="accent1">
+              <a:shade val="50000"/>
+            </a:schemeClr>
+          </a:lnRef>
+          <a:fillRef idx="1">
+            <a:schemeClr val="accent1"/>
+          </a:fillRef>
+          <a:effectRef idx="0">
+            <a:schemeClr val="accent1"/>
+          </a:effectRef>
+          <a:fontRef idx="minor">
+            <a:schemeClr val="lt1"/>
+          </a:fontRef>
+        </p:style>
+        <p:txBody>
+          <a:bodyPr rtlCol="0" anchor="ctr"/>
+          <a:lstStyle/>
+          <a:p>
+            <a:pPr algn="ctr"/>
+            <a:endParaRPr lang="en-GB" dirty="0"/>
+          </a:p>
+        </p:txBody>
+      </p:sp>
+      <p:sp>
+        <p:nvSpPr>
+          <p:cNvPr id="8" name="ZoneTexte 7"/>
+          <p:cNvSpPr txBox="1"/>
+          <p:nvPr/>
+        </p:nvSpPr>
+        <p:spPr>
+          <a:xfrm>
+            <a:off x="6115961" y="1488236"/>
+            <a:ext cx="4082271" cy="738664"/>
+          </a:xfrm>
+          <a:prstGeom prst="rect">
+            <a:avLst/>
+          </a:prstGeom>
+          <a:solidFill>
+            <a:schemeClr val="bg1">
+              <a:lumMod val="85000"/>
+              <a:alpha val="60000"/>
+            </a:schemeClr>
+          </a:solidFill>
+          <a:ln>
+            <a:solidFill>
+              <a:schemeClr val="accent2"/>
+            </a:solidFill>
+          </a:ln>
+        </p:spPr>
+        <p:txBody>
+          <a:bodyPr wrap="none" rtlCol="0">
+            <a:spAutoFit/>
+          </a:bodyPr>
+          <a:lstStyle/>
+          <a:p>
+            <a:r>
+              <a:rPr lang="en-GB" sz="1400" dirty="0" smtClean="0">
+                <a:solidFill>
+                  <a:schemeClr val="accent2">
+                    <a:lumMod val="75000"/>
+                  </a:schemeClr>
+                </a:solidFill>
+              </a:rPr>
+              <a:t>“Panel”. </a:t>
+            </a:r>
+          </a:p>
+          <a:p>
+            <a:r>
+              <a:rPr lang="en-GB" sz="1400" dirty="0" smtClean="0">
+                <a:solidFill>
+                  <a:schemeClr val="accent2">
+                    <a:lumMod val="75000"/>
+                  </a:schemeClr>
+                </a:solidFill>
+              </a:rPr>
+              <a:t>Panel contains time-plot</a:t>
+            </a:r>
+          </a:p>
+          <a:p>
+            <a:r>
+              <a:rPr lang="en-GB" sz="1400" dirty="0" smtClean="0">
+                <a:solidFill>
+                  <a:schemeClr val="accent2">
+                    <a:lumMod val="75000"/>
+                  </a:schemeClr>
+                </a:solidFill>
+              </a:rPr>
+              <a:t>Panels can be added and removed (vertically stacked)</a:t>
+            </a:r>
+            <a:endParaRPr lang="en-GB" sz="1400" dirty="0">
+              <a:solidFill>
+                <a:schemeClr val="accent2">
+                  <a:lumMod val="75000"/>
+                </a:schemeClr>
+              </a:solidFill>
+            </a:endParaRPr>
+          </a:p>
+        </p:txBody>
+      </p:sp>
+      <p:sp>
+        <p:nvSpPr>
+          <p:cNvPr id="9" name="ZoneTexte 8"/>
+          <p:cNvSpPr txBox="1"/>
+          <p:nvPr/>
+        </p:nvSpPr>
+        <p:spPr>
+          <a:xfrm>
+            <a:off x="7002444" y="3228023"/>
+            <a:ext cx="1278748" cy="307777"/>
+          </a:xfrm>
+          <a:prstGeom prst="rect">
+            <a:avLst/>
+          </a:prstGeom>
+          <a:solidFill>
+            <a:schemeClr val="accent1">
+              <a:lumMod val="20000"/>
+              <a:lumOff val="80000"/>
+              <a:alpha val="60000"/>
+            </a:schemeClr>
+          </a:solidFill>
+          <a:ln>
+            <a:solidFill>
+              <a:schemeClr val="tx1"/>
+            </a:solidFill>
+          </a:ln>
+        </p:spPr>
+        <p:txBody>
+          <a:bodyPr wrap="none" rtlCol="0">
+            <a:spAutoFit/>
+          </a:bodyPr>
+          <a:lstStyle/>
+          <a:p>
+            <a:r>
+              <a:rPr lang="en-GB" sz="1400" dirty="0" smtClean="0"/>
+              <a:t>Time-plot zone</a:t>
+            </a:r>
+            <a:endParaRPr lang="en-GB" sz="1400" dirty="0"/>
+          </a:p>
+        </p:txBody>
+      </p:sp>
+      <p:sp>
+        <p:nvSpPr>
+          <p:cNvPr id="10" name="ZoneTexte 9"/>
+          <p:cNvSpPr txBox="1"/>
+          <p:nvPr/>
+        </p:nvSpPr>
+        <p:spPr>
+          <a:xfrm>
+            <a:off x="7029449" y="5847725"/>
+            <a:ext cx="1278748" cy="307777"/>
+          </a:xfrm>
+          <a:prstGeom prst="rect">
+            <a:avLst/>
+          </a:prstGeom>
+          <a:solidFill>
+            <a:schemeClr val="accent1">
+              <a:lumMod val="20000"/>
+              <a:lumOff val="80000"/>
+              <a:alpha val="60000"/>
+            </a:schemeClr>
+          </a:solidFill>
+          <a:ln>
+            <a:solidFill>
+              <a:schemeClr val="tx1"/>
+            </a:solidFill>
+          </a:ln>
+        </p:spPr>
+        <p:txBody>
+          <a:bodyPr wrap="none" rtlCol="0">
+            <a:spAutoFit/>
+          </a:bodyPr>
+          <a:lstStyle/>
+          <a:p>
+            <a:r>
+              <a:rPr lang="en-GB" sz="1400" dirty="0" smtClean="0"/>
+              <a:t>Time-plot zone</a:t>
+            </a:r>
+            <a:endParaRPr lang="en-GB" sz="1400" dirty="0"/>
+          </a:p>
+        </p:txBody>
+      </p:sp>
+      <p:sp>
+        <p:nvSpPr>
+          <p:cNvPr id="11" name="Rectangle 10"/>
+          <p:cNvSpPr/>
+          <p:nvPr/>
+        </p:nvSpPr>
+        <p:spPr>
+          <a:xfrm>
+            <a:off x="151237" y="4034352"/>
+            <a:ext cx="11791381" cy="2410646"/>
+          </a:xfrm>
+          <a:prstGeom prst="rect">
+            <a:avLst/>
+          </a:prstGeom>
+          <a:noFill/>
+          <a:ln w="38100">
+            <a:solidFill>
+              <a:schemeClr val="accent2"/>
+            </a:solidFill>
+          </a:ln>
+        </p:spPr>
+        <p:style>
+          <a:lnRef idx="2">
+            <a:schemeClr val="accent1">
+              <a:shade val="50000"/>
+            </a:schemeClr>
+          </a:lnRef>
+          <a:fillRef idx="1">
+            <a:schemeClr val="accent1"/>
+          </a:fillRef>
+          <a:effectRef idx="0">
+            <a:schemeClr val="accent1"/>
+          </a:effectRef>
+          <a:fontRef idx="minor">
+            <a:schemeClr val="lt1"/>
+          </a:fontRef>
+        </p:style>
+        <p:txBody>
+          <a:bodyPr rtlCol="0" anchor="ctr"/>
+          <a:lstStyle/>
+          <a:p>
+            <a:pPr algn="ctr"/>
+            <a:endParaRPr lang="en-GB" dirty="0"/>
+          </a:p>
+        </p:txBody>
+      </p:sp>
+      <p:sp>
+        <p:nvSpPr>
+          <p:cNvPr id="12" name="Rectangle 11"/>
+          <p:cNvSpPr/>
+          <p:nvPr/>
+        </p:nvSpPr>
+        <p:spPr>
+          <a:xfrm>
+            <a:off x="393043" y="270493"/>
+            <a:ext cx="382812" cy="269834"/>
+          </a:xfrm>
+          <a:prstGeom prst="rect">
+            <a:avLst/>
+          </a:prstGeom>
+          <a:noFill/>
+          <a:ln w="38100">
+            <a:solidFill>
+              <a:schemeClr val="tx2"/>
+            </a:solidFill>
+          </a:ln>
+        </p:spPr>
+        <p:style>
+          <a:lnRef idx="2">
+            <a:schemeClr val="accent1">
+              <a:shade val="50000"/>
+            </a:schemeClr>
+          </a:lnRef>
+          <a:fillRef idx="1">
+            <a:schemeClr val="accent1"/>
+          </a:fillRef>
+          <a:effectRef idx="0">
+            <a:schemeClr val="accent1"/>
+          </a:effectRef>
+          <a:fontRef idx="minor">
+            <a:schemeClr val="lt1"/>
+          </a:fontRef>
+        </p:style>
+        <p:txBody>
+          <a:bodyPr rtlCol="0" anchor="ctr"/>
+          <a:lstStyle/>
+          <a:p>
+            <a:pPr algn="ctr"/>
+            <a:endParaRPr lang="en-GB" dirty="0"/>
+          </a:p>
+        </p:txBody>
+      </p:sp>
+      <p:sp>
+        <p:nvSpPr>
+          <p:cNvPr id="13" name="Rectangle 12"/>
+          <p:cNvSpPr/>
+          <p:nvPr/>
+        </p:nvSpPr>
+        <p:spPr>
+          <a:xfrm>
+            <a:off x="775856" y="270493"/>
+            <a:ext cx="512618" cy="269834"/>
+          </a:xfrm>
+          <a:prstGeom prst="rect">
+            <a:avLst/>
+          </a:prstGeom>
+          <a:noFill/>
+          <a:ln w="38100">
+            <a:solidFill>
+              <a:schemeClr val="accent2"/>
+            </a:solidFill>
+          </a:ln>
+        </p:spPr>
+        <p:style>
+          <a:lnRef idx="2">
+            <a:schemeClr val="accent1">
+              <a:shade val="50000"/>
+            </a:schemeClr>
+          </a:lnRef>
+          <a:fillRef idx="1">
+            <a:schemeClr val="accent1"/>
+          </a:fillRef>
+          <a:effectRef idx="0">
+            <a:schemeClr val="accent1"/>
+          </a:effectRef>
+          <a:fontRef idx="minor">
+            <a:schemeClr val="lt1"/>
+          </a:fontRef>
+        </p:style>
+        <p:txBody>
+          <a:bodyPr rtlCol="0" anchor="ctr"/>
+          <a:lstStyle/>
+          <a:p>
+            <a:pPr algn="ctr"/>
+            <a:endParaRPr lang="en-GB" dirty="0"/>
+          </a:p>
+        </p:txBody>
+      </p:sp>
+    </p:spTree>
+    <p:extLst>
+      <p:ext uri="{BB962C8B-B14F-4D97-AF65-F5344CB8AC3E}">
+        <p14:creationId xmlns:p14="http://schemas.microsoft.com/office/powerpoint/2010/main" val="4170025247"/>
+      </p:ext>
+    </p:extLst>
+  </p:cSld>
+  <p:clrMapOvr>
+    <a:masterClrMapping/>
+  </p:clrMapOvr>
+  <p:timing>
+    <p:tnLst>
+      <p:par>
+        <p:cTn id="1" dur="indefinite" restart="never" nodeType="tmRoot"/>
+      </p:par>
+    </p:tnLst>
+  </p:timing>
+</p:sld>
+</file>
+
+<file path=ppt/slides/slide12.xml><?xml version="1.0" encoding="utf-8"?>
+<p:sld xmlns:a="http://schemas.openxmlformats.org/drawingml/2006/main" xmlns:r="http://schemas.openxmlformats.org/officeDocument/2006/relationships" xmlns:p="http://schemas.openxmlformats.org/presentationml/2006/main">
+  <p:cSld>
+    <p:spTree>
+      <p:nvGrpSpPr>
+        <p:cNvPr id="1" name=""/>
+        <p:cNvGrpSpPr/>
+        <p:nvPr/>
+      </p:nvGrpSpPr>
+      <p:grpSpPr>
+        <a:xfrm>
+          <a:off x="0" y="0"/>
+          <a:ext cx="0" cy="0"/>
+          <a:chOff x="0" y="0"/>
+          <a:chExt cx="0" cy="0"/>
+        </a:xfrm>
+      </p:grpSpPr>
+      <p:pic>
+        <p:nvPicPr>
+          <p:cNvPr id="2" name="Image 1"/>
+          <p:cNvPicPr>
+            <a:picLocks noChangeAspect="1"/>
+          </p:cNvPicPr>
+          <p:nvPr/>
+        </p:nvPicPr>
+        <p:blipFill>
+          <a:blip r:embed="rId2"/>
+          <a:stretch>
+            <a:fillRect/>
+          </a:stretch>
+        </p:blipFill>
+        <p:spPr>
+          <a:xfrm>
+            <a:off x="95250" y="47625"/>
+            <a:ext cx="12001500" cy="6762750"/>
+          </a:xfrm>
+          <a:prstGeom prst="rect">
+            <a:avLst/>
+          </a:prstGeom>
+        </p:spPr>
+      </p:pic>
+      <p:sp>
+        <p:nvSpPr>
+          <p:cNvPr id="5" name="ZoneTexte 4"/>
+          <p:cNvSpPr txBox="1"/>
+          <p:nvPr/>
+        </p:nvSpPr>
+        <p:spPr>
+          <a:xfrm>
+            <a:off x="4717573" y="9223"/>
+            <a:ext cx="5839035" cy="1169551"/>
+          </a:xfrm>
+          <a:prstGeom prst="rect">
+            <a:avLst/>
+          </a:prstGeom>
+          <a:solidFill>
+            <a:schemeClr val="bg1">
+              <a:lumMod val="85000"/>
+              <a:alpha val="60000"/>
+            </a:schemeClr>
+          </a:solidFill>
+          <a:ln>
+            <a:solidFill>
+              <a:schemeClr val="tx1"/>
+            </a:solidFill>
+          </a:ln>
+        </p:spPr>
+        <p:txBody>
+          <a:bodyPr wrap="square" rtlCol="0">
+            <a:spAutoFit/>
+          </a:bodyPr>
+          <a:lstStyle/>
+          <a:p>
+            <a:r>
+              <a:rPr lang="fr-FR" sz="1400" dirty="0" smtClean="0"/>
+              <a:t>Pulse </a:t>
+            </a:r>
+            <a:r>
+              <a:rPr lang="fr-FR" sz="1400" dirty="0" err="1" smtClean="0"/>
+              <a:t>number</a:t>
+            </a:r>
+            <a:r>
+              <a:rPr lang="fr-FR" sz="1400" dirty="0" smtClean="0"/>
+              <a:t>(s) to plot (</a:t>
+            </a:r>
+            <a:r>
+              <a:rPr lang="fr-FR" sz="1400" dirty="0" err="1" smtClean="0"/>
+              <a:t>séparated</a:t>
+            </a:r>
+            <a:r>
+              <a:rPr lang="fr-FR" sz="1400" dirty="0" smtClean="0"/>
+              <a:t> by a comma « , »)</a:t>
+            </a:r>
+          </a:p>
+          <a:p>
+            <a:r>
+              <a:rPr lang="fr-FR" sz="1400" dirty="0" err="1" smtClean="0"/>
+              <a:t>Convenient</a:t>
+            </a:r>
+            <a:r>
+              <a:rPr lang="fr-FR" sz="1400" dirty="0" smtClean="0"/>
+              <a:t> </a:t>
+            </a:r>
+            <a:r>
+              <a:rPr lang="fr-FR" sz="1400" dirty="0" err="1" smtClean="0"/>
+              <a:t>aliases</a:t>
+            </a:r>
+            <a:r>
+              <a:rPr lang="fr-FR" sz="1400" dirty="0" smtClean="0"/>
+              <a:t>: </a:t>
+            </a:r>
+          </a:p>
+          <a:p>
+            <a:pPr marL="285750" indent="-285750">
+              <a:buFont typeface="Arial" panose="020B0604020202020204" pitchFamily="34" charset="0"/>
+              <a:buChar char="•"/>
+            </a:pPr>
+            <a:r>
+              <a:rPr lang="fr-FR" sz="1400" dirty="0" smtClean="0"/>
+              <a:t>0: </a:t>
+            </a:r>
+            <a:r>
+              <a:rPr lang="fr-FR" sz="1400" dirty="0" err="1" smtClean="0"/>
+              <a:t>next</a:t>
+            </a:r>
+            <a:r>
+              <a:rPr lang="fr-FR" sz="1400" dirty="0" smtClean="0"/>
+              <a:t> pulse (PCS </a:t>
+            </a:r>
+            <a:r>
+              <a:rPr lang="fr-FR" sz="1400" dirty="0" err="1" smtClean="0"/>
+              <a:t>waveforms</a:t>
+            </a:r>
+            <a:r>
+              <a:rPr lang="fr-FR" sz="1400" dirty="0" smtClean="0"/>
+              <a:t> </a:t>
+            </a:r>
+            <a:r>
+              <a:rPr lang="fr-FR" sz="1400" dirty="0" err="1" smtClean="0"/>
+              <a:t>only</a:t>
+            </a:r>
+            <a:r>
+              <a:rPr lang="fr-FR" sz="1400" dirty="0" smtClean="0"/>
+              <a:t>)</a:t>
+            </a:r>
+          </a:p>
+          <a:p>
+            <a:pPr marL="285750" indent="-285750">
+              <a:buFont typeface="Arial" panose="020B0604020202020204" pitchFamily="34" charset="0"/>
+              <a:buChar char="•"/>
+            </a:pPr>
+            <a:r>
+              <a:rPr lang="fr-FR" sz="1400" dirty="0" smtClean="0"/>
+              <a:t> -1: last pulse</a:t>
+            </a:r>
+          </a:p>
+          <a:p>
+            <a:pPr marL="285750" indent="-285750">
+              <a:buFont typeface="Arial" panose="020B0604020202020204" pitchFamily="34" charset="0"/>
+              <a:buChar char="•"/>
+            </a:pPr>
+            <a:r>
+              <a:rPr lang="fr-FR" sz="1400" dirty="0" smtClean="0"/>
+              <a:t>-2: </a:t>
+            </a:r>
+            <a:r>
+              <a:rPr lang="fr-FR" sz="1400" dirty="0" err="1" smtClean="0"/>
+              <a:t>before</a:t>
+            </a:r>
+            <a:r>
+              <a:rPr lang="fr-FR" sz="1400" dirty="0" smtClean="0"/>
+              <a:t> last pulse, etc. </a:t>
+            </a:r>
+            <a:endParaRPr lang="fr-FR" sz="1400" dirty="0"/>
+          </a:p>
+        </p:txBody>
+      </p:sp>
+      <p:cxnSp>
+        <p:nvCxnSpPr>
+          <p:cNvPr id="7" name="Connecteur droit avec flèche 6"/>
+          <p:cNvCxnSpPr>
+            <a:stCxn id="5" idx="1"/>
+            <a:endCxn id="30" idx="3"/>
+          </p:cNvCxnSpPr>
+          <p:nvPr/>
+        </p:nvCxnSpPr>
+        <p:spPr>
+          <a:xfrm flipH="1">
+            <a:off x="1908137" y="593999"/>
+            <a:ext cx="2809436" cy="212779"/>
+          </a:xfrm>
+          <a:prstGeom prst="straightConnector1">
+            <a:avLst/>
+          </a:prstGeom>
+          <a:ln>
+            <a:solidFill>
+              <a:schemeClr val="tx1"/>
+            </a:solidFill>
+            <a:tailEnd type="triangle"/>
+          </a:ln>
+        </p:spPr>
+        <p:style>
+          <a:lnRef idx="1">
+            <a:schemeClr val="accent1"/>
+          </a:lnRef>
+          <a:fillRef idx="0">
+            <a:schemeClr val="accent1"/>
+          </a:fillRef>
+          <a:effectRef idx="0">
+            <a:schemeClr val="accent1"/>
+          </a:effectRef>
+          <a:fontRef idx="minor">
+            <a:schemeClr val="tx1"/>
+          </a:fontRef>
+        </p:style>
+      </p:cxnSp>
+      <p:sp>
+        <p:nvSpPr>
+          <p:cNvPr id="18" name="ZoneTexte 17"/>
+          <p:cNvSpPr txBox="1"/>
+          <p:nvPr/>
+        </p:nvSpPr>
+        <p:spPr>
+          <a:xfrm>
+            <a:off x="362248" y="3186388"/>
+            <a:ext cx="3517791" cy="523220"/>
+          </a:xfrm>
+          <a:prstGeom prst="rect">
+            <a:avLst/>
+          </a:prstGeom>
+          <a:solidFill>
+            <a:schemeClr val="tx2">
+              <a:lumMod val="20000"/>
+              <a:lumOff val="80000"/>
+              <a:alpha val="90000"/>
+            </a:schemeClr>
+          </a:solidFill>
+          <a:ln>
+            <a:solidFill>
+              <a:schemeClr val="tx2"/>
+            </a:solidFill>
+          </a:ln>
+        </p:spPr>
+        <p:txBody>
+          <a:bodyPr wrap="square" rtlCol="0">
+            <a:spAutoFit/>
+          </a:bodyPr>
+          <a:lstStyle/>
+          <a:p>
+            <a:r>
+              <a:rPr lang="fr-FR" sz="1400" dirty="0" smtClean="0"/>
+              <a:t>Signal </a:t>
+            </a:r>
+            <a:r>
+              <a:rPr lang="fr-FR" sz="1400" dirty="0" err="1" smtClean="0"/>
+              <a:t>name</a:t>
+            </a:r>
+            <a:r>
+              <a:rPr lang="fr-FR" sz="1400" dirty="0" smtClean="0"/>
+              <a:t> </a:t>
+            </a:r>
+            <a:r>
+              <a:rPr lang="fr-FR" sz="1400" dirty="0" err="1" smtClean="0"/>
+              <a:t>selector</a:t>
+            </a:r>
+            <a:r>
+              <a:rPr lang="fr-FR" sz="1400" dirty="0" smtClean="0"/>
+              <a:t> (double click to select/</a:t>
+            </a:r>
+            <a:r>
+              <a:rPr lang="fr-FR" sz="1400" dirty="0" err="1" smtClean="0"/>
+              <a:t>deselect</a:t>
+            </a:r>
+            <a:r>
+              <a:rPr lang="fr-FR" sz="1400" dirty="0" smtClean="0"/>
+              <a:t>)</a:t>
+            </a:r>
+            <a:endParaRPr lang="fr-FR" sz="1400" dirty="0"/>
+          </a:p>
+        </p:txBody>
+      </p:sp>
+      <p:sp>
+        <p:nvSpPr>
+          <p:cNvPr id="19" name="ZoneTexte 18"/>
+          <p:cNvSpPr txBox="1"/>
+          <p:nvPr/>
+        </p:nvSpPr>
+        <p:spPr>
+          <a:xfrm>
+            <a:off x="4066920" y="4916804"/>
+            <a:ext cx="5648580" cy="738664"/>
+          </a:xfrm>
+          <a:prstGeom prst="rect">
+            <a:avLst/>
+          </a:prstGeom>
+          <a:solidFill>
+            <a:schemeClr val="accent3">
+              <a:lumMod val="20000"/>
+              <a:lumOff val="80000"/>
+              <a:alpha val="90000"/>
+            </a:schemeClr>
+          </a:solidFill>
+          <a:ln>
+            <a:solidFill>
+              <a:schemeClr val="accent3"/>
+            </a:solidFill>
+          </a:ln>
+        </p:spPr>
+        <p:txBody>
+          <a:bodyPr wrap="square" rtlCol="0">
+            <a:spAutoFit/>
+          </a:bodyPr>
+          <a:lstStyle/>
+          <a:p>
+            <a:r>
+              <a:rPr lang="fr-FR" sz="1400" dirty="0" err="1" smtClean="0"/>
+              <a:t>Double-click</a:t>
+            </a:r>
+            <a:r>
+              <a:rPr lang="fr-FR" sz="1400" dirty="0" smtClean="0"/>
+              <a:t> on a signal </a:t>
+            </a:r>
+            <a:r>
+              <a:rPr lang="fr-FR" sz="1400" dirty="0" err="1" smtClean="0"/>
+              <a:t>name</a:t>
+            </a:r>
+            <a:r>
+              <a:rPr lang="fr-FR" sz="1400" dirty="0" smtClean="0"/>
+              <a:t> </a:t>
+            </a:r>
+            <a:r>
+              <a:rPr lang="fr-FR" sz="1400" dirty="0" err="1" smtClean="0"/>
+              <a:t>will</a:t>
+            </a:r>
+            <a:r>
+              <a:rPr lang="fr-FR" sz="1400" dirty="0" smtClean="0"/>
+              <a:t> select </a:t>
+            </a:r>
+            <a:r>
+              <a:rPr lang="fr-FR" sz="1400" dirty="0" err="1" smtClean="0"/>
+              <a:t>it</a:t>
+            </a:r>
+            <a:r>
+              <a:rPr lang="fr-FR" sz="1400" dirty="0" smtClean="0"/>
+              <a:t> for </a:t>
+            </a:r>
+            <a:r>
+              <a:rPr lang="fr-FR" sz="1400" dirty="0" err="1" smtClean="0"/>
+              <a:t>plotting</a:t>
+            </a:r>
+            <a:r>
+              <a:rPr lang="fr-FR" sz="1400" dirty="0" smtClean="0"/>
+              <a:t>. </a:t>
+            </a:r>
+          </a:p>
+          <a:p>
+            <a:r>
+              <a:rPr lang="fr-FR" sz="1400" dirty="0" smtClean="0"/>
+              <a:t>It </a:t>
+            </a:r>
+            <a:r>
+              <a:rPr lang="fr-FR" sz="1400" dirty="0" err="1" smtClean="0"/>
+              <a:t>is</a:t>
+            </a:r>
+            <a:r>
+              <a:rPr lang="fr-FR" sz="1400" dirty="0" smtClean="0"/>
+              <a:t> possible to select few signal </a:t>
+            </a:r>
+            <a:r>
+              <a:rPr lang="fr-FR" sz="1400" dirty="0" err="1" smtClean="0"/>
+              <a:t>names</a:t>
+            </a:r>
+            <a:r>
+              <a:rPr lang="fr-FR" sz="1400" dirty="0" smtClean="0"/>
+              <a:t>.</a:t>
+            </a:r>
+          </a:p>
+          <a:p>
+            <a:r>
+              <a:rPr lang="fr-FR" sz="1400" dirty="0" err="1" smtClean="0"/>
+              <a:t>Selected</a:t>
+            </a:r>
+            <a:r>
+              <a:rPr lang="fr-FR" sz="1400" dirty="0" smtClean="0"/>
+              <a:t> signal </a:t>
+            </a:r>
+            <a:r>
+              <a:rPr lang="fr-FR" sz="1400" dirty="0" err="1" smtClean="0"/>
+              <a:t>naless</a:t>
+            </a:r>
+            <a:r>
+              <a:rPr lang="fr-FR" sz="1400" dirty="0" smtClean="0"/>
+              <a:t> </a:t>
+            </a:r>
+            <a:r>
+              <a:rPr lang="fr-FR" sz="1400" dirty="0" err="1" smtClean="0"/>
+              <a:t>appears</a:t>
+            </a:r>
+            <a:r>
+              <a:rPr lang="fr-FR" sz="1400" dirty="0" smtClean="0"/>
+              <a:t> in </a:t>
+            </a:r>
+            <a:r>
+              <a:rPr lang="fr-FR" sz="1400" dirty="0" err="1" smtClean="0"/>
+              <a:t>red</a:t>
+            </a:r>
+            <a:r>
+              <a:rPr lang="fr-FR" sz="1400" dirty="0" smtClean="0"/>
+              <a:t>.</a:t>
+            </a:r>
+            <a:endParaRPr lang="fr-FR" sz="1400" dirty="0"/>
+          </a:p>
+        </p:txBody>
+      </p:sp>
+      <p:sp>
+        <p:nvSpPr>
+          <p:cNvPr id="20" name="Rectangle 19"/>
+          <p:cNvSpPr/>
+          <p:nvPr/>
+        </p:nvSpPr>
+        <p:spPr>
+          <a:xfrm>
+            <a:off x="362248" y="1500770"/>
+            <a:ext cx="1842155" cy="307777"/>
+          </a:xfrm>
+          <a:prstGeom prst="rect">
+            <a:avLst/>
+          </a:prstGeom>
+          <a:noFill/>
+          <a:ln w="57150">
+            <a:solidFill>
+              <a:schemeClr val="tx2"/>
+            </a:solidFill>
+          </a:ln>
+        </p:spPr>
+        <p:style>
+          <a:lnRef idx="2">
+            <a:schemeClr val="accent1">
+              <a:shade val="50000"/>
+            </a:schemeClr>
+          </a:lnRef>
+          <a:fillRef idx="1">
+            <a:schemeClr val="accent1"/>
+          </a:fillRef>
+          <a:effectRef idx="0">
+            <a:schemeClr val="accent1"/>
+          </a:effectRef>
+          <a:fontRef idx="minor">
+            <a:schemeClr val="lt1"/>
+          </a:fontRef>
+        </p:style>
+        <p:txBody>
+          <a:bodyPr rtlCol="0" anchor="ctr"/>
+          <a:lstStyle/>
+          <a:p>
+            <a:pPr algn="ctr"/>
+            <a:endParaRPr lang="fr-FR" dirty="0"/>
+          </a:p>
+        </p:txBody>
+      </p:sp>
+      <p:cxnSp>
+        <p:nvCxnSpPr>
+          <p:cNvPr id="21" name="Connecteur droit avec flèche 20"/>
+          <p:cNvCxnSpPr>
+            <a:stCxn id="23" idx="1"/>
+          </p:cNvCxnSpPr>
+          <p:nvPr/>
+        </p:nvCxnSpPr>
+        <p:spPr>
+          <a:xfrm flipH="1">
+            <a:off x="1908138" y="1367421"/>
+            <a:ext cx="2158782" cy="44708"/>
+          </a:xfrm>
+          <a:prstGeom prst="straightConnector1">
+            <a:avLst/>
+          </a:prstGeom>
+          <a:ln w="38100">
+            <a:solidFill>
+              <a:schemeClr val="tx2"/>
+            </a:solidFill>
+            <a:tailEnd type="triangle"/>
+          </a:ln>
+        </p:spPr>
+        <p:style>
+          <a:lnRef idx="1">
+            <a:schemeClr val="accent1"/>
+          </a:lnRef>
+          <a:fillRef idx="0">
+            <a:schemeClr val="accent1"/>
+          </a:fillRef>
+          <a:effectRef idx="0">
+            <a:schemeClr val="accent1"/>
+          </a:effectRef>
+          <a:fontRef idx="minor">
+            <a:schemeClr val="tx1"/>
+          </a:fontRef>
+        </p:style>
+      </p:cxnSp>
+      <p:sp>
+        <p:nvSpPr>
+          <p:cNvPr id="23" name="ZoneTexte 22"/>
+          <p:cNvSpPr txBox="1"/>
+          <p:nvPr/>
+        </p:nvSpPr>
+        <p:spPr>
+          <a:xfrm>
+            <a:off x="4066920" y="1213532"/>
+            <a:ext cx="3558923" cy="307777"/>
+          </a:xfrm>
+          <a:prstGeom prst="rect">
+            <a:avLst/>
+          </a:prstGeom>
+          <a:solidFill>
+            <a:schemeClr val="tx2">
+              <a:lumMod val="20000"/>
+              <a:lumOff val="80000"/>
+              <a:alpha val="60000"/>
+            </a:schemeClr>
+          </a:solidFill>
+          <a:ln>
+            <a:solidFill>
+              <a:schemeClr val="tx2"/>
+            </a:solidFill>
+          </a:ln>
+        </p:spPr>
+        <p:txBody>
+          <a:bodyPr wrap="none" rtlCol="0">
+            <a:spAutoFit/>
+          </a:bodyPr>
+          <a:lstStyle/>
+          <a:p>
+            <a:r>
+              <a:rPr lang="fr-FR" sz="1400" dirty="0" err="1" smtClean="0">
+                <a:solidFill>
+                  <a:schemeClr val="tx2">
+                    <a:lumMod val="75000"/>
+                  </a:schemeClr>
+                </a:solidFill>
+              </a:rPr>
+              <a:t>Search</a:t>
+            </a:r>
+            <a:r>
+              <a:rPr lang="fr-FR" sz="1400" dirty="0" smtClean="0">
+                <a:solidFill>
+                  <a:schemeClr val="tx2">
+                    <a:lumMod val="75000"/>
+                  </a:schemeClr>
+                </a:solidFill>
+              </a:rPr>
+              <a:t> zone, to </a:t>
+            </a:r>
+            <a:r>
+              <a:rPr lang="fr-FR" sz="1400" dirty="0" err="1" smtClean="0">
+                <a:solidFill>
+                  <a:schemeClr val="tx2">
+                    <a:lumMod val="75000"/>
+                  </a:schemeClr>
+                </a:solidFill>
+              </a:rPr>
+              <a:t>search</a:t>
+            </a:r>
+            <a:r>
+              <a:rPr lang="fr-FR" sz="1400" dirty="0" smtClean="0">
+                <a:solidFill>
+                  <a:schemeClr val="tx2">
+                    <a:lumMod val="75000"/>
+                  </a:schemeClr>
+                </a:solidFill>
+              </a:rPr>
+              <a:t> and </a:t>
+            </a:r>
+            <a:r>
+              <a:rPr lang="fr-FR" sz="1400" dirty="0" err="1" smtClean="0">
+                <a:solidFill>
+                  <a:schemeClr val="tx2">
+                    <a:lumMod val="75000"/>
+                  </a:schemeClr>
+                </a:solidFill>
+              </a:rPr>
+              <a:t>filter</a:t>
+            </a:r>
+            <a:r>
+              <a:rPr lang="fr-FR" sz="1400" dirty="0" smtClean="0">
+                <a:solidFill>
+                  <a:schemeClr val="tx2">
+                    <a:lumMod val="75000"/>
+                  </a:schemeClr>
+                </a:solidFill>
+              </a:rPr>
+              <a:t> a signal </a:t>
+            </a:r>
+            <a:r>
+              <a:rPr lang="fr-FR" sz="1400" dirty="0" err="1" smtClean="0">
+                <a:solidFill>
+                  <a:schemeClr val="tx2">
+                    <a:lumMod val="75000"/>
+                  </a:schemeClr>
+                </a:solidFill>
+              </a:rPr>
+              <a:t>name</a:t>
+            </a:r>
+            <a:endParaRPr lang="fr-FR" sz="1400" dirty="0">
+              <a:solidFill>
+                <a:schemeClr val="tx2">
+                  <a:lumMod val="75000"/>
+                </a:schemeClr>
+              </a:solidFill>
+            </a:endParaRPr>
+          </a:p>
+        </p:txBody>
+      </p:sp>
+      <p:sp>
+        <p:nvSpPr>
+          <p:cNvPr id="24" name="Rectangle 23"/>
+          <p:cNvSpPr/>
+          <p:nvPr/>
+        </p:nvSpPr>
+        <p:spPr>
+          <a:xfrm>
+            <a:off x="2247945" y="1520992"/>
+            <a:ext cx="1107879" cy="292100"/>
+          </a:xfrm>
+          <a:prstGeom prst="rect">
+            <a:avLst/>
+          </a:prstGeom>
+          <a:noFill/>
+          <a:ln w="57150">
+            <a:solidFill>
+              <a:schemeClr val="accent3"/>
+            </a:solidFill>
+          </a:ln>
+        </p:spPr>
+        <p:style>
+          <a:lnRef idx="2">
+            <a:schemeClr val="accent1">
+              <a:shade val="50000"/>
+            </a:schemeClr>
+          </a:lnRef>
+          <a:fillRef idx="1">
+            <a:schemeClr val="accent1"/>
+          </a:fillRef>
+          <a:effectRef idx="0">
+            <a:schemeClr val="accent1"/>
+          </a:effectRef>
+          <a:fontRef idx="minor">
+            <a:schemeClr val="lt1"/>
+          </a:fontRef>
+        </p:style>
+        <p:txBody>
+          <a:bodyPr rtlCol="0" anchor="ctr"/>
+          <a:lstStyle/>
+          <a:p>
+            <a:pPr algn="ctr"/>
+            <a:endParaRPr lang="fr-FR" dirty="0"/>
+          </a:p>
+        </p:txBody>
+      </p:sp>
+      <p:cxnSp>
+        <p:nvCxnSpPr>
+          <p:cNvPr id="25" name="Connecteur droit avec flèche 24"/>
+          <p:cNvCxnSpPr/>
+          <p:nvPr/>
+        </p:nvCxnSpPr>
+        <p:spPr>
+          <a:xfrm flipH="1" flipV="1">
+            <a:off x="3450912" y="1794896"/>
+            <a:ext cx="1136459" cy="1543256"/>
+          </a:xfrm>
+          <a:prstGeom prst="straightConnector1">
+            <a:avLst/>
+          </a:prstGeom>
+          <a:ln>
+            <a:solidFill>
+              <a:schemeClr val="accent3"/>
+            </a:solidFill>
+            <a:tailEnd type="triangle"/>
+          </a:ln>
+        </p:spPr>
+        <p:style>
+          <a:lnRef idx="1">
+            <a:schemeClr val="accent1"/>
+          </a:lnRef>
+          <a:fillRef idx="0">
+            <a:schemeClr val="accent1"/>
+          </a:fillRef>
+          <a:effectRef idx="0">
+            <a:schemeClr val="accent1"/>
+          </a:effectRef>
+          <a:fontRef idx="minor">
+            <a:schemeClr val="tx1"/>
+          </a:fontRef>
+        </p:style>
+      </p:cxnSp>
+      <p:sp>
+        <p:nvSpPr>
+          <p:cNvPr id="27" name="ZoneTexte 26"/>
+          <p:cNvSpPr txBox="1"/>
+          <p:nvPr/>
+        </p:nvSpPr>
+        <p:spPr>
+          <a:xfrm>
+            <a:off x="4587371" y="2959471"/>
+            <a:ext cx="7087155" cy="1384995"/>
+          </a:xfrm>
+          <a:prstGeom prst="rect">
+            <a:avLst/>
+          </a:prstGeom>
+          <a:solidFill>
+            <a:schemeClr val="accent6">
+              <a:lumMod val="20000"/>
+              <a:lumOff val="80000"/>
+              <a:alpha val="60000"/>
+            </a:schemeClr>
+          </a:solidFill>
+          <a:ln>
+            <a:solidFill>
+              <a:schemeClr val="tx2"/>
+            </a:solidFill>
+          </a:ln>
+        </p:spPr>
+        <p:txBody>
+          <a:bodyPr wrap="square" rtlCol="0">
+            <a:spAutoFit/>
+          </a:bodyPr>
+          <a:lstStyle/>
+          <a:p>
+            <a:r>
+              <a:rPr lang="fr-FR" sz="1400" dirty="0" smtClean="0">
+                <a:solidFill>
+                  <a:schemeClr val="tx2">
+                    <a:lumMod val="75000"/>
+                  </a:schemeClr>
+                </a:solidFill>
+              </a:rPr>
+              <a:t>Signal type </a:t>
+            </a:r>
+            <a:r>
+              <a:rPr lang="fr-FR" sz="1400" dirty="0" err="1" smtClean="0">
+                <a:solidFill>
+                  <a:schemeClr val="tx2">
+                    <a:lumMod val="75000"/>
+                  </a:schemeClr>
+                </a:solidFill>
+              </a:rPr>
+              <a:t>selector</a:t>
+            </a:r>
+            <a:endParaRPr lang="fr-FR" sz="1400" dirty="0" smtClean="0">
+              <a:solidFill>
+                <a:schemeClr val="tx2">
+                  <a:lumMod val="75000"/>
+                </a:schemeClr>
+              </a:solidFill>
+            </a:endParaRPr>
+          </a:p>
+          <a:p>
+            <a:pPr marL="285750" indent="-285750">
+              <a:buFontTx/>
+              <a:buChar char="-"/>
+            </a:pPr>
+            <a:r>
+              <a:rPr lang="fr-FR" sz="1400" dirty="0" smtClean="0">
+                <a:solidFill>
+                  <a:schemeClr val="tx2">
+                    <a:lumMod val="75000"/>
+                  </a:schemeClr>
+                </a:solidFill>
+              </a:rPr>
+              <a:t>“</a:t>
+            </a:r>
+            <a:r>
+              <a:rPr lang="fr-FR" sz="1400" dirty="0" err="1" smtClean="0">
+                <a:solidFill>
+                  <a:schemeClr val="tx2">
+                    <a:lumMod val="75000"/>
+                  </a:schemeClr>
+                </a:solidFill>
+              </a:rPr>
+              <a:t>signals</a:t>
+            </a:r>
+            <a:r>
+              <a:rPr lang="fr-FR" sz="1400" dirty="0" smtClean="0">
+                <a:solidFill>
+                  <a:schemeClr val="tx2">
+                    <a:lumMod val="75000"/>
+                  </a:schemeClr>
+                </a:solidFill>
+              </a:rPr>
+              <a:t>” (WEST </a:t>
+            </a:r>
+            <a:r>
+              <a:rPr lang="fr-FR" sz="1400" dirty="0" err="1" smtClean="0">
+                <a:solidFill>
+                  <a:schemeClr val="tx2">
+                    <a:lumMod val="75000"/>
+                  </a:schemeClr>
+                </a:solidFill>
+              </a:rPr>
+              <a:t>database</a:t>
+            </a:r>
+            <a:r>
+              <a:rPr lang="fr-FR" sz="1400" dirty="0" smtClean="0">
+                <a:solidFill>
+                  <a:schemeClr val="tx2">
+                    <a:lumMod val="75000"/>
+                  </a:schemeClr>
+                </a:solidFill>
+              </a:rPr>
+              <a:t> </a:t>
+            </a:r>
+            <a:r>
+              <a:rPr lang="fr-FR" sz="1400" dirty="0" err="1" smtClean="0">
+                <a:solidFill>
+                  <a:schemeClr val="tx2">
+                    <a:lumMod val="75000"/>
+                  </a:schemeClr>
+                </a:solidFill>
+              </a:rPr>
+              <a:t>signals</a:t>
+            </a:r>
+            <a:r>
+              <a:rPr lang="fr-FR" sz="1400" dirty="0" smtClean="0">
+                <a:solidFill>
+                  <a:schemeClr val="tx2">
+                    <a:lumMod val="75000"/>
+                  </a:schemeClr>
+                </a:solidFill>
+              </a:rPr>
+              <a:t>, </a:t>
+            </a:r>
+            <a:r>
+              <a:rPr lang="fr-FR" sz="1400" dirty="0" err="1" smtClean="0">
+                <a:solidFill>
+                  <a:schemeClr val="tx2">
+                    <a:lumMod val="75000"/>
+                  </a:schemeClr>
+                </a:solidFill>
+              </a:rPr>
+              <a:t>from</a:t>
+            </a:r>
+            <a:r>
+              <a:rPr lang="fr-FR" sz="1400" dirty="0" smtClean="0">
+                <a:solidFill>
+                  <a:schemeClr val="tx2">
+                    <a:lumMod val="75000"/>
+                  </a:schemeClr>
+                </a:solidFill>
+              </a:rPr>
+              <a:t> ARCAD (</a:t>
+            </a:r>
+            <a:r>
+              <a:rPr lang="fr-FR" sz="1400" dirty="0" err="1" smtClean="0">
+                <a:solidFill>
+                  <a:schemeClr val="tx2">
+                    <a:lumMod val="75000"/>
+                  </a:schemeClr>
+                </a:solidFill>
+              </a:rPr>
+              <a:t>tsbase</a:t>
+            </a:r>
+            <a:r>
+              <a:rPr lang="fr-FR" sz="1400" dirty="0" smtClean="0">
+                <a:solidFill>
+                  <a:schemeClr val="tx2">
+                    <a:lumMod val="75000"/>
+                  </a:schemeClr>
+                </a:solidFill>
+              </a:rPr>
+              <a:t>) and IMAS) </a:t>
+            </a:r>
+          </a:p>
+          <a:p>
+            <a:r>
+              <a:rPr lang="fr-FR" sz="1400" dirty="0" smtClean="0">
+                <a:solidFill>
+                  <a:schemeClr val="tx2">
+                    <a:lumMod val="75000"/>
+                  </a:schemeClr>
+                </a:solidFill>
+              </a:rPr>
+              <a:t>or </a:t>
+            </a:r>
+          </a:p>
+          <a:p>
+            <a:pPr marL="285750" indent="-285750">
+              <a:buFontTx/>
+              <a:buChar char="-"/>
+            </a:pPr>
+            <a:r>
+              <a:rPr lang="fr-FR" sz="1400" dirty="0" smtClean="0">
+                <a:solidFill>
+                  <a:schemeClr val="tx2">
+                    <a:lumMod val="75000"/>
+                  </a:schemeClr>
+                </a:solidFill>
+              </a:rPr>
+              <a:t>“PCS </a:t>
+            </a:r>
+            <a:r>
+              <a:rPr lang="fr-FR" sz="1400" dirty="0" err="1" smtClean="0">
+                <a:solidFill>
+                  <a:schemeClr val="tx2">
+                    <a:lumMod val="75000"/>
+                  </a:schemeClr>
+                </a:solidFill>
+              </a:rPr>
+              <a:t>waveforms</a:t>
+            </a:r>
+            <a:r>
+              <a:rPr lang="fr-FR" sz="1400" dirty="0" smtClean="0">
+                <a:solidFill>
+                  <a:schemeClr val="tx2">
+                    <a:lumMod val="75000"/>
+                  </a:schemeClr>
+                </a:solidFill>
+              </a:rPr>
+              <a:t>” (pulse configuration for the PCS)</a:t>
+            </a:r>
+          </a:p>
+          <a:p>
+            <a:endParaRPr lang="fr-FR" sz="1400" dirty="0" smtClean="0">
+              <a:solidFill>
+                <a:schemeClr val="tx2">
+                  <a:lumMod val="75000"/>
+                </a:schemeClr>
+              </a:solidFill>
+            </a:endParaRPr>
+          </a:p>
+          <a:p>
+            <a:r>
+              <a:rPr lang="fr-FR" sz="1400" dirty="0" smtClean="0">
+                <a:solidFill>
+                  <a:schemeClr val="tx2">
+                    <a:lumMod val="75000"/>
+                  </a:schemeClr>
+                </a:solidFill>
+              </a:rPr>
+              <a:t>It possible to superpose </a:t>
+            </a:r>
+            <a:r>
+              <a:rPr lang="fr-FR" sz="1400" dirty="0" err="1" smtClean="0">
+                <a:solidFill>
+                  <a:schemeClr val="tx2">
+                    <a:lumMod val="75000"/>
+                  </a:schemeClr>
+                </a:solidFill>
+              </a:rPr>
+              <a:t>both</a:t>
+            </a:r>
+            <a:r>
+              <a:rPr lang="fr-FR" sz="1400" dirty="0" smtClean="0">
+                <a:solidFill>
+                  <a:schemeClr val="tx2">
+                    <a:lumMod val="75000"/>
+                  </a:schemeClr>
+                </a:solidFill>
+              </a:rPr>
+              <a:t> </a:t>
+            </a:r>
+            <a:r>
+              <a:rPr lang="fr-FR" sz="1400" dirty="0" err="1" smtClean="0">
+                <a:solidFill>
+                  <a:schemeClr val="tx2">
+                    <a:lumMod val="75000"/>
+                  </a:schemeClr>
+                </a:solidFill>
+              </a:rPr>
+              <a:t>kinds</a:t>
+            </a:r>
+            <a:r>
+              <a:rPr lang="fr-FR" sz="1400" dirty="0" smtClean="0">
+                <a:solidFill>
+                  <a:schemeClr val="tx2">
+                    <a:lumMod val="75000"/>
+                  </a:schemeClr>
+                </a:solidFill>
+              </a:rPr>
+              <a:t> (but </a:t>
+            </a:r>
+            <a:r>
+              <a:rPr lang="fr-FR" sz="1400" dirty="0" err="1" smtClean="0">
+                <a:solidFill>
+                  <a:schemeClr val="tx2">
+                    <a:lumMod val="75000"/>
+                  </a:schemeClr>
+                </a:solidFill>
+              </a:rPr>
+              <a:t>beware</a:t>
+            </a:r>
+            <a:r>
+              <a:rPr lang="fr-FR" sz="1400" dirty="0" smtClean="0">
+                <a:solidFill>
+                  <a:schemeClr val="tx2">
+                    <a:lumMod val="75000"/>
+                  </a:schemeClr>
+                </a:solidFill>
+              </a:rPr>
+              <a:t> </a:t>
+            </a:r>
+            <a:r>
+              <a:rPr lang="fr-FR" sz="1400" dirty="0" err="1" smtClean="0">
+                <a:solidFill>
+                  <a:schemeClr val="tx2">
+                    <a:lumMod val="75000"/>
+                  </a:schemeClr>
+                </a:solidFill>
+              </a:rPr>
+              <a:t>that</a:t>
+            </a:r>
+            <a:r>
+              <a:rPr lang="fr-FR" sz="1400" dirty="0" smtClean="0">
+                <a:solidFill>
+                  <a:schemeClr val="tx2">
+                    <a:lumMod val="75000"/>
+                  </a:schemeClr>
+                </a:solidFill>
+              </a:rPr>
+              <a:t> the </a:t>
+            </a:r>
+            <a:r>
+              <a:rPr lang="fr-FR" sz="1400" dirty="0" err="1" smtClean="0">
+                <a:solidFill>
+                  <a:schemeClr val="tx2">
+                    <a:lumMod val="75000"/>
+                  </a:schemeClr>
+                </a:solidFill>
+              </a:rPr>
+              <a:t>units</a:t>
+            </a:r>
+            <a:r>
+              <a:rPr lang="fr-FR" sz="1400" dirty="0" smtClean="0">
+                <a:solidFill>
+                  <a:schemeClr val="tx2">
+                    <a:lumMod val="75000"/>
+                  </a:schemeClr>
+                </a:solidFill>
+              </a:rPr>
+              <a:t> </a:t>
+            </a:r>
+            <a:r>
+              <a:rPr lang="fr-FR" sz="1400" dirty="0" err="1" smtClean="0">
+                <a:solidFill>
+                  <a:schemeClr val="tx2">
+                    <a:lumMod val="75000"/>
+                  </a:schemeClr>
+                </a:solidFill>
+              </a:rPr>
+              <a:t>does</a:t>
+            </a:r>
+            <a:r>
+              <a:rPr lang="fr-FR" sz="1400" dirty="0" smtClean="0">
+                <a:solidFill>
+                  <a:schemeClr val="tx2">
+                    <a:lumMod val="75000"/>
+                  </a:schemeClr>
+                </a:solidFill>
+              </a:rPr>
+              <a:t> not </a:t>
+            </a:r>
+            <a:r>
+              <a:rPr lang="fr-FR" sz="1400" dirty="0" err="1" smtClean="0">
+                <a:solidFill>
+                  <a:schemeClr val="tx2">
+                    <a:lumMod val="75000"/>
+                  </a:schemeClr>
+                </a:solidFill>
+              </a:rPr>
+              <a:t>always</a:t>
+            </a:r>
+            <a:r>
+              <a:rPr lang="fr-FR" sz="1400" dirty="0" smtClean="0">
+                <a:solidFill>
+                  <a:schemeClr val="tx2">
+                    <a:lumMod val="75000"/>
+                  </a:schemeClr>
+                </a:solidFill>
+              </a:rPr>
+              <a:t> match</a:t>
+            </a:r>
+            <a:endParaRPr lang="fr-FR" sz="1400" dirty="0">
+              <a:solidFill>
+                <a:schemeClr val="tx2">
+                  <a:lumMod val="75000"/>
+                </a:schemeClr>
+              </a:solidFill>
+            </a:endParaRPr>
+          </a:p>
+        </p:txBody>
+      </p:sp>
+      <p:sp>
+        <p:nvSpPr>
+          <p:cNvPr id="29" name="ZoneTexte 28"/>
+          <p:cNvSpPr txBox="1"/>
+          <p:nvPr/>
+        </p:nvSpPr>
+        <p:spPr>
+          <a:xfrm>
+            <a:off x="886041" y="6319911"/>
+            <a:ext cx="4707058" cy="307777"/>
+          </a:xfrm>
+          <a:prstGeom prst="rect">
+            <a:avLst/>
+          </a:prstGeom>
+          <a:solidFill>
+            <a:schemeClr val="bg1">
+              <a:lumMod val="85000"/>
+              <a:alpha val="60000"/>
+            </a:schemeClr>
+          </a:solidFill>
+          <a:ln>
+            <a:solidFill>
+              <a:schemeClr val="tx2"/>
+            </a:solidFill>
+          </a:ln>
+        </p:spPr>
+        <p:txBody>
+          <a:bodyPr wrap="none" rtlCol="0">
+            <a:spAutoFit/>
+          </a:bodyPr>
+          <a:lstStyle/>
+          <a:p>
+            <a:r>
+              <a:rPr lang="fr-FR" sz="1400" dirty="0" smtClean="0">
+                <a:solidFill>
+                  <a:schemeClr val="tx2">
+                    <a:lumMod val="75000"/>
+                  </a:schemeClr>
+                </a:solidFill>
+              </a:rPr>
+              <a:t>The </a:t>
+            </a:r>
+            <a:r>
+              <a:rPr lang="fr-FR" sz="1400" dirty="0" err="1" smtClean="0">
+                <a:solidFill>
+                  <a:schemeClr val="tx2">
+                    <a:lumMod val="75000"/>
+                  </a:schemeClr>
+                </a:solidFill>
+              </a:rPr>
+              <a:t>selection</a:t>
+            </a:r>
+            <a:r>
+              <a:rPr lang="fr-FR" sz="1400" dirty="0" smtClean="0">
+                <a:solidFill>
+                  <a:schemeClr val="tx2">
+                    <a:lumMod val="75000"/>
+                  </a:schemeClr>
+                </a:solidFill>
+              </a:rPr>
+              <a:t> zone </a:t>
+            </a:r>
+            <a:r>
+              <a:rPr lang="fr-FR" sz="1400" dirty="0" err="1" smtClean="0">
+                <a:solidFill>
+                  <a:schemeClr val="tx2">
+                    <a:lumMod val="75000"/>
+                  </a:schemeClr>
+                </a:solidFill>
+              </a:rPr>
+              <a:t>can</a:t>
+            </a:r>
+            <a:r>
+              <a:rPr lang="fr-FR" sz="1400" dirty="0" smtClean="0">
+                <a:solidFill>
+                  <a:schemeClr val="tx2">
+                    <a:lumMod val="75000"/>
+                  </a:schemeClr>
+                </a:solidFill>
+              </a:rPr>
+              <a:t> </a:t>
+            </a:r>
+            <a:r>
+              <a:rPr lang="fr-FR" sz="1400" dirty="0" err="1" smtClean="0">
+                <a:solidFill>
+                  <a:schemeClr val="tx2">
+                    <a:lumMod val="75000"/>
+                  </a:schemeClr>
+                </a:solidFill>
+              </a:rPr>
+              <a:t>be</a:t>
+            </a:r>
+            <a:r>
+              <a:rPr lang="fr-FR" sz="1400" dirty="0" smtClean="0">
+                <a:solidFill>
+                  <a:schemeClr val="tx2">
+                    <a:lumMod val="75000"/>
+                  </a:schemeClr>
+                </a:solidFill>
+              </a:rPr>
+              <a:t> </a:t>
+            </a:r>
+            <a:r>
+              <a:rPr lang="fr-FR" sz="1400" dirty="0" err="1" smtClean="0">
+                <a:solidFill>
+                  <a:schemeClr val="tx2">
+                    <a:lumMod val="75000"/>
+                  </a:schemeClr>
+                </a:solidFill>
+              </a:rPr>
+              <a:t>resized</a:t>
+            </a:r>
+            <a:r>
+              <a:rPr lang="fr-FR" sz="1400" dirty="0" smtClean="0">
+                <a:solidFill>
+                  <a:schemeClr val="tx2">
+                    <a:lumMod val="75000"/>
+                  </a:schemeClr>
+                </a:solidFill>
+              </a:rPr>
+              <a:t> or </a:t>
+            </a:r>
+            <a:r>
+              <a:rPr lang="fr-FR" sz="1400" dirty="0" err="1" smtClean="0">
+                <a:solidFill>
+                  <a:schemeClr val="tx2">
+                    <a:lumMod val="75000"/>
+                  </a:schemeClr>
+                </a:solidFill>
+              </a:rPr>
+              <a:t>hidden</a:t>
+            </a:r>
+            <a:r>
+              <a:rPr lang="fr-FR" sz="1400" dirty="0" smtClean="0">
+                <a:solidFill>
+                  <a:schemeClr val="tx2">
+                    <a:lumMod val="75000"/>
+                  </a:schemeClr>
+                </a:solidFill>
+              </a:rPr>
+              <a:t> (« Panels » menu)</a:t>
+            </a:r>
+            <a:endParaRPr lang="fr-FR" sz="1400" dirty="0">
+              <a:solidFill>
+                <a:schemeClr val="tx2">
+                  <a:lumMod val="75000"/>
+                </a:schemeClr>
+              </a:solidFill>
+            </a:endParaRPr>
+          </a:p>
+        </p:txBody>
+      </p:sp>
+      <p:sp>
+        <p:nvSpPr>
+          <p:cNvPr id="26" name="Rectangle 25"/>
+          <p:cNvSpPr/>
+          <p:nvPr/>
+        </p:nvSpPr>
+        <p:spPr>
+          <a:xfrm>
+            <a:off x="2204403" y="4074340"/>
+            <a:ext cx="1107879" cy="292100"/>
+          </a:xfrm>
+          <a:prstGeom prst="rect">
+            <a:avLst/>
+          </a:prstGeom>
+          <a:noFill/>
+          <a:ln w="57150">
+            <a:solidFill>
+              <a:schemeClr val="accent3"/>
+            </a:solidFill>
+          </a:ln>
+        </p:spPr>
+        <p:style>
+          <a:lnRef idx="2">
+            <a:schemeClr val="accent1">
+              <a:shade val="50000"/>
+            </a:schemeClr>
+          </a:lnRef>
+          <a:fillRef idx="1">
+            <a:schemeClr val="accent1"/>
+          </a:fillRef>
+          <a:effectRef idx="0">
+            <a:schemeClr val="accent1"/>
+          </a:effectRef>
+          <a:fontRef idx="minor">
+            <a:schemeClr val="lt1"/>
+          </a:fontRef>
+        </p:style>
+        <p:txBody>
+          <a:bodyPr rtlCol="0" anchor="ctr"/>
+          <a:lstStyle/>
+          <a:p>
+            <a:pPr algn="ctr"/>
+            <a:endParaRPr lang="fr-FR" dirty="0"/>
+          </a:p>
+        </p:txBody>
+      </p:sp>
+      <p:cxnSp>
+        <p:nvCxnSpPr>
+          <p:cNvPr id="28" name="Connecteur droit avec flèche 27"/>
+          <p:cNvCxnSpPr>
+            <a:stCxn id="27" idx="1"/>
+          </p:cNvCxnSpPr>
+          <p:nvPr/>
+        </p:nvCxnSpPr>
+        <p:spPr>
+          <a:xfrm flipH="1">
+            <a:off x="3450912" y="3651969"/>
+            <a:ext cx="1136459" cy="616030"/>
+          </a:xfrm>
+          <a:prstGeom prst="straightConnector1">
+            <a:avLst/>
+          </a:prstGeom>
+          <a:ln>
+            <a:solidFill>
+              <a:schemeClr val="accent3"/>
+            </a:solidFill>
+            <a:tailEnd type="triangle"/>
+          </a:ln>
+        </p:spPr>
+        <p:style>
+          <a:lnRef idx="1">
+            <a:schemeClr val="accent1"/>
+          </a:lnRef>
+          <a:fillRef idx="0">
+            <a:schemeClr val="accent1"/>
+          </a:fillRef>
+          <a:effectRef idx="0">
+            <a:schemeClr val="accent1"/>
+          </a:effectRef>
+          <a:fontRef idx="minor">
+            <a:schemeClr val="tx1"/>
+          </a:fontRef>
+        </p:style>
+      </p:cxnSp>
+      <p:sp>
+        <p:nvSpPr>
+          <p:cNvPr id="30" name="Rectangle 29"/>
+          <p:cNvSpPr/>
+          <p:nvPr/>
+        </p:nvSpPr>
+        <p:spPr>
+          <a:xfrm>
+            <a:off x="216852" y="670505"/>
+            <a:ext cx="1691285" cy="272546"/>
+          </a:xfrm>
+          <a:prstGeom prst="rect">
+            <a:avLst/>
+          </a:prstGeom>
+          <a:noFill/>
+          <a:ln w="57150">
+            <a:solidFill>
+              <a:schemeClr val="accent6">
+                <a:lumMod val="50000"/>
+              </a:schemeClr>
+            </a:solidFill>
+          </a:ln>
+        </p:spPr>
+        <p:style>
+          <a:lnRef idx="2">
+            <a:schemeClr val="accent1">
+              <a:shade val="50000"/>
+            </a:schemeClr>
+          </a:lnRef>
+          <a:fillRef idx="1">
+            <a:schemeClr val="accent1"/>
+          </a:fillRef>
+          <a:effectRef idx="0">
+            <a:schemeClr val="accent1"/>
+          </a:effectRef>
+          <a:fontRef idx="minor">
+            <a:schemeClr val="lt1"/>
+          </a:fontRef>
+        </p:style>
+        <p:txBody>
+          <a:bodyPr rtlCol="0" anchor="ctr"/>
+          <a:lstStyle/>
+          <a:p>
+            <a:pPr algn="ctr"/>
+            <a:endParaRPr lang="fr-FR" dirty="0"/>
+          </a:p>
+        </p:txBody>
+      </p:sp>
+      <p:cxnSp>
+        <p:nvCxnSpPr>
+          <p:cNvPr id="34" name="Connecteur droit avec flèche 33"/>
+          <p:cNvCxnSpPr>
+            <a:stCxn id="19" idx="1"/>
+          </p:cNvCxnSpPr>
+          <p:nvPr/>
+        </p:nvCxnSpPr>
+        <p:spPr>
+          <a:xfrm flipH="1" flipV="1">
+            <a:off x="1377710" y="5230888"/>
+            <a:ext cx="2689210" cy="55248"/>
+          </a:xfrm>
+          <a:prstGeom prst="straightConnector1">
+            <a:avLst/>
+          </a:prstGeom>
+          <a:ln>
+            <a:solidFill>
+              <a:schemeClr val="accent3"/>
+            </a:solidFill>
+            <a:tailEnd type="triangle"/>
+          </a:ln>
+        </p:spPr>
+        <p:style>
+          <a:lnRef idx="1">
+            <a:schemeClr val="accent1"/>
+          </a:lnRef>
+          <a:fillRef idx="0">
+            <a:schemeClr val="accent1"/>
+          </a:fillRef>
+          <a:effectRef idx="0">
+            <a:schemeClr val="accent1"/>
+          </a:effectRef>
+          <a:fontRef idx="minor">
+            <a:schemeClr val="tx1"/>
+          </a:fontRef>
+        </p:style>
+      </p:cxnSp>
+    </p:spTree>
+    <p:extLst>
+      <p:ext uri="{BB962C8B-B14F-4D97-AF65-F5344CB8AC3E}">
+        <p14:creationId xmlns:p14="http://schemas.microsoft.com/office/powerpoint/2010/main" val="2068212747"/>
+      </p:ext>
+    </p:extLst>
+  </p:cSld>
+  <p:clrMapOvr>
+    <a:masterClrMapping/>
+  </p:clrMapOvr>
+  <p:timing>
+    <p:tnLst>
+      <p:par>
+        <p:cTn id="1" dur="indefinite" restart="never" nodeType="tmRoot"/>
+      </p:par>
+    </p:tnLst>
+  </p:timing>
+</p:sld>
+</file>
+
+<file path=ppt/slides/slide13.xml><?xml version="1.0" encoding="utf-8"?>
+<p:sld xmlns:a="http://schemas.openxmlformats.org/drawingml/2006/main" xmlns:r="http://schemas.openxmlformats.org/officeDocument/2006/relationships" xmlns:p="http://schemas.openxmlformats.org/presentationml/2006/main">
+  <p:cSld>
+    <p:spTree>
+      <p:nvGrpSpPr>
+        <p:cNvPr id="1" name=""/>
+        <p:cNvGrpSpPr/>
+        <p:nvPr/>
+      </p:nvGrpSpPr>
+      <p:grpSpPr>
+        <a:xfrm>
+          <a:off x="0" y="0"/>
+          <a:ext cx="0" cy="0"/>
+          <a:chOff x="0" y="0"/>
+          <a:chExt cx="0" cy="0"/>
+        </a:xfrm>
+      </p:grpSpPr>
+      <p:sp>
+        <p:nvSpPr>
+          <p:cNvPr id="4" name="Espace réservé du texte 3"/>
+          <p:cNvSpPr>
+            <a:spLocks noGrp="1"/>
+          </p:cNvSpPr>
+          <p:nvPr>
+            <p:ph type="body" sz="quarter" idx="11"/>
+          </p:nvPr>
+        </p:nvSpPr>
+        <p:spPr>
+          <a:xfrm>
+            <a:off x="1127570" y="4801465"/>
+            <a:ext cx="4685401" cy="249299"/>
+          </a:xfrm>
+        </p:spPr>
+        <p:txBody>
+          <a:bodyPr/>
+          <a:lstStyle/>
+          <a:p>
+            <a:r>
+              <a:rPr lang="en-GB" dirty="0" smtClean="0"/>
+              <a:t>Examples of daily usage</a:t>
+            </a:r>
+            <a:endParaRPr lang="en-GB" dirty="0"/>
+          </a:p>
+        </p:txBody>
+      </p:sp>
+      <p:sp>
+        <p:nvSpPr>
+          <p:cNvPr id="5" name="Espace réservé du contenu 4"/>
+          <p:cNvSpPr>
+            <a:spLocks noGrp="1"/>
+          </p:cNvSpPr>
+          <p:nvPr>
+            <p:ph sz="quarter" idx="14"/>
+          </p:nvPr>
+        </p:nvSpPr>
+        <p:spPr/>
+        <p:txBody>
+          <a:bodyPr/>
+          <a:lstStyle/>
+          <a:p>
+            <a:endParaRPr lang="en-GB"/>
+          </a:p>
+        </p:txBody>
+      </p:sp>
+    </p:spTree>
+    <p:extLst>
+      <p:ext uri="{BB962C8B-B14F-4D97-AF65-F5344CB8AC3E}">
+        <p14:creationId xmlns:p14="http://schemas.microsoft.com/office/powerpoint/2010/main" val="1775879151"/>
+      </p:ext>
+    </p:extLst>
+  </p:cSld>
+  <p:clrMapOvr>
+    <a:masterClrMapping/>
+  </p:clrMapOvr>
+  <p:timing>
+    <p:tnLst>
+      <p:par>
+        <p:cTn id="1" dur="indefinite" restart="never" nodeType="tmRoot"/>
+      </p:par>
+    </p:tnLst>
+  </p:timing>
+</p:sld>
+</file>
+
+<file path=ppt/slides/slide14.xml><?xml version="1.0" encoding="utf-8"?>
+<p:sld xmlns:a="http://schemas.openxmlformats.org/drawingml/2006/main" xmlns:r="http://schemas.openxmlformats.org/officeDocument/2006/relationships" xmlns:p="http://schemas.openxmlformats.org/presentationml/2006/main">
+  <p:cSld>
+    <p:spTree>
+      <p:nvGrpSpPr>
+        <p:cNvPr id="1" name=""/>
+        <p:cNvGrpSpPr/>
+        <p:nvPr/>
+      </p:nvGrpSpPr>
+      <p:grpSpPr>
+        <a:xfrm>
+          <a:off x="0" y="0"/>
+          <a:ext cx="0" cy="0"/>
+          <a:chOff x="0" y="0"/>
+          <a:chExt cx="0" cy="0"/>
+        </a:xfrm>
+      </p:grpSpPr>
       <p:sp>
         <p:nvSpPr>
           <p:cNvPr id="4" name="Titre 3"/>
@@ -6515,7 +8688,7 @@
 </p:sld>
 </file>
 
-<file path=ppt/slides/slide11.xml><?xml version="1.0" encoding="utf-8"?>
+<file path=ppt/slides/slide15.xml><?xml version="1.0" encoding="utf-8"?>
 <p:sld xmlns:a="http://schemas.openxmlformats.org/drawingml/2006/main" xmlns:r="http://schemas.openxmlformats.org/officeDocument/2006/relationships" xmlns:p="http://schemas.openxmlformats.org/presentationml/2006/main">
   <p:cSld>
     <p:spTree>
@@ -6868,11 +9041,7 @@
             <a:pPr algn="l"/>
             <a:r>
               <a:rPr lang="en-GB" sz="1800" dirty="0" smtClean="0"/>
-              <a:t>(0 should be used </a:t>
-            </a:r>
-            <a:r>
-              <a:rPr lang="en-GB" sz="1800" dirty="0" smtClean="0"/>
-              <a:t>here instead of 56439 in real situation)</a:t>
+              <a:t>(0 should be used here instead of 56439 in real situation)</a:t>
             </a:r>
             <a:endParaRPr lang="en-GB" sz="1800" dirty="0"/>
           </a:p>
@@ -7039,7 +9208,7 @@
 </p:sld>
 </file>
 
-<file path=ppt/slides/slide12.xml><?xml version="1.0" encoding="utf-8"?>
+<file path=ppt/slides/slide16.xml><?xml version="1.0" encoding="utf-8"?>
 <p:sld xmlns:a="http://schemas.openxmlformats.org/drawingml/2006/main" xmlns:r="http://schemas.openxmlformats.org/officeDocument/2006/relationships" xmlns:p="http://schemas.openxmlformats.org/presentationml/2006/main">
   <p:cSld>
     <p:spTree>
@@ -7169,11 +9338,7 @@
             <a:pPr algn="l"/>
             <a:r>
               <a:rPr lang="en-GB" sz="1800" dirty="0" smtClean="0"/>
-              <a:t>(0 should be used </a:t>
-            </a:r>
-            <a:r>
-              <a:rPr lang="en-GB" sz="1800" dirty="0" smtClean="0"/>
-              <a:t>here instead of 56441 in real situation)</a:t>
+              <a:t>(0 should be used here instead of 56441 in real situation)</a:t>
             </a:r>
             <a:endParaRPr lang="en-GB" sz="1800" dirty="0"/>
           </a:p>
@@ -7329,7 +9494,7 @@
 </p:sld>
 </file>
 
-<file path=ppt/slides/slide13.xml><?xml version="1.0" encoding="utf-8"?>
+<file path=ppt/slides/slide17.xml><?xml version="1.0" encoding="utf-8"?>
 <p:sld xmlns:a="http://schemas.openxmlformats.org/drawingml/2006/main" xmlns:r="http://schemas.openxmlformats.org/officeDocument/2006/relationships" xmlns:p="http://schemas.openxmlformats.org/presentationml/2006/main">
   <p:cSld>
     <p:spTree>
@@ -7539,7 +9704,7 @@
 </p:sld>
 </file>
 
-<file path=ppt/slides/slide14.xml><?xml version="1.0" encoding="utf-8"?>
+<file path=ppt/slides/slide18.xml><?xml version="1.0" encoding="utf-8"?>
 <p:sld xmlns:a="http://schemas.openxmlformats.org/drawingml/2006/main" xmlns:r="http://schemas.openxmlformats.org/officeDocument/2006/relationships" xmlns:p="http://schemas.openxmlformats.org/presentationml/2006/main">
   <p:cSld>
     <p:spTree>
@@ -8031,7 +10196,7 @@
 </p:sld>
 </file>
 
-<file path=ppt/slides/slide15.xml><?xml version="1.0" encoding="utf-8"?>
+<file path=ppt/slides/slide19.xml><?xml version="1.0" encoding="utf-8"?>
 <p:sld xmlns:a="http://schemas.openxmlformats.org/drawingml/2006/main" xmlns:r="http://schemas.openxmlformats.org/officeDocument/2006/relationships" xmlns:p="http://schemas.openxmlformats.org/presentationml/2006/main">
   <p:cSld>
     <p:spTree>
@@ -8244,7 +10409,462 @@
 </p:sld>
 </file>
 
-<file path=ppt/slides/slide16.xml><?xml version="1.0" encoding="utf-8"?>
+<file path=ppt/slides/slide2.xml><?xml version="1.0" encoding="utf-8"?>
+<p:sld xmlns:a="http://schemas.openxmlformats.org/drawingml/2006/main" xmlns:r="http://schemas.openxmlformats.org/officeDocument/2006/relationships" xmlns:p="http://schemas.openxmlformats.org/presentationml/2006/main">
+  <p:cSld>
+    <p:spTree>
+      <p:nvGrpSpPr>
+        <p:cNvPr id="1" name=""/>
+        <p:cNvGrpSpPr/>
+        <p:nvPr/>
+      </p:nvGrpSpPr>
+      <p:grpSpPr>
+        <a:xfrm>
+          <a:off x="0" y="0"/>
+          <a:ext cx="0" cy="0"/>
+          <a:chOff x="0" y="0"/>
+          <a:chExt cx="0" cy="0"/>
+        </a:xfrm>
+      </p:grpSpPr>
+      <p:sp>
+        <p:nvSpPr>
+          <p:cNvPr id="2" name="Titre 1"/>
+          <p:cNvSpPr>
+            <a:spLocks noGrp="1"/>
+          </p:cNvSpPr>
+          <p:nvPr>
+            <p:ph type="title"/>
+          </p:nvPr>
+        </p:nvSpPr>
+        <p:spPr/>
+        <p:txBody>
+          <a:bodyPr/>
+          <a:lstStyle/>
+          <a:p>
+            <a:r>
+              <a:rPr lang="fr-FR" dirty="0" smtClean="0"/>
+              <a:t>Control Room (CR)</a:t>
+            </a:r>
+            <a:endParaRPr lang="fr-FR" dirty="0"/>
+          </a:p>
+        </p:txBody>
+      </p:sp>
+      <p:sp>
+        <p:nvSpPr>
+          <p:cNvPr id="3" name="Espace réservé du contenu 2"/>
+          <p:cNvSpPr>
+            <a:spLocks noGrp="1"/>
+          </p:cNvSpPr>
+          <p:nvPr>
+            <p:ph idx="1"/>
+          </p:nvPr>
+        </p:nvSpPr>
+        <p:spPr>
+          <a:xfrm>
+            <a:off x="499872" y="1293436"/>
+            <a:ext cx="11517957" cy="4608659"/>
+          </a:xfrm>
+        </p:spPr>
+        <p:txBody>
+          <a:bodyPr/>
+          <a:lstStyle/>
+          <a:p>
+            <a:pPr marL="0" indent="0">
+              <a:buNone/>
+            </a:pPr>
+            <a:r>
+              <a:rPr lang="fr-FR" sz="2400" dirty="0" smtClean="0">
+                <a:solidFill>
+                  <a:schemeClr val="accent3"/>
+                </a:solidFill>
+              </a:rPr>
+              <a:t>Control Room </a:t>
+            </a:r>
+            <a:r>
+              <a:rPr lang="en-US" sz="2400" dirty="0">
+                <a:solidFill>
+                  <a:schemeClr val="accent3"/>
+                </a:solidFill>
+              </a:rPr>
+              <a:t>(aka "CR") </a:t>
+            </a:r>
+            <a:r>
+              <a:rPr lang="fr-FR" sz="2400" dirty="0" err="1" smtClean="0">
+                <a:solidFill>
+                  <a:schemeClr val="accent3"/>
+                </a:solidFill>
+              </a:rPr>
+              <a:t>is</a:t>
+            </a:r>
+            <a:r>
+              <a:rPr lang="fr-FR" sz="2400" dirty="0" smtClean="0">
+                <a:solidFill>
+                  <a:schemeClr val="accent3"/>
+                </a:solidFill>
+              </a:rPr>
+              <a:t> a </a:t>
+            </a:r>
+            <a:r>
+              <a:rPr lang="fr-FR" sz="2400" dirty="0" err="1" smtClean="0">
+                <a:solidFill>
+                  <a:schemeClr val="accent3"/>
+                </a:solidFill>
+              </a:rPr>
+              <a:t>graphical</a:t>
+            </a:r>
+            <a:r>
+              <a:rPr lang="fr-FR" sz="2400" dirty="0" smtClean="0">
+                <a:solidFill>
+                  <a:schemeClr val="accent3"/>
+                </a:solidFill>
+              </a:rPr>
+              <a:t> interface </a:t>
+            </a:r>
+            <a:r>
+              <a:rPr lang="fr-FR" sz="2400" dirty="0" err="1" smtClean="0">
+                <a:solidFill>
+                  <a:schemeClr val="accent3"/>
+                </a:solidFill>
+              </a:rPr>
+              <a:t>whose</a:t>
+            </a:r>
+            <a:r>
+              <a:rPr lang="fr-FR" sz="2400" dirty="0" smtClean="0">
+                <a:solidFill>
+                  <a:schemeClr val="accent3"/>
+                </a:solidFill>
+              </a:rPr>
+              <a:t> </a:t>
+            </a:r>
+            <a:r>
+              <a:rPr lang="fr-FR" sz="2400" dirty="0" err="1" smtClean="0">
+                <a:solidFill>
+                  <a:schemeClr val="accent3"/>
+                </a:solidFill>
+              </a:rPr>
+              <a:t>purpose</a:t>
+            </a:r>
+            <a:r>
+              <a:rPr lang="fr-FR" sz="2400" dirty="0" smtClean="0">
+                <a:solidFill>
+                  <a:schemeClr val="accent3"/>
+                </a:solidFill>
+              </a:rPr>
+              <a:t> </a:t>
+            </a:r>
+            <a:r>
+              <a:rPr lang="fr-FR" sz="2400" dirty="0" err="1" smtClean="0">
+                <a:solidFill>
+                  <a:schemeClr val="accent3"/>
+                </a:solidFill>
+              </a:rPr>
+              <a:t>is</a:t>
+            </a:r>
+            <a:r>
+              <a:rPr lang="fr-FR" sz="2400" dirty="0" smtClean="0">
+                <a:solidFill>
+                  <a:schemeClr val="accent3"/>
+                </a:solidFill>
+              </a:rPr>
+              <a:t>:</a:t>
+            </a:r>
+          </a:p>
+          <a:p>
+            <a:r>
+              <a:rPr lang="en-US" sz="2400" dirty="0" smtClean="0"/>
+              <a:t>To </a:t>
+            </a:r>
+            <a:r>
+              <a:rPr lang="en-US" sz="2400" dirty="0"/>
+              <a:t>plot various WEST database signals </a:t>
+            </a:r>
+            <a:endParaRPr lang="en-US" sz="2400" dirty="0" smtClean="0"/>
+          </a:p>
+          <a:p>
+            <a:pPr lvl="1"/>
+            <a:r>
+              <a:rPr lang="en-US" sz="2200" dirty="0" smtClean="0"/>
+              <a:t>Does not </a:t>
+            </a:r>
+            <a:r>
+              <a:rPr lang="en-US" sz="1400" dirty="0"/>
+              <a:t>(always) </a:t>
+            </a:r>
+            <a:r>
+              <a:rPr lang="en-US" sz="2200" dirty="0" smtClean="0"/>
+              <a:t>require to know the name of the diagnostic</a:t>
+            </a:r>
+            <a:r>
+              <a:rPr lang="en-US" sz="2200" dirty="0"/>
+              <a:t>,</a:t>
+            </a:r>
+            <a:r>
+              <a:rPr lang="en-US" sz="2200" dirty="0" smtClean="0"/>
+              <a:t> signals are described with meaningful names</a:t>
+            </a:r>
+          </a:p>
+          <a:p>
+            <a:r>
+              <a:rPr lang="en-US" sz="2400" dirty="0" smtClean="0"/>
+              <a:t>To plot WEST Session </a:t>
+            </a:r>
+            <a:r>
+              <a:rPr lang="en-US" sz="2400" dirty="0"/>
+              <a:t>Leader plasma setup </a:t>
+            </a:r>
+            <a:r>
+              <a:rPr lang="en-US" sz="2400" dirty="0" smtClean="0"/>
+              <a:t>(aka “PCS waveforms”)</a:t>
+            </a:r>
+            <a:endParaRPr lang="en-US" sz="2400" dirty="0"/>
+          </a:p>
+          <a:p>
+            <a:pPr lvl="1"/>
+            <a:r>
+              <a:rPr lang="en-US" sz="2200" dirty="0" smtClean="0"/>
+              <a:t>Can plot previous pulse setups or “next pulse” setup (pulse number: 0).</a:t>
+            </a:r>
+          </a:p>
+          <a:p>
+            <a:endParaRPr lang="en-US" sz="2400" dirty="0" smtClean="0"/>
+          </a:p>
+          <a:p>
+            <a:r>
+              <a:rPr lang="en-US" sz="2400" dirty="0" smtClean="0"/>
+              <a:t>The graphical interface organization can be personalized, saved and reopened later</a:t>
+            </a:r>
+            <a:endParaRPr lang="fr-FR" sz="2400" dirty="0" smtClean="0"/>
+          </a:p>
+          <a:p>
+            <a:endParaRPr lang="en-US" sz="2400" dirty="0" smtClean="0"/>
+          </a:p>
+          <a:p>
+            <a:r>
+              <a:rPr lang="en-US" sz="2400" dirty="0" smtClean="0"/>
+              <a:t>To </a:t>
+            </a:r>
+            <a:r>
+              <a:rPr lang="en-US" sz="2400" dirty="0"/>
+              <a:t>open Control Room, open a terminal and </a:t>
+            </a:r>
+            <a:r>
+              <a:rPr lang="en-US" sz="2400" dirty="0" smtClean="0"/>
+              <a:t>type:</a:t>
+            </a:r>
+            <a:endParaRPr lang="en-US" sz="2400" dirty="0"/>
+          </a:p>
+          <a:p>
+            <a:pPr marL="457200" lvl="1" indent="0">
+              <a:buNone/>
+            </a:pPr>
+            <a:endParaRPr lang="fr-FR" sz="2000" dirty="0"/>
+          </a:p>
+        </p:txBody>
+      </p:sp>
+      <p:sp>
+        <p:nvSpPr>
+          <p:cNvPr id="4" name="Rectangle 3"/>
+          <p:cNvSpPr/>
+          <p:nvPr/>
+        </p:nvSpPr>
+        <p:spPr>
+          <a:xfrm>
+            <a:off x="821371" y="5474114"/>
+            <a:ext cx="6553201" cy="1011382"/>
+          </a:xfrm>
+          <a:prstGeom prst="rect">
+            <a:avLst/>
+          </a:prstGeom>
+          <a:ln/>
+        </p:spPr>
+        <p:style>
+          <a:lnRef idx="1">
+            <a:schemeClr val="accent4"/>
+          </a:lnRef>
+          <a:fillRef idx="2">
+            <a:schemeClr val="accent4"/>
+          </a:fillRef>
+          <a:effectRef idx="1">
+            <a:schemeClr val="accent4"/>
+          </a:effectRef>
+          <a:fontRef idx="minor">
+            <a:schemeClr val="dk1"/>
+          </a:fontRef>
+        </p:style>
+        <p:txBody>
+          <a:bodyPr rtlCol="0" anchor="ctr"/>
+          <a:lstStyle/>
+          <a:p>
+            <a:pPr lvl="1"/>
+            <a:r>
+              <a:rPr lang="fr-FR" sz="2400" b="1" dirty="0" smtClean="0">
+                <a:latin typeface="Courier New" panose="02070309020205020404" pitchFamily="49" charset="0"/>
+                <a:cs typeface="Courier New" panose="02070309020205020404" pitchFamily="49" charset="0"/>
+              </a:rPr>
+              <a:t>module </a:t>
+            </a:r>
+            <a:r>
+              <a:rPr lang="fr-FR" sz="2400" b="1" dirty="0" err="1" smtClean="0">
+                <a:latin typeface="Courier New" panose="02070309020205020404" pitchFamily="49" charset="0"/>
+                <a:cs typeface="Courier New" panose="02070309020205020404" pitchFamily="49" charset="0"/>
+              </a:rPr>
+              <a:t>load</a:t>
+            </a:r>
+            <a:r>
+              <a:rPr lang="fr-FR" sz="2400" b="1" dirty="0" smtClean="0">
+                <a:latin typeface="Courier New" panose="02070309020205020404" pitchFamily="49" charset="0"/>
+                <a:cs typeface="Courier New" panose="02070309020205020404" pitchFamily="49" charset="0"/>
+              </a:rPr>
+              <a:t> </a:t>
+            </a:r>
+            <a:r>
+              <a:rPr lang="fr-FR" sz="2400" b="1" dirty="0" err="1" smtClean="0">
+                <a:latin typeface="Courier New" panose="02070309020205020404" pitchFamily="49" charset="0"/>
+                <a:cs typeface="Courier New" panose="02070309020205020404" pitchFamily="49" charset="0"/>
+              </a:rPr>
+              <a:t>tools_dc</a:t>
+            </a:r>
+            <a:endParaRPr lang="fr-FR" sz="2400" b="1" dirty="0" smtClean="0">
+              <a:latin typeface="Courier New" panose="02070309020205020404" pitchFamily="49" charset="0"/>
+              <a:cs typeface="Courier New" panose="02070309020205020404" pitchFamily="49" charset="0"/>
+            </a:endParaRPr>
+          </a:p>
+          <a:p>
+            <a:pPr lvl="1"/>
+            <a:r>
+              <a:rPr lang="fr-FR" sz="2400" b="1" dirty="0" smtClean="0">
+                <a:latin typeface="Courier New" panose="02070309020205020404" pitchFamily="49" charset="0"/>
+                <a:cs typeface="Courier New" panose="02070309020205020404" pitchFamily="49" charset="0"/>
+              </a:rPr>
+              <a:t>CR</a:t>
+            </a:r>
+            <a:endParaRPr lang="fr-FR" sz="2400" b="1" dirty="0"/>
+          </a:p>
+        </p:txBody>
+      </p:sp>
+    </p:spTree>
+    <p:extLst>
+      <p:ext uri="{BB962C8B-B14F-4D97-AF65-F5344CB8AC3E}">
+        <p14:creationId xmlns:p14="http://schemas.microsoft.com/office/powerpoint/2010/main" val="1520536850"/>
+      </p:ext>
+    </p:extLst>
+  </p:cSld>
+  <p:clrMapOvr>
+    <a:masterClrMapping/>
+  </p:clrMapOvr>
+  <p:timing>
+    <p:tnLst>
+      <p:par>
+        <p:cTn id="1" dur="indefinite" restart="never" nodeType="tmRoot">
+          <p:childTnLst>
+            <p:seq concurrent="1" nextAc="seek">
+              <p:cTn id="2" dur="indefinite" nodeType="mainSeq">
+                <p:childTnLst>
+                  <p:par>
+                    <p:cTn id="3" fill="hold">
+                      <p:stCondLst>
+                        <p:cond delay="indefinite"/>
+                      </p:stCondLst>
+                      <p:childTnLst>
+                        <p:par>
+                          <p:cTn id="4" fill="hold">
+                            <p:stCondLst>
+                              <p:cond delay="0"/>
+                            </p:stCondLst>
+                            <p:childTnLst>
+                              <p:par>
+                                <p:cTn id="5" presetID="1" presetClass="entr" presetSubtype="0" fill="hold" nodeType="clickEffect">
+                                  <p:stCondLst>
+                                    <p:cond delay="0"/>
+                                  </p:stCondLst>
+                                  <p:childTnLst>
+                                    <p:set>
+                                      <p:cBhvr>
+                                        <p:cTn id="6" dur="1" fill="hold">
+                                          <p:stCondLst>
+                                            <p:cond delay="0"/>
+                                          </p:stCondLst>
+                                        </p:cTn>
+                                        <p:tgtEl>
+                                          <p:spTgt spid="3">
+                                            <p:txEl>
+                                              <p:pRg st="8" end="8"/>
+                                            </p:txEl>
+                                          </p:spTgt>
+                                        </p:tgtEl>
+                                        <p:attrNameLst>
+                                          <p:attrName>style.visibility</p:attrName>
+                                        </p:attrNameLst>
+                                      </p:cBhvr>
+                                      <p:to>
+                                        <p:strVal val="visible"/>
+                                      </p:to>
+                                    </p:set>
+                                  </p:childTnLst>
+                                </p:cTn>
+                              </p:par>
+                              <p:par>
+                                <p:cTn id="7" presetID="1" presetClass="entr" presetSubtype="0" fill="hold" grpId="0" nodeType="withEffect">
+                                  <p:stCondLst>
+                                    <p:cond delay="0"/>
+                                  </p:stCondLst>
+                                  <p:childTnLst>
+                                    <p:set>
+                                      <p:cBhvr>
+                                        <p:cTn id="8" dur="1" fill="hold">
+                                          <p:stCondLst>
+                                            <p:cond delay="0"/>
+                                          </p:stCondLst>
+                                        </p:cTn>
+                                        <p:tgtEl>
+                                          <p:spTgt spid="4"/>
+                                        </p:tgtEl>
+                                        <p:attrNameLst>
+                                          <p:attrName>style.visibility</p:attrName>
+                                        </p:attrNameLst>
+                                      </p:cBhvr>
+                                      <p:to>
+                                        <p:strVal val="visible"/>
+                                      </p:to>
+                                    </p:set>
+                                  </p:childTnLst>
+                                </p:cTn>
+                              </p:par>
+                            </p:childTnLst>
+                          </p:cTn>
+                        </p:par>
+                      </p:childTnLst>
+                    </p:cTn>
+                  </p:par>
+                </p:childTnLst>
+              </p:cTn>
+              <p:prevCondLst>
+                <p:cond evt="onPrev" delay="0">
+                  <p:tgtEl>
+                    <p:sldTgt/>
+                  </p:tgtEl>
+                </p:cond>
+              </p:prevCondLst>
+              <p:nextCondLst>
+                <p:cond evt="onNext" delay="0">
+                  <p:tgtEl>
+                    <p:sldTgt/>
+                  </p:tgtEl>
+                </p:cond>
+              </p:nextCondLst>
+            </p:seq>
+          </p:childTnLst>
+        </p:cTn>
+      </p:par>
+    </p:tnLst>
+    <p:bldLst>
+      <p:bldP spid="4" grpId="0" animBg="1"/>
+    </p:bldLst>
+  </p:timing>
+</p:sld>
+</file>
+
+<file path=ppt/slides/slide20.xml><?xml version="1.0" encoding="utf-8"?>
 <p:sld xmlns:a="http://schemas.openxmlformats.org/drawingml/2006/main" xmlns:r="http://schemas.openxmlformats.org/officeDocument/2006/relationships" xmlns:p="http://schemas.openxmlformats.org/presentationml/2006/main">
   <p:cSld>
     <p:spTree>
@@ -9585,7 +12205,7 @@
 </p:sld>
 </file>
 
-<file path=ppt/slides/slide17.xml><?xml version="1.0" encoding="utf-8"?>
+<file path=ppt/slides/slide21.xml><?xml version="1.0" encoding="utf-8"?>
 <p:sld xmlns:a="http://schemas.openxmlformats.org/drawingml/2006/main" xmlns:r="http://schemas.openxmlformats.org/officeDocument/2006/relationships" xmlns:p="http://schemas.openxmlformats.org/presentationml/2006/main">
   <p:cSld>
     <p:spTree>
@@ -9694,7 +12314,7 @@
 </p:sld>
 </file>
 
-<file path=ppt/slides/slide18.xml><?xml version="1.0" encoding="utf-8"?>
+<file path=ppt/slides/slide22.xml><?xml version="1.0" encoding="utf-8"?>
 <p:sld xmlns:a="http://schemas.openxmlformats.org/drawingml/2006/main" xmlns:r="http://schemas.openxmlformats.org/officeDocument/2006/relationships" xmlns:p="http://schemas.openxmlformats.org/presentationml/2006/main">
   <p:cSld>
     <p:spTree>
@@ -9877,461 +12497,6 @@
         <p:cTn id="1" dur="indefinite" restart="never" nodeType="tmRoot"/>
       </p:par>
     </p:tnLst>
-  </p:timing>
-</p:sld>
-</file>
-
-<file path=ppt/slides/slide2.xml><?xml version="1.0" encoding="utf-8"?>
-<p:sld xmlns:a="http://schemas.openxmlformats.org/drawingml/2006/main" xmlns:r="http://schemas.openxmlformats.org/officeDocument/2006/relationships" xmlns:p="http://schemas.openxmlformats.org/presentationml/2006/main">
-  <p:cSld>
-    <p:spTree>
-      <p:nvGrpSpPr>
-        <p:cNvPr id="1" name=""/>
-        <p:cNvGrpSpPr/>
-        <p:nvPr/>
-      </p:nvGrpSpPr>
-      <p:grpSpPr>
-        <a:xfrm>
-          <a:off x="0" y="0"/>
-          <a:ext cx="0" cy="0"/>
-          <a:chOff x="0" y="0"/>
-          <a:chExt cx="0" cy="0"/>
-        </a:xfrm>
-      </p:grpSpPr>
-      <p:sp>
-        <p:nvSpPr>
-          <p:cNvPr id="2" name="Titre 1"/>
-          <p:cNvSpPr>
-            <a:spLocks noGrp="1"/>
-          </p:cNvSpPr>
-          <p:nvPr>
-            <p:ph type="title"/>
-          </p:nvPr>
-        </p:nvSpPr>
-        <p:spPr/>
-        <p:txBody>
-          <a:bodyPr/>
-          <a:lstStyle/>
-          <a:p>
-            <a:r>
-              <a:rPr lang="fr-FR" dirty="0" smtClean="0"/>
-              <a:t>Control Room (CR)</a:t>
-            </a:r>
-            <a:endParaRPr lang="fr-FR" dirty="0"/>
-          </a:p>
-        </p:txBody>
-      </p:sp>
-      <p:sp>
-        <p:nvSpPr>
-          <p:cNvPr id="3" name="Espace réservé du contenu 2"/>
-          <p:cNvSpPr>
-            <a:spLocks noGrp="1"/>
-          </p:cNvSpPr>
-          <p:nvPr>
-            <p:ph idx="1"/>
-          </p:nvPr>
-        </p:nvSpPr>
-        <p:spPr>
-          <a:xfrm>
-            <a:off x="499872" y="1293436"/>
-            <a:ext cx="11517957" cy="4608659"/>
-          </a:xfrm>
-        </p:spPr>
-        <p:txBody>
-          <a:bodyPr/>
-          <a:lstStyle/>
-          <a:p>
-            <a:pPr marL="0" indent="0">
-              <a:buNone/>
-            </a:pPr>
-            <a:r>
-              <a:rPr lang="fr-FR" sz="2400" dirty="0" smtClean="0">
-                <a:solidFill>
-                  <a:schemeClr val="accent3"/>
-                </a:solidFill>
-              </a:rPr>
-              <a:t>Control Room </a:t>
-            </a:r>
-            <a:r>
-              <a:rPr lang="en-US" sz="2400" dirty="0">
-                <a:solidFill>
-                  <a:schemeClr val="accent3"/>
-                </a:solidFill>
-              </a:rPr>
-              <a:t>(aka "CR") </a:t>
-            </a:r>
-            <a:r>
-              <a:rPr lang="fr-FR" sz="2400" dirty="0" err="1" smtClean="0">
-                <a:solidFill>
-                  <a:schemeClr val="accent3"/>
-                </a:solidFill>
-              </a:rPr>
-              <a:t>is</a:t>
-            </a:r>
-            <a:r>
-              <a:rPr lang="fr-FR" sz="2400" dirty="0" smtClean="0">
-                <a:solidFill>
-                  <a:schemeClr val="accent3"/>
-                </a:solidFill>
-              </a:rPr>
-              <a:t> a </a:t>
-            </a:r>
-            <a:r>
-              <a:rPr lang="fr-FR" sz="2400" dirty="0" err="1" smtClean="0">
-                <a:solidFill>
-                  <a:schemeClr val="accent3"/>
-                </a:solidFill>
-              </a:rPr>
-              <a:t>graphical</a:t>
-            </a:r>
-            <a:r>
-              <a:rPr lang="fr-FR" sz="2400" dirty="0" smtClean="0">
-                <a:solidFill>
-                  <a:schemeClr val="accent3"/>
-                </a:solidFill>
-              </a:rPr>
-              <a:t> interface </a:t>
-            </a:r>
-            <a:r>
-              <a:rPr lang="fr-FR" sz="2400" dirty="0" err="1" smtClean="0">
-                <a:solidFill>
-                  <a:schemeClr val="accent3"/>
-                </a:solidFill>
-              </a:rPr>
-              <a:t>whose</a:t>
-            </a:r>
-            <a:r>
-              <a:rPr lang="fr-FR" sz="2400" dirty="0" smtClean="0">
-                <a:solidFill>
-                  <a:schemeClr val="accent3"/>
-                </a:solidFill>
-              </a:rPr>
-              <a:t> </a:t>
-            </a:r>
-            <a:r>
-              <a:rPr lang="fr-FR" sz="2400" dirty="0" err="1" smtClean="0">
-                <a:solidFill>
-                  <a:schemeClr val="accent3"/>
-                </a:solidFill>
-              </a:rPr>
-              <a:t>purpose</a:t>
-            </a:r>
-            <a:r>
-              <a:rPr lang="fr-FR" sz="2400" dirty="0" smtClean="0">
-                <a:solidFill>
-                  <a:schemeClr val="accent3"/>
-                </a:solidFill>
-              </a:rPr>
-              <a:t> </a:t>
-            </a:r>
-            <a:r>
-              <a:rPr lang="fr-FR" sz="2400" dirty="0" err="1" smtClean="0">
-                <a:solidFill>
-                  <a:schemeClr val="accent3"/>
-                </a:solidFill>
-              </a:rPr>
-              <a:t>is</a:t>
-            </a:r>
-            <a:r>
-              <a:rPr lang="fr-FR" sz="2400" dirty="0" smtClean="0">
-                <a:solidFill>
-                  <a:schemeClr val="accent3"/>
-                </a:solidFill>
-              </a:rPr>
-              <a:t>:</a:t>
-            </a:r>
-          </a:p>
-          <a:p>
-            <a:r>
-              <a:rPr lang="en-US" sz="2400" dirty="0" smtClean="0"/>
-              <a:t>To </a:t>
-            </a:r>
-            <a:r>
-              <a:rPr lang="en-US" sz="2400" dirty="0"/>
-              <a:t>plot various WEST database signals </a:t>
-            </a:r>
-            <a:endParaRPr lang="en-US" sz="2400" dirty="0" smtClean="0"/>
-          </a:p>
-          <a:p>
-            <a:pPr lvl="1"/>
-            <a:r>
-              <a:rPr lang="en-US" sz="2200" dirty="0" smtClean="0"/>
-              <a:t>Does not </a:t>
-            </a:r>
-            <a:r>
-              <a:rPr lang="en-US" sz="1400" dirty="0"/>
-              <a:t>(always) </a:t>
-            </a:r>
-            <a:r>
-              <a:rPr lang="en-US" sz="2200" dirty="0" smtClean="0"/>
-              <a:t>require to know the name of the diagnostic</a:t>
-            </a:r>
-            <a:r>
-              <a:rPr lang="en-US" sz="2200" dirty="0"/>
-              <a:t>,</a:t>
-            </a:r>
-            <a:r>
-              <a:rPr lang="en-US" sz="2200" dirty="0" smtClean="0"/>
-              <a:t> signals are described with meaningful names</a:t>
-            </a:r>
-          </a:p>
-          <a:p>
-            <a:r>
-              <a:rPr lang="en-US" sz="2400" dirty="0" smtClean="0"/>
-              <a:t>To plot WEST Session </a:t>
-            </a:r>
-            <a:r>
-              <a:rPr lang="en-US" sz="2400" dirty="0"/>
-              <a:t>Leader plasma setup </a:t>
-            </a:r>
-            <a:r>
-              <a:rPr lang="en-US" sz="2400" dirty="0" smtClean="0"/>
-              <a:t>(aka “PCS waveforms”)</a:t>
-            </a:r>
-            <a:endParaRPr lang="en-US" sz="2400" dirty="0"/>
-          </a:p>
-          <a:p>
-            <a:pPr lvl="1"/>
-            <a:r>
-              <a:rPr lang="en-US" sz="2200" dirty="0" smtClean="0"/>
-              <a:t>Can plot previous pulse setups or “next pulse” setup (pulse number: 0).</a:t>
-            </a:r>
-          </a:p>
-          <a:p>
-            <a:endParaRPr lang="en-US" sz="2400" dirty="0" smtClean="0"/>
-          </a:p>
-          <a:p>
-            <a:r>
-              <a:rPr lang="en-US" sz="2400" dirty="0" smtClean="0"/>
-              <a:t>The graphical interface organization can be personalized, saved and reopened later</a:t>
-            </a:r>
-            <a:endParaRPr lang="fr-FR" sz="2400" dirty="0" smtClean="0"/>
-          </a:p>
-          <a:p>
-            <a:endParaRPr lang="en-US" sz="2400" dirty="0" smtClean="0"/>
-          </a:p>
-          <a:p>
-            <a:r>
-              <a:rPr lang="en-US" sz="2400" dirty="0" smtClean="0"/>
-              <a:t>To </a:t>
-            </a:r>
-            <a:r>
-              <a:rPr lang="en-US" sz="2400" dirty="0"/>
-              <a:t>open Control Room, open a terminal and </a:t>
-            </a:r>
-            <a:r>
-              <a:rPr lang="en-US" sz="2400" dirty="0" smtClean="0"/>
-              <a:t>type:</a:t>
-            </a:r>
-            <a:endParaRPr lang="en-US" sz="2400" dirty="0"/>
-          </a:p>
-          <a:p>
-            <a:pPr marL="457200" lvl="1" indent="0">
-              <a:buNone/>
-            </a:pPr>
-            <a:endParaRPr lang="fr-FR" sz="2000" dirty="0"/>
-          </a:p>
-        </p:txBody>
-      </p:sp>
-      <p:sp>
-        <p:nvSpPr>
-          <p:cNvPr id="4" name="Rectangle 3"/>
-          <p:cNvSpPr/>
-          <p:nvPr/>
-        </p:nvSpPr>
-        <p:spPr>
-          <a:xfrm>
-            <a:off x="821371" y="5474114"/>
-            <a:ext cx="6553201" cy="1011382"/>
-          </a:xfrm>
-          <a:prstGeom prst="rect">
-            <a:avLst/>
-          </a:prstGeom>
-          <a:ln/>
-        </p:spPr>
-        <p:style>
-          <a:lnRef idx="1">
-            <a:schemeClr val="accent4"/>
-          </a:lnRef>
-          <a:fillRef idx="2">
-            <a:schemeClr val="accent4"/>
-          </a:fillRef>
-          <a:effectRef idx="1">
-            <a:schemeClr val="accent4"/>
-          </a:effectRef>
-          <a:fontRef idx="minor">
-            <a:schemeClr val="dk1"/>
-          </a:fontRef>
-        </p:style>
-        <p:txBody>
-          <a:bodyPr rtlCol="0" anchor="ctr"/>
-          <a:lstStyle/>
-          <a:p>
-            <a:pPr lvl="1"/>
-            <a:r>
-              <a:rPr lang="fr-FR" sz="2400" b="1" dirty="0" smtClean="0">
-                <a:latin typeface="Courier New" panose="02070309020205020404" pitchFamily="49" charset="0"/>
-                <a:cs typeface="Courier New" panose="02070309020205020404" pitchFamily="49" charset="0"/>
-              </a:rPr>
-              <a:t>module </a:t>
-            </a:r>
-            <a:r>
-              <a:rPr lang="fr-FR" sz="2400" b="1" dirty="0" err="1" smtClean="0">
-                <a:latin typeface="Courier New" panose="02070309020205020404" pitchFamily="49" charset="0"/>
-                <a:cs typeface="Courier New" panose="02070309020205020404" pitchFamily="49" charset="0"/>
-              </a:rPr>
-              <a:t>load</a:t>
-            </a:r>
-            <a:r>
-              <a:rPr lang="fr-FR" sz="2400" b="1" dirty="0" smtClean="0">
-                <a:latin typeface="Courier New" panose="02070309020205020404" pitchFamily="49" charset="0"/>
-                <a:cs typeface="Courier New" panose="02070309020205020404" pitchFamily="49" charset="0"/>
-              </a:rPr>
-              <a:t> </a:t>
-            </a:r>
-            <a:r>
-              <a:rPr lang="fr-FR" sz="2400" b="1" dirty="0" err="1" smtClean="0">
-                <a:latin typeface="Courier New" panose="02070309020205020404" pitchFamily="49" charset="0"/>
-                <a:cs typeface="Courier New" panose="02070309020205020404" pitchFamily="49" charset="0"/>
-              </a:rPr>
-              <a:t>tools_dc</a:t>
-            </a:r>
-            <a:endParaRPr lang="fr-FR" sz="2400" b="1" dirty="0" smtClean="0">
-              <a:latin typeface="Courier New" panose="02070309020205020404" pitchFamily="49" charset="0"/>
-              <a:cs typeface="Courier New" panose="02070309020205020404" pitchFamily="49" charset="0"/>
-            </a:endParaRPr>
-          </a:p>
-          <a:p>
-            <a:pPr lvl="1"/>
-            <a:r>
-              <a:rPr lang="fr-FR" sz="2400" b="1" dirty="0" smtClean="0">
-                <a:latin typeface="Courier New" panose="02070309020205020404" pitchFamily="49" charset="0"/>
-                <a:cs typeface="Courier New" panose="02070309020205020404" pitchFamily="49" charset="0"/>
-              </a:rPr>
-              <a:t>CR</a:t>
-            </a:r>
-            <a:endParaRPr lang="fr-FR" sz="2400" b="1" dirty="0"/>
-          </a:p>
-        </p:txBody>
-      </p:sp>
-    </p:spTree>
-    <p:extLst>
-      <p:ext uri="{BB962C8B-B14F-4D97-AF65-F5344CB8AC3E}">
-        <p14:creationId xmlns:p14="http://schemas.microsoft.com/office/powerpoint/2010/main" val="1520536850"/>
-      </p:ext>
-    </p:extLst>
-  </p:cSld>
-  <p:clrMapOvr>
-    <a:masterClrMapping/>
-  </p:clrMapOvr>
-  <p:timing>
-    <p:tnLst>
-      <p:par>
-        <p:cTn id="1" dur="indefinite" restart="never" nodeType="tmRoot">
-          <p:childTnLst>
-            <p:seq concurrent="1" nextAc="seek">
-              <p:cTn id="2" dur="indefinite" nodeType="mainSeq">
-                <p:childTnLst>
-                  <p:par>
-                    <p:cTn id="3" fill="hold">
-                      <p:stCondLst>
-                        <p:cond delay="indefinite"/>
-                      </p:stCondLst>
-                      <p:childTnLst>
-                        <p:par>
-                          <p:cTn id="4" fill="hold">
-                            <p:stCondLst>
-                              <p:cond delay="0"/>
-                            </p:stCondLst>
-                            <p:childTnLst>
-                              <p:par>
-                                <p:cTn id="5" presetID="1" presetClass="entr" presetSubtype="0" fill="hold" nodeType="clickEffect">
-                                  <p:stCondLst>
-                                    <p:cond delay="0"/>
-                                  </p:stCondLst>
-                                  <p:childTnLst>
-                                    <p:set>
-                                      <p:cBhvr>
-                                        <p:cTn id="6" dur="1" fill="hold">
-                                          <p:stCondLst>
-                                            <p:cond delay="0"/>
-                                          </p:stCondLst>
-                                        </p:cTn>
-                                        <p:tgtEl>
-                                          <p:spTgt spid="3">
-                                            <p:txEl>
-                                              <p:pRg st="8" end="8"/>
-                                            </p:txEl>
-                                          </p:spTgt>
-                                        </p:tgtEl>
-                                        <p:attrNameLst>
-                                          <p:attrName>style.visibility</p:attrName>
-                                        </p:attrNameLst>
-                                      </p:cBhvr>
-                                      <p:to>
-                                        <p:strVal val="visible"/>
-                                      </p:to>
-                                    </p:set>
-                                  </p:childTnLst>
-                                </p:cTn>
-                              </p:par>
-                              <p:par>
-                                <p:cTn id="7" presetID="1" presetClass="entr" presetSubtype="0" fill="hold" grpId="0" nodeType="withEffect">
-                                  <p:stCondLst>
-                                    <p:cond delay="0"/>
-                                  </p:stCondLst>
-                                  <p:childTnLst>
-                                    <p:set>
-                                      <p:cBhvr>
-                                        <p:cTn id="8" dur="1" fill="hold">
-                                          <p:stCondLst>
-                                            <p:cond delay="0"/>
-                                          </p:stCondLst>
-                                        </p:cTn>
-                                        <p:tgtEl>
-                                          <p:spTgt spid="4"/>
-                                        </p:tgtEl>
-                                        <p:attrNameLst>
-                                          <p:attrName>style.visibility</p:attrName>
-                                        </p:attrNameLst>
-                                      </p:cBhvr>
-                                      <p:to>
-                                        <p:strVal val="visible"/>
-                                      </p:to>
-                                    </p:set>
-                                  </p:childTnLst>
-                                </p:cTn>
-                              </p:par>
-                            </p:childTnLst>
-                          </p:cTn>
-                        </p:par>
-                      </p:childTnLst>
-                    </p:cTn>
-                  </p:par>
-                </p:childTnLst>
-              </p:cTn>
-              <p:prevCondLst>
-                <p:cond evt="onPrev" delay="0">
-                  <p:tgtEl>
-                    <p:sldTgt/>
-                  </p:tgtEl>
-                </p:cond>
-              </p:prevCondLst>
-              <p:nextCondLst>
-                <p:cond evt="onNext" delay="0">
-                  <p:tgtEl>
-                    <p:sldTgt/>
-                  </p:tgtEl>
-                </p:cond>
-              </p:nextCondLst>
-            </p:seq>
-          </p:childTnLst>
-        </p:cTn>
-      </p:par>
-    </p:tnLst>
-    <p:bldLst>
-      <p:bldP spid="4" grpId="0" animBg="1"/>
-    </p:bldLst>
   </p:timing>
 </p:sld>
 </file>
@@ -11585,17 +13750,7 @@
                   </a:schemeClr>
                 </a:solidFill>
               </a:rPr>
-              <a:t>Multiple </a:t>
-            </a:r>
-            <a:r>
-              <a:rPr lang="fr-FR" sz="1400" dirty="0" smtClean="0">
-                <a:solidFill>
-                  <a:schemeClr val="tx2">
-                    <a:lumMod val="75000"/>
-                  </a:schemeClr>
-                </a:solidFill>
-              </a:rPr>
-              <a:t>« Tabs »</a:t>
+              <a:t>Multiple « Tabs »</a:t>
             </a:r>
             <a:endParaRPr lang="fr-FR" sz="1400" dirty="0">
               <a:solidFill>
@@ -11736,27 +13891,7 @@
                   </a:schemeClr>
                 </a:solidFill>
               </a:rPr>
-              <a:t>Multiple graphs (« </a:t>
-            </a:r>
-            <a:r>
-              <a:rPr lang="fr-FR" sz="1400" dirty="0" smtClean="0">
-                <a:solidFill>
-                  <a:schemeClr val="tx2">
-                    <a:lumMod val="75000"/>
-                  </a:schemeClr>
-                </a:solidFill>
-              </a:rPr>
-              <a:t>Panels</a:t>
-            </a:r>
-            <a:r>
-              <a:rPr lang="fr-FR" sz="1400" dirty="0" smtClean="0">
-                <a:solidFill>
-                  <a:schemeClr val="tx2">
-                    <a:lumMod val="75000"/>
-                  </a:schemeClr>
-                </a:solidFill>
-              </a:rPr>
-              <a:t> »)</a:t>
+              <a:t>Multiple graphs (« Panels »)</a:t>
             </a:r>
             <a:endParaRPr lang="fr-FR" sz="1400" dirty="0">
               <a:solidFill>
@@ -12467,27 +14602,22 @@
       </p:grpSpPr>
       <p:sp>
         <p:nvSpPr>
-          <p:cNvPr id="4" name="Espace réservé du texte 3"/>
+          <p:cNvPr id="2" name="Titre 1"/>
           <p:cNvSpPr>
             <a:spLocks noGrp="1"/>
           </p:cNvSpPr>
           <p:nvPr>
-            <p:ph type="body" sz="quarter" idx="11"/>
+            <p:ph type="title"/>
           </p:nvPr>
         </p:nvSpPr>
-        <p:spPr>
-          <a:xfrm>
-            <a:off x="1127570" y="4801465"/>
-            <a:ext cx="4968430" cy="498598"/>
-          </a:xfrm>
-        </p:spPr>
+        <p:spPr/>
         <p:txBody>
           <a:bodyPr/>
           <a:lstStyle/>
           <a:p>
             <a:r>
               <a:rPr lang="en-GB" dirty="0" smtClean="0"/>
-              <a:t>Graphical Interface Description</a:t>
+              <a:t>Span</a:t>
             </a:r>
             <a:endParaRPr lang="en-GB" dirty="0"/>
           </a:p>
@@ -12495,19 +14625,304 @@
       </p:sp>
       <p:sp>
         <p:nvSpPr>
-          <p:cNvPr id="5" name="Espace réservé du contenu 4"/>
+          <p:cNvPr id="3" name="Espace réservé du contenu 2"/>
           <p:cNvSpPr>
             <a:spLocks noGrp="1"/>
           </p:cNvSpPr>
           <p:nvPr>
-            <p:ph sz="quarter" idx="14"/>
+            <p:ph idx="1"/>
           </p:nvPr>
         </p:nvSpPr>
-        <p:spPr/>
+        <p:spPr>
+          <a:xfrm>
+            <a:off x="499872" y="1293436"/>
+            <a:ext cx="10853931" cy="755810"/>
+          </a:xfrm>
+        </p:spPr>
         <p:txBody>
           <a:bodyPr/>
           <a:lstStyle/>
           <a:p>
+            <a:r>
+              <a:rPr lang="en-GB" dirty="0" smtClean="0">
+                <a:solidFill>
+                  <a:schemeClr val="accent1"/>
+                </a:solidFill>
+              </a:rPr>
+              <a:t>Hold Left </a:t>
+            </a:r>
+            <a:r>
+              <a:rPr lang="en-GB" dirty="0" err="1" smtClean="0">
+                <a:solidFill>
+                  <a:schemeClr val="accent1"/>
+                </a:solidFill>
+              </a:rPr>
+              <a:t>Clic</a:t>
+            </a:r>
+            <a:r>
+              <a:rPr lang="en-GB" dirty="0" smtClean="0">
+                <a:solidFill>
+                  <a:schemeClr val="accent1"/>
+                </a:solidFill>
+              </a:rPr>
+              <a:t> </a:t>
+            </a:r>
+            <a:r>
+              <a:rPr lang="en-GB" dirty="0"/>
+              <a:t>and </a:t>
+            </a:r>
+            <a:r>
+              <a:rPr lang="en-GB" dirty="0" smtClean="0"/>
+              <a:t>moving: </a:t>
+            </a:r>
+            <a:r>
+              <a:rPr lang="en-GB" dirty="0"/>
+              <a:t>S</a:t>
+            </a:r>
+            <a:r>
+              <a:rPr lang="en-GB" dirty="0" smtClean="0"/>
+              <a:t>pan</a:t>
+            </a:r>
+          </a:p>
+          <a:p>
+            <a:endParaRPr lang="en-GB" dirty="0"/>
+          </a:p>
+        </p:txBody>
+      </p:sp>
+      <p:pic>
+        <p:nvPicPr>
+          <p:cNvPr id="5" name="Image 4"/>
+          <p:cNvPicPr>
+            <a:picLocks noChangeAspect="1"/>
+          </p:cNvPicPr>
+          <p:nvPr/>
+        </p:nvPicPr>
+        <p:blipFill>
+          <a:blip r:embed="rId2"/>
+          <a:stretch>
+            <a:fillRect/>
+          </a:stretch>
+        </p:blipFill>
+        <p:spPr>
+          <a:xfrm>
+            <a:off x="1149716" y="1662598"/>
+            <a:ext cx="4508624" cy="3164772"/>
+          </a:xfrm>
+          <a:prstGeom prst="rect">
+            <a:avLst/>
+          </a:prstGeom>
+        </p:spPr>
+      </p:pic>
+      <p:pic>
+        <p:nvPicPr>
+          <p:cNvPr id="6" name="Image 5"/>
+          <p:cNvPicPr>
+            <a:picLocks noChangeAspect="1"/>
+          </p:cNvPicPr>
+          <p:nvPr/>
+        </p:nvPicPr>
+        <p:blipFill>
+          <a:blip r:embed="rId3"/>
+          <a:stretch>
+            <a:fillRect/>
+          </a:stretch>
+        </p:blipFill>
+        <p:spPr>
+          <a:xfrm>
+            <a:off x="5799870" y="1662598"/>
+            <a:ext cx="4508624" cy="3164772"/>
+          </a:xfrm>
+          <a:prstGeom prst="rect">
+            <a:avLst/>
+          </a:prstGeom>
+        </p:spPr>
+      </p:pic>
+      <p:pic>
+        <p:nvPicPr>
+          <p:cNvPr id="8" name="Image 7"/>
+          <p:cNvPicPr>
+            <a:picLocks noChangeAspect="1"/>
+          </p:cNvPicPr>
+          <p:nvPr/>
+        </p:nvPicPr>
+        <p:blipFill>
+          <a:blip r:embed="rId4" cstate="print">
+            <a:extLst>
+              <a:ext uri="{28A0092B-C50C-407E-A947-70E740481C1C}">
+                <a14:useLocalDpi xmlns:a14="http://schemas.microsoft.com/office/drawing/2010/main" val="0"/>
+              </a:ext>
+            </a:extLst>
+          </a:blip>
+          <a:stretch>
+            <a:fillRect/>
+          </a:stretch>
+        </p:blipFill>
+        <p:spPr>
+          <a:xfrm>
+            <a:off x="4072672" y="3626339"/>
+            <a:ext cx="164342" cy="246184"/>
+          </a:xfrm>
+          <a:prstGeom prst="rect">
+            <a:avLst/>
+          </a:prstGeom>
+        </p:spPr>
+      </p:pic>
+      <p:sp>
+        <p:nvSpPr>
+          <p:cNvPr id="10" name="Flèche droite 9"/>
+          <p:cNvSpPr/>
+          <p:nvPr/>
+        </p:nvSpPr>
+        <p:spPr>
+          <a:xfrm rot="10800000">
+            <a:off x="3626769" y="3638922"/>
+            <a:ext cx="382954" cy="320431"/>
+          </a:xfrm>
+          <a:prstGeom prst="rightArrow">
+            <a:avLst/>
+          </a:prstGeom>
+        </p:spPr>
+        <p:style>
+          <a:lnRef idx="2">
+            <a:schemeClr val="accent1">
+              <a:shade val="50000"/>
+            </a:schemeClr>
+          </a:lnRef>
+          <a:fillRef idx="1">
+            <a:schemeClr val="accent1"/>
+          </a:fillRef>
+          <a:effectRef idx="0">
+            <a:schemeClr val="accent1"/>
+          </a:effectRef>
+          <a:fontRef idx="minor">
+            <a:schemeClr val="lt1"/>
+          </a:fontRef>
+        </p:style>
+        <p:txBody>
+          <a:bodyPr rtlCol="0" anchor="ctr"/>
+          <a:lstStyle/>
+          <a:p>
+            <a:pPr algn="ctr"/>
+            <a:endParaRPr lang="en-GB"/>
+          </a:p>
+        </p:txBody>
+      </p:sp>
+      <p:sp>
+        <p:nvSpPr>
+          <p:cNvPr id="11" name="Flèche droite 10"/>
+          <p:cNvSpPr/>
+          <p:nvPr/>
+        </p:nvSpPr>
+        <p:spPr>
+          <a:xfrm rot="16200000">
+            <a:off x="3943419" y="3265178"/>
+            <a:ext cx="382954" cy="320431"/>
+          </a:xfrm>
+          <a:prstGeom prst="rightArrow">
+            <a:avLst/>
+          </a:prstGeom>
+        </p:spPr>
+        <p:style>
+          <a:lnRef idx="2">
+            <a:schemeClr val="accent1">
+              <a:shade val="50000"/>
+            </a:schemeClr>
+          </a:lnRef>
+          <a:fillRef idx="1">
+            <a:schemeClr val="accent1"/>
+          </a:fillRef>
+          <a:effectRef idx="0">
+            <a:schemeClr val="accent1"/>
+          </a:effectRef>
+          <a:fontRef idx="minor">
+            <a:schemeClr val="lt1"/>
+          </a:fontRef>
+        </p:style>
+        <p:txBody>
+          <a:bodyPr rtlCol="0" anchor="ctr"/>
+          <a:lstStyle/>
+          <a:p>
+            <a:pPr algn="ctr"/>
+            <a:endParaRPr lang="en-GB"/>
+          </a:p>
+        </p:txBody>
+      </p:sp>
+      <p:sp>
+        <p:nvSpPr>
+          <p:cNvPr id="12" name="Flèche droite 11"/>
+          <p:cNvSpPr/>
+          <p:nvPr/>
+        </p:nvSpPr>
+        <p:spPr>
+          <a:xfrm>
+            <a:off x="4300512" y="3626339"/>
+            <a:ext cx="382954" cy="320431"/>
+          </a:xfrm>
+          <a:prstGeom prst="rightArrow">
+            <a:avLst/>
+          </a:prstGeom>
+        </p:spPr>
+        <p:style>
+          <a:lnRef idx="2">
+            <a:schemeClr val="accent1">
+              <a:shade val="50000"/>
+            </a:schemeClr>
+          </a:lnRef>
+          <a:fillRef idx="1">
+            <a:schemeClr val="accent1"/>
+          </a:fillRef>
+          <a:effectRef idx="0">
+            <a:schemeClr val="accent1"/>
+          </a:effectRef>
+          <a:fontRef idx="minor">
+            <a:schemeClr val="lt1"/>
+          </a:fontRef>
+        </p:style>
+        <p:txBody>
+          <a:bodyPr rtlCol="0" anchor="ctr"/>
+          <a:lstStyle/>
+          <a:p>
+            <a:pPr algn="ctr"/>
+            <a:endParaRPr lang="en-GB"/>
+          </a:p>
+        </p:txBody>
+      </p:sp>
+      <p:sp>
+        <p:nvSpPr>
+          <p:cNvPr id="13" name="Flèche droite 12"/>
+          <p:cNvSpPr/>
+          <p:nvPr/>
+        </p:nvSpPr>
+        <p:spPr>
+          <a:xfrm rot="5400000">
+            <a:off x="3931500" y="3973674"/>
+            <a:ext cx="382954" cy="320431"/>
+          </a:xfrm>
+          <a:prstGeom prst="rightArrow">
+            <a:avLst/>
+          </a:prstGeom>
+        </p:spPr>
+        <p:style>
+          <a:lnRef idx="2">
+            <a:schemeClr val="accent1">
+              <a:shade val="50000"/>
+            </a:schemeClr>
+          </a:lnRef>
+          <a:fillRef idx="1">
+            <a:schemeClr val="accent1"/>
+          </a:fillRef>
+          <a:effectRef idx="0">
+            <a:schemeClr val="accent1"/>
+          </a:effectRef>
+          <a:fontRef idx="minor">
+            <a:schemeClr val="lt1"/>
+          </a:fontRef>
+        </p:style>
+        <p:txBody>
+          <a:bodyPr rtlCol="0" anchor="ctr"/>
+          <a:lstStyle/>
+          <a:p>
+            <a:pPr algn="ctr"/>
             <a:endParaRPr lang="en-GB"/>
           </a:p>
         </p:txBody>
@@ -12515,7 +14930,7 @@
     </p:spTree>
     <p:extLst>
       <p:ext uri="{BB962C8B-B14F-4D97-AF65-F5344CB8AC3E}">
-        <p14:creationId xmlns:p14="http://schemas.microsoft.com/office/powerpoint/2010/main" val="3190174673"/>
+        <p14:creationId xmlns:p14="http://schemas.microsoft.com/office/powerpoint/2010/main" val="3775759018"/>
       </p:ext>
     </p:extLst>
   </p:cSld>
@@ -12551,22 +14966,28 @@
       </p:grpSpPr>
       <p:pic>
         <p:nvPicPr>
-          <p:cNvPr id="5" name="Image 4"/>
+          <p:cNvPr id="14" name="Image 13"/>
           <p:cNvPicPr>
             <a:picLocks noChangeAspect="1"/>
           </p:cNvPicPr>
           <p:nvPr/>
         </p:nvPicPr>
         <p:blipFill>
-          <a:blip r:embed="rId2"/>
+          <a:blip r:embed="rId2" cstate="print">
+            <a:extLst>
+              <a:ext uri="{28A0092B-C50C-407E-A947-70E740481C1C}">
+                <a14:useLocalDpi xmlns:a14="http://schemas.microsoft.com/office/drawing/2010/main" val="0"/>
+              </a:ext>
+            </a:extLst>
+          </a:blip>
           <a:stretch>
             <a:fillRect/>
           </a:stretch>
         </p:blipFill>
         <p:spPr>
           <a:xfrm>
-            <a:off x="95250" y="47625"/>
-            <a:ext cx="12001500" cy="6762750"/>
+            <a:off x="5857533" y="5211456"/>
+            <a:ext cx="895428" cy="895428"/>
           </a:xfrm>
           <a:prstGeom prst="rect">
             <a:avLst/>
@@ -12583,33 +15004,635 @@
             <p:ph type="title"/>
           </p:nvPr>
         </p:nvSpPr>
-        <p:spPr>
-          <a:xfrm>
-            <a:off x="4370120" y="163522"/>
-            <a:ext cx="5876614" cy="379192"/>
-          </a:xfrm>
-          <a:solidFill>
-            <a:schemeClr val="bg1">
-              <a:alpha val="60000"/>
-            </a:schemeClr>
-          </a:solidFill>
-        </p:spPr>
+        <p:spPr/>
         <p:txBody>
           <a:bodyPr/>
           <a:lstStyle/>
           <a:p>
             <a:r>
               <a:rPr lang="en-GB" dirty="0" smtClean="0"/>
-              <a:t>Control Room graphical interface description</a:t>
+              <a:t>Zoom</a:t>
             </a:r>
             <a:endParaRPr lang="en-GB" dirty="0"/>
+          </a:p>
+        </p:txBody>
+      </p:sp>
+      <p:sp>
+        <p:nvSpPr>
+          <p:cNvPr id="3" name="Espace réservé du contenu 2"/>
+          <p:cNvSpPr>
+            <a:spLocks noGrp="1"/>
+          </p:cNvSpPr>
+          <p:nvPr>
+            <p:ph idx="1"/>
+          </p:nvPr>
+        </p:nvSpPr>
+        <p:spPr>
+          <a:xfrm>
+            <a:off x="407218" y="863590"/>
+            <a:ext cx="10853931" cy="5010821"/>
+          </a:xfrm>
+        </p:spPr>
+        <p:txBody>
+          <a:bodyPr/>
+          <a:lstStyle/>
+          <a:p>
+            <a:r>
+              <a:rPr lang="en-GB" dirty="0" smtClean="0">
+                <a:solidFill>
+                  <a:schemeClr val="accent3"/>
+                </a:solidFill>
+              </a:rPr>
+              <a:t>Hold Right </a:t>
+            </a:r>
+            <a:r>
+              <a:rPr lang="en-GB" dirty="0" err="1" smtClean="0">
+                <a:solidFill>
+                  <a:schemeClr val="accent3"/>
+                </a:solidFill>
+              </a:rPr>
+              <a:t>Clic</a:t>
+            </a:r>
+            <a:r>
+              <a:rPr lang="en-GB" dirty="0" smtClean="0">
+                <a:solidFill>
+                  <a:schemeClr val="accent3"/>
+                </a:solidFill>
+              </a:rPr>
+              <a:t> </a:t>
+            </a:r>
+            <a:r>
+              <a:rPr lang="en-GB" dirty="0" smtClean="0"/>
+              <a:t>and moving: zoom in/out in x/y direction (x: right/left, y:up/down)</a:t>
+            </a:r>
+          </a:p>
+          <a:p>
+            <a:endParaRPr lang="en-GB" dirty="0"/>
+          </a:p>
+          <a:p>
+            <a:endParaRPr lang="en-GB" dirty="0" smtClean="0"/>
+          </a:p>
+          <a:p>
+            <a:endParaRPr lang="en-GB" dirty="0"/>
+          </a:p>
+          <a:p>
+            <a:endParaRPr lang="en-GB" dirty="0" smtClean="0"/>
+          </a:p>
+          <a:p>
+            <a:endParaRPr lang="en-GB" dirty="0"/>
+          </a:p>
+          <a:p>
+            <a:endParaRPr lang="en-GB" dirty="0" smtClean="0"/>
+          </a:p>
+          <a:p>
+            <a:endParaRPr lang="en-GB" dirty="0"/>
+          </a:p>
+          <a:p>
+            <a:endParaRPr lang="en-GB" dirty="0" smtClean="0"/>
+          </a:p>
+          <a:p>
+            <a:endParaRPr lang="en-GB" dirty="0"/>
+          </a:p>
+          <a:p>
+            <a:r>
+              <a:rPr lang="en-GB" dirty="0" smtClean="0">
+                <a:solidFill>
+                  <a:schemeClr val="accent2"/>
+                </a:solidFill>
+              </a:rPr>
+              <a:t>Central Wheel:</a:t>
+            </a:r>
+          </a:p>
+          <a:p>
+            <a:pPr lvl="1"/>
+            <a:r>
+              <a:rPr lang="en-GB" dirty="0" smtClean="0"/>
+              <a:t>If performed on the y axis: vertical zoom</a:t>
+            </a:r>
+          </a:p>
+          <a:p>
+            <a:pPr lvl="1"/>
+            <a:r>
+              <a:rPr lang="en-GB" dirty="0" smtClean="0"/>
+              <a:t>If performed on the x axis: horizontal zoom</a:t>
+            </a:r>
+          </a:p>
+          <a:p>
+            <a:pPr lvl="1"/>
+            <a:r>
+              <a:rPr lang="en-GB" dirty="0" smtClean="0"/>
+              <a:t>If performed on the graph zone: scaling</a:t>
+            </a:r>
+            <a:endParaRPr lang="en-GB" dirty="0"/>
+          </a:p>
+        </p:txBody>
+      </p:sp>
+      <p:pic>
+        <p:nvPicPr>
+          <p:cNvPr id="4" name="Image 3"/>
+          <p:cNvPicPr>
+            <a:picLocks noChangeAspect="1"/>
+          </p:cNvPicPr>
+          <p:nvPr/>
+        </p:nvPicPr>
+        <p:blipFill>
+          <a:blip r:embed="rId3"/>
+          <a:stretch>
+            <a:fillRect/>
+          </a:stretch>
+        </p:blipFill>
+        <p:spPr>
+          <a:xfrm>
+            <a:off x="6555214" y="1239699"/>
+            <a:ext cx="4196006" cy="2945333"/>
+          </a:xfrm>
+          <a:prstGeom prst="rect">
+            <a:avLst/>
+          </a:prstGeom>
+        </p:spPr>
+      </p:pic>
+      <p:pic>
+        <p:nvPicPr>
+          <p:cNvPr id="5" name="Image 4"/>
+          <p:cNvPicPr>
+            <a:picLocks noChangeAspect="1"/>
+          </p:cNvPicPr>
+          <p:nvPr/>
+        </p:nvPicPr>
+        <p:blipFill>
+          <a:blip r:embed="rId4"/>
+          <a:stretch>
+            <a:fillRect/>
+          </a:stretch>
+        </p:blipFill>
+        <p:spPr>
+          <a:xfrm>
+            <a:off x="1583900" y="1239700"/>
+            <a:ext cx="4196006" cy="2945333"/>
+          </a:xfrm>
+          <a:prstGeom prst="rect">
+            <a:avLst/>
+          </a:prstGeom>
+        </p:spPr>
+      </p:pic>
+      <p:pic>
+        <p:nvPicPr>
+          <p:cNvPr id="6" name="Image 5"/>
+          <p:cNvPicPr>
+            <a:picLocks noChangeAspect="1"/>
+          </p:cNvPicPr>
+          <p:nvPr/>
+        </p:nvPicPr>
+        <p:blipFill>
+          <a:blip r:embed="rId5" cstate="print">
+            <a:extLst>
+              <a:ext uri="{28A0092B-C50C-407E-A947-70E740481C1C}">
+                <a14:useLocalDpi xmlns:a14="http://schemas.microsoft.com/office/drawing/2010/main" val="0"/>
+              </a:ext>
+            </a:extLst>
+          </a:blip>
+          <a:stretch>
+            <a:fillRect/>
+          </a:stretch>
+        </p:blipFill>
+        <p:spPr>
+          <a:xfrm>
+            <a:off x="3838210" y="3032370"/>
+            <a:ext cx="164342" cy="246184"/>
+          </a:xfrm>
+          <a:prstGeom prst="rect">
+            <a:avLst/>
+          </a:prstGeom>
+        </p:spPr>
+      </p:pic>
+      <p:sp>
+        <p:nvSpPr>
+          <p:cNvPr id="7" name="Flèche droite 6"/>
+          <p:cNvSpPr/>
+          <p:nvPr/>
+        </p:nvSpPr>
+        <p:spPr>
+          <a:xfrm rot="10800000">
+            <a:off x="3384491" y="3032370"/>
+            <a:ext cx="382954" cy="320431"/>
+          </a:xfrm>
+          <a:prstGeom prst="rightArrow">
+            <a:avLst/>
+          </a:prstGeom>
+        </p:spPr>
+        <p:style>
+          <a:lnRef idx="2">
+            <a:schemeClr val="accent3">
+              <a:shade val="50000"/>
+            </a:schemeClr>
+          </a:lnRef>
+          <a:fillRef idx="1">
+            <a:schemeClr val="accent3"/>
+          </a:fillRef>
+          <a:effectRef idx="0">
+            <a:schemeClr val="accent3"/>
+          </a:effectRef>
+          <a:fontRef idx="minor">
+            <a:schemeClr val="lt1"/>
+          </a:fontRef>
+        </p:style>
+        <p:txBody>
+          <a:bodyPr rtlCol="0" anchor="ctr"/>
+          <a:lstStyle/>
+          <a:p>
+            <a:pPr algn="ctr"/>
+            <a:endParaRPr lang="en-GB"/>
+          </a:p>
+        </p:txBody>
+      </p:sp>
+      <p:sp>
+        <p:nvSpPr>
+          <p:cNvPr id="8" name="Flèche droite 7"/>
+          <p:cNvSpPr/>
+          <p:nvPr/>
+        </p:nvSpPr>
+        <p:spPr>
+          <a:xfrm rot="16200000">
+            <a:off x="3701141" y="2658626"/>
+            <a:ext cx="382954" cy="320431"/>
+          </a:xfrm>
+          <a:prstGeom prst="rightArrow">
+            <a:avLst/>
+          </a:prstGeom>
+        </p:spPr>
+        <p:style>
+          <a:lnRef idx="2">
+            <a:schemeClr val="accent3">
+              <a:shade val="50000"/>
+            </a:schemeClr>
+          </a:lnRef>
+          <a:fillRef idx="1">
+            <a:schemeClr val="accent3"/>
+          </a:fillRef>
+          <a:effectRef idx="0">
+            <a:schemeClr val="accent3"/>
+          </a:effectRef>
+          <a:fontRef idx="minor">
+            <a:schemeClr val="lt1"/>
+          </a:fontRef>
+        </p:style>
+        <p:txBody>
+          <a:bodyPr rtlCol="0" anchor="ctr"/>
+          <a:lstStyle/>
+          <a:p>
+            <a:pPr algn="ctr"/>
+            <a:endParaRPr lang="en-GB"/>
+          </a:p>
+        </p:txBody>
+      </p:sp>
+      <p:sp>
+        <p:nvSpPr>
+          <p:cNvPr id="9" name="Flèche droite 8"/>
+          <p:cNvSpPr/>
+          <p:nvPr/>
+        </p:nvSpPr>
+        <p:spPr>
+          <a:xfrm>
+            <a:off x="4058234" y="3019787"/>
+            <a:ext cx="382954" cy="320431"/>
+          </a:xfrm>
+          <a:prstGeom prst="rightArrow">
+            <a:avLst/>
+          </a:prstGeom>
+        </p:spPr>
+        <p:style>
+          <a:lnRef idx="2">
+            <a:schemeClr val="accent3">
+              <a:shade val="50000"/>
+            </a:schemeClr>
+          </a:lnRef>
+          <a:fillRef idx="1">
+            <a:schemeClr val="accent3"/>
+          </a:fillRef>
+          <a:effectRef idx="0">
+            <a:schemeClr val="accent3"/>
+          </a:effectRef>
+          <a:fontRef idx="minor">
+            <a:schemeClr val="lt1"/>
+          </a:fontRef>
+        </p:style>
+        <p:txBody>
+          <a:bodyPr rtlCol="0" anchor="ctr"/>
+          <a:lstStyle/>
+          <a:p>
+            <a:pPr algn="ctr"/>
+            <a:endParaRPr lang="en-GB"/>
+          </a:p>
+        </p:txBody>
+      </p:sp>
+      <p:sp>
+        <p:nvSpPr>
+          <p:cNvPr id="10" name="Flèche droite 9"/>
+          <p:cNvSpPr/>
+          <p:nvPr/>
+        </p:nvSpPr>
+        <p:spPr>
+          <a:xfrm rot="5400000">
+            <a:off x="3689222" y="3367122"/>
+            <a:ext cx="382954" cy="320431"/>
+          </a:xfrm>
+          <a:prstGeom prst="rightArrow">
+            <a:avLst/>
+          </a:prstGeom>
+        </p:spPr>
+        <p:style>
+          <a:lnRef idx="2">
+            <a:schemeClr val="accent3">
+              <a:shade val="50000"/>
+            </a:schemeClr>
+          </a:lnRef>
+          <a:fillRef idx="1">
+            <a:schemeClr val="accent3"/>
+          </a:fillRef>
+          <a:effectRef idx="0">
+            <a:schemeClr val="accent3"/>
+          </a:effectRef>
+          <a:fontRef idx="minor">
+            <a:schemeClr val="lt1"/>
+          </a:fontRef>
+        </p:style>
+        <p:txBody>
+          <a:bodyPr rtlCol="0" anchor="ctr"/>
+          <a:lstStyle/>
+          <a:p>
+            <a:pPr algn="ctr"/>
+            <a:endParaRPr lang="en-GB"/>
+          </a:p>
+        </p:txBody>
+      </p:sp>
+      <p:pic>
+        <p:nvPicPr>
+          <p:cNvPr id="11" name="Image 10"/>
+          <p:cNvPicPr>
+            <a:picLocks noChangeAspect="1"/>
+          </p:cNvPicPr>
+          <p:nvPr/>
+        </p:nvPicPr>
+        <p:blipFill>
+          <a:blip r:embed="rId3"/>
+          <a:stretch>
+            <a:fillRect/>
+          </a:stretch>
+        </p:blipFill>
+        <p:spPr>
+          <a:xfrm>
+            <a:off x="6800241" y="4349231"/>
+            <a:ext cx="3140929" cy="2204735"/>
+          </a:xfrm>
+          <a:prstGeom prst="rect">
+            <a:avLst/>
+          </a:prstGeom>
+        </p:spPr>
+      </p:pic>
+      <p:sp>
+        <p:nvSpPr>
+          <p:cNvPr id="12" name="Flèche droite 11"/>
+          <p:cNvSpPr/>
+          <p:nvPr/>
+        </p:nvSpPr>
+        <p:spPr>
+          <a:xfrm rot="16200000">
+            <a:off x="6888848" y="5445050"/>
+            <a:ext cx="203200" cy="151841"/>
+          </a:xfrm>
+          <a:prstGeom prst="rightArrow">
+            <a:avLst/>
+          </a:prstGeom>
+        </p:spPr>
+        <p:style>
+          <a:lnRef idx="2">
+            <a:schemeClr val="accent2">
+              <a:shade val="50000"/>
+            </a:schemeClr>
+          </a:lnRef>
+          <a:fillRef idx="1">
+            <a:schemeClr val="accent2"/>
+          </a:fillRef>
+          <a:effectRef idx="0">
+            <a:schemeClr val="accent2"/>
+          </a:effectRef>
+          <a:fontRef idx="minor">
+            <a:schemeClr val="lt1"/>
+          </a:fontRef>
+        </p:style>
+        <p:txBody>
+          <a:bodyPr rtlCol="0" anchor="ctr"/>
+          <a:lstStyle/>
+          <a:p>
+            <a:pPr algn="ctr"/>
+            <a:endParaRPr lang="en-GB"/>
+          </a:p>
+        </p:txBody>
+      </p:sp>
+      <p:sp>
+        <p:nvSpPr>
+          <p:cNvPr id="13" name="Flèche droite 12"/>
+          <p:cNvSpPr/>
+          <p:nvPr/>
+        </p:nvSpPr>
+        <p:spPr>
+          <a:xfrm rot="5400000">
+            <a:off x="6888847" y="5696891"/>
+            <a:ext cx="203201" cy="151840"/>
+          </a:xfrm>
+          <a:prstGeom prst="rightArrow">
+            <a:avLst/>
+          </a:prstGeom>
+        </p:spPr>
+        <p:style>
+          <a:lnRef idx="2">
+            <a:schemeClr val="accent2">
+              <a:shade val="50000"/>
+            </a:schemeClr>
+          </a:lnRef>
+          <a:fillRef idx="1">
+            <a:schemeClr val="accent2"/>
+          </a:fillRef>
+          <a:effectRef idx="0">
+            <a:schemeClr val="accent2"/>
+          </a:effectRef>
+          <a:fontRef idx="minor">
+            <a:schemeClr val="lt1"/>
+          </a:fontRef>
+        </p:style>
+        <p:txBody>
+          <a:bodyPr rtlCol="0" anchor="ctr"/>
+          <a:lstStyle/>
+          <a:p>
+            <a:pPr algn="ctr"/>
+            <a:endParaRPr lang="en-GB"/>
+          </a:p>
+        </p:txBody>
+      </p:sp>
+      <p:sp>
+        <p:nvSpPr>
+          <p:cNvPr id="15" name="Flèche droite 14"/>
+          <p:cNvSpPr/>
+          <p:nvPr/>
+        </p:nvSpPr>
+        <p:spPr>
+          <a:xfrm rot="16200000">
+            <a:off x="8485873" y="6163819"/>
+            <a:ext cx="203200" cy="151841"/>
+          </a:xfrm>
+          <a:prstGeom prst="rightArrow">
+            <a:avLst/>
+          </a:prstGeom>
+        </p:spPr>
+        <p:style>
+          <a:lnRef idx="2">
+            <a:schemeClr val="accent2">
+              <a:shade val="50000"/>
+            </a:schemeClr>
+          </a:lnRef>
+          <a:fillRef idx="1">
+            <a:schemeClr val="accent2"/>
+          </a:fillRef>
+          <a:effectRef idx="0">
+            <a:schemeClr val="accent2"/>
+          </a:effectRef>
+          <a:fontRef idx="minor">
+            <a:schemeClr val="lt1"/>
+          </a:fontRef>
+        </p:style>
+        <p:txBody>
+          <a:bodyPr rtlCol="0" anchor="ctr"/>
+          <a:lstStyle/>
+          <a:p>
+            <a:pPr algn="ctr"/>
+            <a:endParaRPr lang="en-GB"/>
+          </a:p>
+        </p:txBody>
+      </p:sp>
+      <p:sp>
+        <p:nvSpPr>
+          <p:cNvPr id="16" name="Flèche droite 15"/>
+          <p:cNvSpPr/>
+          <p:nvPr/>
+        </p:nvSpPr>
+        <p:spPr>
+          <a:xfrm rot="5400000">
+            <a:off x="8485872" y="6415660"/>
+            <a:ext cx="203201" cy="151840"/>
+          </a:xfrm>
+          <a:prstGeom prst="rightArrow">
+            <a:avLst/>
+          </a:prstGeom>
+        </p:spPr>
+        <p:style>
+          <a:lnRef idx="2">
+            <a:schemeClr val="accent2">
+              <a:shade val="50000"/>
+            </a:schemeClr>
+          </a:lnRef>
+          <a:fillRef idx="1">
+            <a:schemeClr val="accent2"/>
+          </a:fillRef>
+          <a:effectRef idx="0">
+            <a:schemeClr val="accent2"/>
+          </a:effectRef>
+          <a:fontRef idx="minor">
+            <a:schemeClr val="lt1"/>
+          </a:fontRef>
+        </p:style>
+        <p:txBody>
+          <a:bodyPr rtlCol="0" anchor="ctr"/>
+          <a:lstStyle/>
+          <a:p>
+            <a:pPr algn="ctr"/>
+            <a:endParaRPr lang="en-GB"/>
+          </a:p>
+        </p:txBody>
+      </p:sp>
+      <p:sp>
+        <p:nvSpPr>
+          <p:cNvPr id="17" name="Flèche droite 16"/>
+          <p:cNvSpPr/>
+          <p:nvPr/>
+        </p:nvSpPr>
+        <p:spPr>
+          <a:xfrm rot="16200000">
+            <a:off x="8892273" y="5237136"/>
+            <a:ext cx="203200" cy="151841"/>
+          </a:xfrm>
+          <a:prstGeom prst="rightArrow">
+            <a:avLst/>
+          </a:prstGeom>
+        </p:spPr>
+        <p:style>
+          <a:lnRef idx="2">
+            <a:schemeClr val="accent2">
+              <a:shade val="50000"/>
+            </a:schemeClr>
+          </a:lnRef>
+          <a:fillRef idx="1">
+            <a:schemeClr val="accent2"/>
+          </a:fillRef>
+          <a:effectRef idx="0">
+            <a:schemeClr val="accent2"/>
+          </a:effectRef>
+          <a:fontRef idx="minor">
+            <a:schemeClr val="lt1"/>
+          </a:fontRef>
+        </p:style>
+        <p:txBody>
+          <a:bodyPr rtlCol="0" anchor="ctr"/>
+          <a:lstStyle/>
+          <a:p>
+            <a:pPr algn="ctr"/>
+            <a:endParaRPr lang="en-GB"/>
+          </a:p>
+        </p:txBody>
+      </p:sp>
+      <p:sp>
+        <p:nvSpPr>
+          <p:cNvPr id="18" name="Flèche droite 17"/>
+          <p:cNvSpPr/>
+          <p:nvPr/>
+        </p:nvSpPr>
+        <p:spPr>
+          <a:xfrm rot="5400000">
+            <a:off x="8892272" y="5488977"/>
+            <a:ext cx="203201" cy="151840"/>
+          </a:xfrm>
+          <a:prstGeom prst="rightArrow">
+            <a:avLst/>
+          </a:prstGeom>
+        </p:spPr>
+        <p:style>
+          <a:lnRef idx="2">
+            <a:schemeClr val="accent2">
+              <a:shade val="50000"/>
+            </a:schemeClr>
+          </a:lnRef>
+          <a:fillRef idx="1">
+            <a:schemeClr val="accent2"/>
+          </a:fillRef>
+          <a:effectRef idx="0">
+            <a:schemeClr val="accent2"/>
+          </a:effectRef>
+          <a:fontRef idx="minor">
+            <a:schemeClr val="lt1"/>
+          </a:fontRef>
+        </p:style>
+        <p:txBody>
+          <a:bodyPr rtlCol="0" anchor="ctr"/>
+          <a:lstStyle/>
+          <a:p>
+            <a:pPr algn="ctr"/>
+            <a:endParaRPr lang="en-GB"/>
           </a:p>
         </p:txBody>
       </p:sp>
     </p:spTree>
     <p:extLst>
       <p:ext uri="{BB962C8B-B14F-4D97-AF65-F5344CB8AC3E}">
-        <p14:creationId xmlns:p14="http://schemas.microsoft.com/office/powerpoint/2010/main" val="1269417001"/>
+        <p14:creationId xmlns:p14="http://schemas.microsoft.com/office/powerpoint/2010/main" val="237251418"/>
       </p:ext>
     </p:extLst>
   </p:cSld>
@@ -12643,9 +15666,99 @@
           <a:chExt cx="0" cy="0"/>
         </a:xfrm>
       </p:grpSpPr>
+      <p:sp>
+        <p:nvSpPr>
+          <p:cNvPr id="2" name="Titre 1"/>
+          <p:cNvSpPr>
+            <a:spLocks noGrp="1"/>
+          </p:cNvSpPr>
+          <p:nvPr>
+            <p:ph type="title"/>
+          </p:nvPr>
+        </p:nvSpPr>
+        <p:spPr/>
+        <p:txBody>
+          <a:bodyPr/>
+          <a:lstStyle/>
+          <a:p>
+            <a:r>
+              <a:rPr lang="en-GB" dirty="0" smtClean="0"/>
+              <a:t>Curve </a:t>
+            </a:r>
+            <a:r>
+              <a:rPr lang="en-GB" dirty="0" err="1" smtClean="0"/>
+              <a:t>Colors</a:t>
+            </a:r>
+            <a:r>
+              <a:rPr lang="en-GB" dirty="0" smtClean="0"/>
+              <a:t> (1/2)</a:t>
+            </a:r>
+            <a:endParaRPr lang="en-GB" dirty="0"/>
+          </a:p>
+        </p:txBody>
+      </p:sp>
+      <p:sp>
+        <p:nvSpPr>
+          <p:cNvPr id="3" name="Espace réservé du contenu 2"/>
+          <p:cNvSpPr>
+            <a:spLocks noGrp="1"/>
+          </p:cNvSpPr>
+          <p:nvPr>
+            <p:ph idx="1"/>
+          </p:nvPr>
+        </p:nvSpPr>
+        <p:spPr>
+          <a:xfrm>
+            <a:off x="499873" y="1293436"/>
+            <a:ext cx="4910328" cy="3398584"/>
+          </a:xfrm>
+        </p:spPr>
+        <p:txBody>
+          <a:bodyPr/>
+          <a:lstStyle/>
+          <a:p>
+            <a:r>
+              <a:rPr lang="en-GB" dirty="0" smtClean="0"/>
+              <a:t>Default: </a:t>
+            </a:r>
+            <a:r>
+              <a:rPr lang="en-GB" dirty="0" err="1" smtClean="0"/>
+              <a:t>color</a:t>
+            </a:r>
+            <a:r>
+              <a:rPr lang="en-GB" dirty="0" smtClean="0"/>
+              <a:t> corresponds with pulse number</a:t>
+            </a:r>
+          </a:p>
+          <a:p>
+            <a:endParaRPr lang="en-GB" dirty="0"/>
+          </a:p>
+          <a:p>
+            <a:endParaRPr lang="en-GB" dirty="0" smtClean="0"/>
+          </a:p>
+          <a:p>
+            <a:endParaRPr lang="en-GB" dirty="0"/>
+          </a:p>
+          <a:p>
+            <a:endParaRPr lang="en-GB" dirty="0" smtClean="0"/>
+          </a:p>
+          <a:p>
+            <a:endParaRPr lang="en-GB" dirty="0"/>
+          </a:p>
+          <a:p>
+            <a:endParaRPr lang="en-GB" dirty="0" smtClean="0"/>
+          </a:p>
+          <a:p>
+            <a:endParaRPr lang="en-GB" dirty="0"/>
+          </a:p>
+          <a:p>
+            <a:endParaRPr lang="en-GB" dirty="0" smtClean="0"/>
+          </a:p>
+        </p:txBody>
+      </p:sp>
       <p:pic>
         <p:nvPicPr>
-          <p:cNvPr id="5" name="Image 4"/>
+          <p:cNvPr id="4" name="Image 3"/>
           <p:cNvPicPr>
             <a:picLocks noChangeAspect="1"/>
           </p:cNvPicPr>
@@ -12659,24 +15772,47 @@
         </p:blipFill>
         <p:spPr>
           <a:xfrm>
-            <a:off x="95250" y="47625"/>
-            <a:ext cx="12001500" cy="6762750"/>
+            <a:off x="5667673" y="1414462"/>
+            <a:ext cx="5959454" cy="4562475"/>
           </a:xfrm>
           <a:prstGeom prst="rect">
             <a:avLst/>
           </a:prstGeom>
         </p:spPr>
       </p:pic>
-      <p:sp>
-        <p:nvSpPr>
-          <p:cNvPr id="3" name="Rectangle 2"/>
+      <p:pic>
+        <p:nvPicPr>
+          <p:cNvPr id="6" name="Image 5"/>
+          <p:cNvPicPr>
+            <a:picLocks noChangeAspect="1"/>
+          </p:cNvPicPr>
+          <p:nvPr/>
+        </p:nvPicPr>
+        <p:blipFill rotWithShape="1">
+          <a:blip r:embed="rId3"/>
+          <a:srcRect l="48617" t="20715" r="44775" b="59597"/>
+          <a:stretch/>
+        </p:blipFill>
+        <p:spPr>
+          <a:xfrm>
+            <a:off x="1143000" y="1976888"/>
+            <a:ext cx="3276600" cy="2254045"/>
+          </a:xfrm>
+          <a:prstGeom prst="rect">
+            <a:avLst/>
+          </a:prstGeom>
+        </p:spPr>
+      </p:pic>
+      <p:sp>
+        <p:nvSpPr>
+          <p:cNvPr id="7" name="Rectangle 6"/>
           <p:cNvSpPr/>
           <p:nvPr/>
         </p:nvSpPr>
         <p:spPr>
           <a:xfrm>
-            <a:off x="240643" y="1075877"/>
-            <a:ext cx="2641102" cy="291258"/>
+            <a:off x="1781175" y="2498799"/>
+            <a:ext cx="2419350" cy="301551"/>
           </a:xfrm>
           <a:prstGeom prst="rect">
             <a:avLst/>
@@ -12684,7 +15820,7 @@
           <a:noFill/>
           <a:ln w="38100">
             <a:solidFill>
-              <a:schemeClr val="tx2"/>
+              <a:schemeClr val="accent3"/>
             </a:solidFill>
           </a:ln>
         </p:spPr>
@@ -12709,475 +15845,14 @@
           <a:lstStyle/>
           <a:p>
             <a:pPr algn="ctr"/>
-            <a:endParaRPr lang="en-GB" dirty="0"/>
-          </a:p>
-        </p:txBody>
-      </p:sp>
-      <p:sp>
-        <p:nvSpPr>
-          <p:cNvPr id="4" name="ZoneTexte 3"/>
-          <p:cNvSpPr txBox="1"/>
-          <p:nvPr/>
-        </p:nvSpPr>
-        <p:spPr>
-          <a:xfrm>
-            <a:off x="4333679" y="650622"/>
-            <a:ext cx="3363806" cy="738664"/>
-          </a:xfrm>
-          <a:prstGeom prst="rect">
-            <a:avLst/>
-          </a:prstGeom>
-          <a:solidFill>
-            <a:schemeClr val="bg1">
-              <a:lumMod val="85000"/>
-              <a:alpha val="60000"/>
-            </a:schemeClr>
-          </a:solidFill>
-          <a:ln>
-            <a:solidFill>
-              <a:schemeClr val="tx2"/>
-            </a:solidFill>
-          </a:ln>
-        </p:spPr>
-        <p:txBody>
-          <a:bodyPr wrap="none" rtlCol="0">
-            <a:spAutoFit/>
-          </a:bodyPr>
-          <a:lstStyle/>
-          <a:p>
-            <a:r>
-              <a:rPr lang="en-GB" sz="1400" dirty="0" smtClean="0">
-                <a:solidFill>
-                  <a:schemeClr val="tx2">
-                    <a:lumMod val="75000"/>
-                  </a:schemeClr>
-                </a:solidFill>
-              </a:rPr>
-              <a:t>“Tabs”. </a:t>
-            </a:r>
-            <a:endParaRPr lang="en-GB" sz="1400" dirty="0" smtClean="0">
-              <a:solidFill>
-                <a:schemeClr val="tx2">
-                  <a:lumMod val="75000"/>
-                </a:schemeClr>
-              </a:solidFill>
-            </a:endParaRPr>
-          </a:p>
-          <a:p>
-            <a:r>
-              <a:rPr lang="en-GB" sz="1400" dirty="0" smtClean="0">
-                <a:solidFill>
-                  <a:schemeClr val="tx2">
-                    <a:lumMod val="75000"/>
-                  </a:schemeClr>
-                </a:solidFill>
-              </a:rPr>
-              <a:t>A Tab contains one of few Panels</a:t>
-            </a:r>
-          </a:p>
-          <a:p>
-            <a:r>
-              <a:rPr lang="en-GB" sz="1400" dirty="0" smtClean="0">
-                <a:solidFill>
-                  <a:schemeClr val="tx2">
-                    <a:lumMod val="75000"/>
-                  </a:schemeClr>
-                </a:solidFill>
-              </a:rPr>
-              <a:t>Tabs can be added, renamed and removed. </a:t>
-            </a:r>
-            <a:endParaRPr lang="en-GB" sz="1400" dirty="0">
-              <a:solidFill>
-                <a:schemeClr val="tx2">
-                  <a:lumMod val="75000"/>
-                </a:schemeClr>
-              </a:solidFill>
-            </a:endParaRPr>
-          </a:p>
-        </p:txBody>
-      </p:sp>
-      <p:cxnSp>
-        <p:nvCxnSpPr>
-          <p:cNvPr id="6" name="Connecteur droit avec flèche 5"/>
-          <p:cNvCxnSpPr/>
-          <p:nvPr/>
-        </p:nvCxnSpPr>
-        <p:spPr>
-          <a:xfrm flipH="1">
-            <a:off x="2606479" y="838315"/>
-            <a:ext cx="1698821" cy="141525"/>
-          </a:xfrm>
-          <a:prstGeom prst="straightConnector1">
-            <a:avLst/>
-          </a:prstGeom>
-          <a:ln>
-            <a:solidFill>
-              <a:schemeClr val="tx1"/>
-            </a:solidFill>
-            <a:tailEnd type="triangle"/>
-          </a:ln>
-        </p:spPr>
-        <p:style>
-          <a:lnRef idx="1">
-            <a:schemeClr val="accent1"/>
-          </a:lnRef>
-          <a:fillRef idx="0">
-            <a:schemeClr val="accent1"/>
-          </a:fillRef>
-          <a:effectRef idx="0">
-            <a:schemeClr val="accent1"/>
-          </a:effectRef>
-          <a:fontRef idx="minor">
-            <a:schemeClr val="tx1"/>
-          </a:fontRef>
-        </p:style>
-      </p:cxnSp>
-      <p:sp>
-        <p:nvSpPr>
-          <p:cNvPr id="7" name="Rectangle 6"/>
-          <p:cNvSpPr/>
-          <p:nvPr/>
-        </p:nvSpPr>
-        <p:spPr>
-          <a:xfrm>
-            <a:off x="151237" y="1488236"/>
-            <a:ext cx="11791381" cy="2446455"/>
-          </a:xfrm>
-          <a:prstGeom prst="rect">
-            <a:avLst/>
-          </a:prstGeom>
-          <a:noFill/>
-          <a:ln w="38100">
-            <a:solidFill>
-              <a:schemeClr val="accent2"/>
-            </a:solidFill>
-          </a:ln>
-        </p:spPr>
-        <p:style>
-          <a:lnRef idx="2">
-            <a:schemeClr val="accent1">
-              <a:shade val="50000"/>
-            </a:schemeClr>
-          </a:lnRef>
-          <a:fillRef idx="1">
-            <a:schemeClr val="accent1"/>
-          </a:fillRef>
-          <a:effectRef idx="0">
-            <a:schemeClr val="accent1"/>
-          </a:effectRef>
-          <a:fontRef idx="minor">
-            <a:schemeClr val="lt1"/>
-          </a:fontRef>
-        </p:style>
-        <p:txBody>
-          <a:bodyPr rtlCol="0" anchor="ctr"/>
-          <a:lstStyle/>
-          <a:p>
-            <a:pPr algn="ctr"/>
-            <a:endParaRPr lang="en-GB" dirty="0"/>
-          </a:p>
-        </p:txBody>
-      </p:sp>
-      <p:sp>
-        <p:nvSpPr>
-          <p:cNvPr id="8" name="ZoneTexte 7"/>
-          <p:cNvSpPr txBox="1"/>
-          <p:nvPr/>
-        </p:nvSpPr>
-        <p:spPr>
-          <a:xfrm>
-            <a:off x="6115961" y="1488236"/>
-            <a:ext cx="4082271" cy="738664"/>
-          </a:xfrm>
-          <a:prstGeom prst="rect">
-            <a:avLst/>
-          </a:prstGeom>
-          <a:solidFill>
-            <a:schemeClr val="bg1">
-              <a:lumMod val="85000"/>
-              <a:alpha val="60000"/>
-            </a:schemeClr>
-          </a:solidFill>
-          <a:ln>
-            <a:solidFill>
-              <a:schemeClr val="accent2"/>
-            </a:solidFill>
-          </a:ln>
-        </p:spPr>
-        <p:txBody>
-          <a:bodyPr wrap="none" rtlCol="0">
-            <a:spAutoFit/>
-          </a:bodyPr>
-          <a:lstStyle/>
-          <a:p>
-            <a:r>
-              <a:rPr lang="en-GB" sz="1400" dirty="0" smtClean="0">
-                <a:solidFill>
-                  <a:schemeClr val="accent2">
-                    <a:lumMod val="75000"/>
-                  </a:schemeClr>
-                </a:solidFill>
-              </a:rPr>
-              <a:t>“Panel”. </a:t>
-            </a:r>
-          </a:p>
-          <a:p>
-            <a:r>
-              <a:rPr lang="en-GB" sz="1400" dirty="0" smtClean="0">
-                <a:solidFill>
-                  <a:schemeClr val="accent2">
-                    <a:lumMod val="75000"/>
-                  </a:schemeClr>
-                </a:solidFill>
-              </a:rPr>
-              <a:t>Panel contains time-plot</a:t>
-            </a:r>
-          </a:p>
-          <a:p>
-            <a:r>
-              <a:rPr lang="en-GB" sz="1400" dirty="0" smtClean="0">
-                <a:solidFill>
-                  <a:schemeClr val="accent2">
-                    <a:lumMod val="75000"/>
-                  </a:schemeClr>
-                </a:solidFill>
-              </a:rPr>
-              <a:t>Panels can be added and removed (vertically stacked)</a:t>
-            </a:r>
-            <a:endParaRPr lang="en-GB" sz="1400" dirty="0">
-              <a:solidFill>
-                <a:schemeClr val="accent2">
-                  <a:lumMod val="75000"/>
-                </a:schemeClr>
-              </a:solidFill>
-            </a:endParaRPr>
-          </a:p>
-        </p:txBody>
-      </p:sp>
-      <p:sp>
-        <p:nvSpPr>
-          <p:cNvPr id="9" name="ZoneTexte 8"/>
-          <p:cNvSpPr txBox="1"/>
-          <p:nvPr/>
-        </p:nvSpPr>
-        <p:spPr>
-          <a:xfrm>
-            <a:off x="7002444" y="3228023"/>
-            <a:ext cx="1278748" cy="307777"/>
-          </a:xfrm>
-          <a:prstGeom prst="rect">
-            <a:avLst/>
-          </a:prstGeom>
-          <a:solidFill>
-            <a:schemeClr val="accent1">
-              <a:lumMod val="20000"/>
-              <a:lumOff val="80000"/>
-              <a:alpha val="60000"/>
-            </a:schemeClr>
-          </a:solidFill>
-          <a:ln>
-            <a:solidFill>
-              <a:schemeClr val="tx1"/>
-            </a:solidFill>
-          </a:ln>
-        </p:spPr>
-        <p:txBody>
-          <a:bodyPr wrap="none" rtlCol="0">
-            <a:spAutoFit/>
-          </a:bodyPr>
-          <a:lstStyle/>
-          <a:p>
-            <a:r>
-              <a:rPr lang="en-GB" sz="1400" dirty="0" smtClean="0"/>
-              <a:t>Time-plot zone</a:t>
-            </a:r>
-            <a:endParaRPr lang="en-GB" sz="1400" dirty="0"/>
-          </a:p>
-        </p:txBody>
-      </p:sp>
-      <p:sp>
-        <p:nvSpPr>
-          <p:cNvPr id="10" name="ZoneTexte 9"/>
-          <p:cNvSpPr txBox="1"/>
-          <p:nvPr/>
-        </p:nvSpPr>
-        <p:spPr>
-          <a:xfrm>
-            <a:off x="7029449" y="5847725"/>
-            <a:ext cx="1278748" cy="307777"/>
-          </a:xfrm>
-          <a:prstGeom prst="rect">
-            <a:avLst/>
-          </a:prstGeom>
-          <a:solidFill>
-            <a:schemeClr val="accent1">
-              <a:lumMod val="20000"/>
-              <a:lumOff val="80000"/>
-              <a:alpha val="60000"/>
-            </a:schemeClr>
-          </a:solidFill>
-          <a:ln>
-            <a:solidFill>
-              <a:schemeClr val="tx1"/>
-            </a:solidFill>
-          </a:ln>
-        </p:spPr>
-        <p:txBody>
-          <a:bodyPr wrap="none" rtlCol="0">
-            <a:spAutoFit/>
-          </a:bodyPr>
-          <a:lstStyle/>
-          <a:p>
-            <a:r>
-              <a:rPr lang="en-GB" sz="1400" dirty="0" smtClean="0"/>
-              <a:t>Time-plot zone</a:t>
-            </a:r>
-            <a:endParaRPr lang="en-GB" sz="1400" dirty="0"/>
-          </a:p>
-        </p:txBody>
-      </p:sp>
-      <p:sp>
-        <p:nvSpPr>
-          <p:cNvPr id="11" name="Rectangle 10"/>
-          <p:cNvSpPr/>
-          <p:nvPr/>
-        </p:nvSpPr>
-        <p:spPr>
-          <a:xfrm>
-            <a:off x="151237" y="4034352"/>
-            <a:ext cx="11791381" cy="2410646"/>
-          </a:xfrm>
-          <a:prstGeom prst="rect">
-            <a:avLst/>
-          </a:prstGeom>
-          <a:noFill/>
-          <a:ln w="38100">
-            <a:solidFill>
-              <a:schemeClr val="accent2"/>
-            </a:solidFill>
-          </a:ln>
-        </p:spPr>
-        <p:style>
-          <a:lnRef idx="2">
-            <a:schemeClr val="accent1">
-              <a:shade val="50000"/>
-            </a:schemeClr>
-          </a:lnRef>
-          <a:fillRef idx="1">
-            <a:schemeClr val="accent1"/>
-          </a:fillRef>
-          <a:effectRef idx="0">
-            <a:schemeClr val="accent1"/>
-          </a:effectRef>
-          <a:fontRef idx="minor">
-            <a:schemeClr val="lt1"/>
-          </a:fontRef>
-        </p:style>
-        <p:txBody>
-          <a:bodyPr rtlCol="0" anchor="ctr"/>
-          <a:lstStyle/>
-          <a:p>
-            <a:pPr algn="ctr"/>
-            <a:endParaRPr lang="en-GB" dirty="0"/>
-          </a:p>
-        </p:txBody>
-      </p:sp>
-      <p:sp>
-        <p:nvSpPr>
-          <p:cNvPr id="12" name="Rectangle 11"/>
-          <p:cNvSpPr/>
-          <p:nvPr/>
-        </p:nvSpPr>
-        <p:spPr>
-          <a:xfrm>
-            <a:off x="393043" y="270493"/>
-            <a:ext cx="382812" cy="269834"/>
-          </a:xfrm>
-          <a:prstGeom prst="rect">
-            <a:avLst/>
-          </a:prstGeom>
-          <a:noFill/>
-          <a:ln w="38100">
-            <a:solidFill>
-              <a:schemeClr val="tx2"/>
-            </a:solidFill>
-          </a:ln>
-        </p:spPr>
-        <p:style>
-          <a:lnRef idx="2">
-            <a:schemeClr val="accent1">
-              <a:shade val="50000"/>
-            </a:schemeClr>
-          </a:lnRef>
-          <a:fillRef idx="1">
-            <a:schemeClr val="accent1"/>
-          </a:fillRef>
-          <a:effectRef idx="0">
-            <a:schemeClr val="accent1"/>
-          </a:effectRef>
-          <a:fontRef idx="minor">
-            <a:schemeClr val="lt1"/>
-          </a:fontRef>
-        </p:style>
-        <p:txBody>
-          <a:bodyPr rtlCol="0" anchor="ctr"/>
-          <a:lstStyle/>
-          <a:p>
-            <a:pPr algn="ctr"/>
-            <a:endParaRPr lang="en-GB" dirty="0"/>
-          </a:p>
-        </p:txBody>
-      </p:sp>
-      <p:sp>
-        <p:nvSpPr>
-          <p:cNvPr id="13" name="Rectangle 12"/>
-          <p:cNvSpPr/>
-          <p:nvPr/>
-        </p:nvSpPr>
-        <p:spPr>
-          <a:xfrm>
-            <a:off x="775856" y="270493"/>
-            <a:ext cx="512618" cy="269834"/>
-          </a:xfrm>
-          <a:prstGeom prst="rect">
-            <a:avLst/>
-          </a:prstGeom>
-          <a:noFill/>
-          <a:ln w="38100">
-            <a:solidFill>
-              <a:schemeClr val="accent2"/>
-            </a:solidFill>
-          </a:ln>
-        </p:spPr>
-        <p:style>
-          <a:lnRef idx="2">
-            <a:schemeClr val="accent1">
-              <a:shade val="50000"/>
-            </a:schemeClr>
-          </a:lnRef>
-          <a:fillRef idx="1">
-            <a:schemeClr val="accent1"/>
-          </a:fillRef>
-          <a:effectRef idx="0">
-            <a:schemeClr val="accent1"/>
-          </a:effectRef>
-          <a:fontRef idx="minor">
-            <a:schemeClr val="lt1"/>
-          </a:fontRef>
-        </p:style>
-        <p:txBody>
-          <a:bodyPr rtlCol="0" anchor="ctr"/>
-          <a:lstStyle/>
-          <a:p>
-            <a:pPr algn="ctr"/>
-            <a:endParaRPr lang="en-GB" dirty="0"/>
+            <a:endParaRPr lang="en-GB"/>
           </a:p>
         </p:txBody>
       </p:sp>
     </p:spTree>
     <p:extLst>
       <p:ext uri="{BB962C8B-B14F-4D97-AF65-F5344CB8AC3E}">
-        <p14:creationId xmlns:p14="http://schemas.microsoft.com/office/powerpoint/2010/main" val="4170025247"/>
+        <p14:creationId xmlns:p14="http://schemas.microsoft.com/office/powerpoint/2010/main" val="3536403267"/>
       </p:ext>
     </p:extLst>
   </p:cSld>
@@ -13211,24 +15886,104 @@
           <a:chExt cx="0" cy="0"/>
         </a:xfrm>
       </p:grpSpPr>
+      <p:sp>
+        <p:nvSpPr>
+          <p:cNvPr id="2" name="Titre 1"/>
+          <p:cNvSpPr>
+            <a:spLocks noGrp="1"/>
+          </p:cNvSpPr>
+          <p:nvPr>
+            <p:ph type="title"/>
+          </p:nvPr>
+        </p:nvSpPr>
+        <p:spPr/>
+        <p:txBody>
+          <a:bodyPr/>
+          <a:lstStyle/>
+          <a:p>
+            <a:r>
+              <a:rPr lang="en-GB" dirty="0"/>
+              <a:t>Curve </a:t>
+            </a:r>
+            <a:r>
+              <a:rPr lang="en-GB" dirty="0" err="1"/>
+              <a:t>Colors</a:t>
+            </a:r>
+            <a:r>
+              <a:rPr lang="en-GB" dirty="0"/>
+              <a:t> </a:t>
+            </a:r>
+            <a:r>
+              <a:rPr lang="en-GB" dirty="0" smtClean="0"/>
+              <a:t>(2/2</a:t>
+            </a:r>
+            <a:r>
+              <a:rPr lang="en-GB" dirty="0"/>
+              <a:t>)</a:t>
+            </a:r>
+          </a:p>
+        </p:txBody>
+      </p:sp>
+      <p:sp>
+        <p:nvSpPr>
+          <p:cNvPr id="3" name="Espace réservé du contenu 2"/>
+          <p:cNvSpPr>
+            <a:spLocks noGrp="1"/>
+          </p:cNvSpPr>
+          <p:nvPr>
+            <p:ph idx="1"/>
+          </p:nvPr>
+        </p:nvSpPr>
+        <p:spPr>
+          <a:xfrm>
+            <a:off x="499872" y="1119383"/>
+            <a:ext cx="10853931" cy="663990"/>
+          </a:xfrm>
+        </p:spPr>
+        <p:txBody>
+          <a:bodyPr/>
+          <a:lstStyle/>
+          <a:p>
+            <a:r>
+              <a:rPr lang="en-GB" dirty="0" smtClean="0"/>
+              <a:t>Other choice: </a:t>
+            </a:r>
+            <a:r>
+              <a:rPr lang="en-GB" dirty="0" err="1" smtClean="0"/>
+              <a:t>Color</a:t>
+            </a:r>
+            <a:r>
+              <a:rPr lang="en-GB" dirty="0" smtClean="0"/>
+              <a:t> corresponds with signal names</a:t>
+            </a:r>
+          </a:p>
+          <a:p>
+            <a:pPr lvl="1"/>
+            <a:r>
+              <a:rPr lang="en-GB" dirty="0" smtClean="0"/>
+              <a:t>Line style change with pulse number</a:t>
+            </a:r>
+            <a:endParaRPr lang="en-GB" dirty="0"/>
+          </a:p>
+        </p:txBody>
+      </p:sp>
       <p:pic>
         <p:nvPicPr>
-          <p:cNvPr id="2" name="Image 1"/>
+          <p:cNvPr id="4" name="Image 3"/>
           <p:cNvPicPr>
             <a:picLocks noChangeAspect="1"/>
           </p:cNvPicPr>
           <p:nvPr/>
         </p:nvPicPr>
-        <p:blipFill>
+        <p:blipFill rotWithShape="1">
           <a:blip r:embed="rId2"/>
-          <a:stretch>
-            <a:fillRect/>
-          </a:stretch>
+          <a:srcRect l="42086" t="14392" r="29485" b="25042"/>
+          <a:stretch/>
         </p:blipFill>
         <p:spPr>
           <a:xfrm>
-            <a:off x="95250" y="47625"/>
-            <a:ext cx="12001500" cy="6762750"/>
+            <a:off x="1943100" y="1892300"/>
+            <a:ext cx="9209454" cy="4530056"/>
           </a:xfrm>
           <a:prstGeom prst="rect">
             <a:avLst/>
@@ -13237,412 +15992,22 @@
       </p:pic>
       <p:sp>
         <p:nvSpPr>
-          <p:cNvPr id="5" name="ZoneTexte 4"/>
-          <p:cNvSpPr txBox="1"/>
-          <p:nvPr/>
-        </p:nvSpPr>
-        <p:spPr>
-          <a:xfrm>
-            <a:off x="4717573" y="9223"/>
-            <a:ext cx="5839035" cy="1169551"/>
+          <p:cNvPr id="5" name="Rectangle 4"/>
+          <p:cNvSpPr/>
+          <p:nvPr/>
+        </p:nvSpPr>
+        <p:spPr>
+          <a:xfrm>
+            <a:off x="2711206" y="2110154"/>
+            <a:ext cx="1852979" cy="279617"/>
           </a:xfrm>
           <a:prstGeom prst="rect">
             <a:avLst/>
           </a:prstGeom>
-          <a:solidFill>
-            <a:schemeClr val="bg1">
-              <a:lumMod val="85000"/>
-              <a:alpha val="60000"/>
-            </a:schemeClr>
-          </a:solidFill>
-          <a:ln>
-            <a:solidFill>
-              <a:schemeClr val="tx1"/>
-            </a:solidFill>
-          </a:ln>
-        </p:spPr>
-        <p:txBody>
-          <a:bodyPr wrap="square" rtlCol="0">
-            <a:spAutoFit/>
-          </a:bodyPr>
-          <a:lstStyle/>
-          <a:p>
-            <a:r>
-              <a:rPr lang="fr-FR" sz="1400" dirty="0" smtClean="0"/>
-              <a:t>Pulse </a:t>
-            </a:r>
-            <a:r>
-              <a:rPr lang="fr-FR" sz="1400" dirty="0" err="1" smtClean="0"/>
-              <a:t>number</a:t>
-            </a:r>
-            <a:r>
-              <a:rPr lang="fr-FR" sz="1400" dirty="0" smtClean="0"/>
-              <a:t>(s) to plot (</a:t>
-            </a:r>
-            <a:r>
-              <a:rPr lang="fr-FR" sz="1400" dirty="0" err="1" smtClean="0"/>
-              <a:t>séparated</a:t>
-            </a:r>
-            <a:r>
-              <a:rPr lang="fr-FR" sz="1400" dirty="0" smtClean="0"/>
-              <a:t> by a comma « , »)</a:t>
-            </a:r>
-            <a:endParaRPr lang="fr-FR" sz="1400" dirty="0" smtClean="0"/>
-          </a:p>
-          <a:p>
-            <a:r>
-              <a:rPr lang="fr-FR" sz="1400" dirty="0" err="1" smtClean="0"/>
-              <a:t>Convenient</a:t>
-            </a:r>
-            <a:r>
-              <a:rPr lang="fr-FR" sz="1400" dirty="0" smtClean="0"/>
-              <a:t> </a:t>
-            </a:r>
-            <a:r>
-              <a:rPr lang="fr-FR" sz="1400" dirty="0" err="1" smtClean="0"/>
-              <a:t>aliases</a:t>
-            </a:r>
-            <a:r>
-              <a:rPr lang="fr-FR" sz="1400" dirty="0" smtClean="0"/>
-              <a:t>: </a:t>
-            </a:r>
-          </a:p>
-          <a:p>
-            <a:pPr marL="285750" indent="-285750">
-              <a:buFont typeface="Arial" panose="020B0604020202020204" pitchFamily="34" charset="0"/>
-              <a:buChar char="•"/>
-            </a:pPr>
-            <a:r>
-              <a:rPr lang="fr-FR" sz="1400" dirty="0" smtClean="0"/>
-              <a:t>0: </a:t>
-            </a:r>
-            <a:r>
-              <a:rPr lang="fr-FR" sz="1400" dirty="0" err="1" smtClean="0"/>
-              <a:t>next</a:t>
-            </a:r>
-            <a:r>
-              <a:rPr lang="fr-FR" sz="1400" dirty="0" smtClean="0"/>
-              <a:t> pulse (PCS </a:t>
-            </a:r>
-            <a:r>
-              <a:rPr lang="fr-FR" sz="1400" dirty="0" err="1" smtClean="0"/>
-              <a:t>waveforms</a:t>
-            </a:r>
-            <a:r>
-              <a:rPr lang="fr-FR" sz="1400" dirty="0" smtClean="0"/>
-              <a:t> </a:t>
-            </a:r>
-            <a:r>
-              <a:rPr lang="fr-FR" sz="1400" dirty="0" err="1" smtClean="0"/>
-              <a:t>only</a:t>
-            </a:r>
-            <a:r>
-              <a:rPr lang="fr-FR" sz="1400" dirty="0" smtClean="0"/>
-              <a:t>)</a:t>
-            </a:r>
-          </a:p>
-          <a:p>
-            <a:pPr marL="285750" indent="-285750">
-              <a:buFont typeface="Arial" panose="020B0604020202020204" pitchFamily="34" charset="0"/>
-              <a:buChar char="•"/>
-            </a:pPr>
-            <a:r>
-              <a:rPr lang="fr-FR" sz="1400" dirty="0" smtClean="0"/>
-              <a:t> </a:t>
-            </a:r>
-            <a:r>
-              <a:rPr lang="fr-FR" sz="1400" dirty="0" smtClean="0"/>
-              <a:t>-</a:t>
-            </a:r>
-            <a:r>
-              <a:rPr lang="fr-FR" sz="1400" dirty="0" smtClean="0"/>
-              <a:t>1: last pulse</a:t>
-            </a:r>
-          </a:p>
-          <a:p>
-            <a:pPr marL="285750" indent="-285750">
-              <a:buFont typeface="Arial" panose="020B0604020202020204" pitchFamily="34" charset="0"/>
-              <a:buChar char="•"/>
-            </a:pPr>
-            <a:r>
-              <a:rPr lang="fr-FR" sz="1400" dirty="0" smtClean="0"/>
-              <a:t>-2: </a:t>
-            </a:r>
-            <a:r>
-              <a:rPr lang="fr-FR" sz="1400" dirty="0" err="1" smtClean="0"/>
-              <a:t>before</a:t>
-            </a:r>
-            <a:r>
-              <a:rPr lang="fr-FR" sz="1400" dirty="0" smtClean="0"/>
-              <a:t> last pulse</a:t>
-            </a:r>
-            <a:r>
-              <a:rPr lang="fr-FR" sz="1400" dirty="0" smtClean="0"/>
-              <a:t>, </a:t>
-            </a:r>
-            <a:r>
-              <a:rPr lang="fr-FR" sz="1400" dirty="0" smtClean="0"/>
-              <a:t>etc. </a:t>
-            </a:r>
-            <a:endParaRPr lang="fr-FR" sz="1400" dirty="0"/>
-          </a:p>
-        </p:txBody>
-      </p:sp>
-      <p:cxnSp>
-        <p:nvCxnSpPr>
-          <p:cNvPr id="7" name="Connecteur droit avec flèche 6"/>
-          <p:cNvCxnSpPr>
-            <a:stCxn id="5" idx="1"/>
-            <a:endCxn id="30" idx="3"/>
-          </p:cNvCxnSpPr>
-          <p:nvPr/>
-        </p:nvCxnSpPr>
-        <p:spPr>
-          <a:xfrm flipH="1">
-            <a:off x="1908137" y="593999"/>
-            <a:ext cx="2809436" cy="212779"/>
-          </a:xfrm>
-          <a:prstGeom prst="straightConnector1">
-            <a:avLst/>
-          </a:prstGeom>
-          <a:ln>
-            <a:solidFill>
-              <a:schemeClr val="tx1"/>
-            </a:solidFill>
-            <a:tailEnd type="triangle"/>
-          </a:ln>
-        </p:spPr>
-        <p:style>
-          <a:lnRef idx="1">
-            <a:schemeClr val="accent1"/>
-          </a:lnRef>
-          <a:fillRef idx="0">
-            <a:schemeClr val="accent1"/>
-          </a:fillRef>
-          <a:effectRef idx="0">
-            <a:schemeClr val="accent1"/>
-          </a:effectRef>
-          <a:fontRef idx="minor">
-            <a:schemeClr val="tx1"/>
-          </a:fontRef>
-        </p:style>
-      </p:cxnSp>
-      <p:sp>
-        <p:nvSpPr>
-          <p:cNvPr id="18" name="ZoneTexte 17"/>
-          <p:cNvSpPr txBox="1"/>
-          <p:nvPr/>
-        </p:nvSpPr>
-        <p:spPr>
-          <a:xfrm>
-            <a:off x="362248" y="3186388"/>
-            <a:ext cx="3517791" cy="523220"/>
-          </a:xfrm>
-          <a:prstGeom prst="rect">
-            <a:avLst/>
-          </a:prstGeom>
-          <a:solidFill>
-            <a:schemeClr val="tx2">
-              <a:lumMod val="20000"/>
-              <a:lumOff val="80000"/>
-              <a:alpha val="90000"/>
-            </a:schemeClr>
-          </a:solidFill>
-          <a:ln>
-            <a:solidFill>
-              <a:schemeClr val="tx2"/>
-            </a:solidFill>
-          </a:ln>
-        </p:spPr>
-        <p:txBody>
-          <a:bodyPr wrap="square" rtlCol="0">
-            <a:spAutoFit/>
-          </a:bodyPr>
-          <a:lstStyle/>
-          <a:p>
-            <a:r>
-              <a:rPr lang="fr-FR" sz="1400" dirty="0" smtClean="0"/>
-              <a:t>Signal </a:t>
-            </a:r>
-            <a:r>
-              <a:rPr lang="fr-FR" sz="1400" dirty="0" err="1" smtClean="0"/>
-              <a:t>name</a:t>
-            </a:r>
-            <a:r>
-              <a:rPr lang="fr-FR" sz="1400" dirty="0" smtClean="0"/>
-              <a:t> </a:t>
-            </a:r>
-            <a:r>
-              <a:rPr lang="fr-FR" sz="1400" dirty="0" err="1" smtClean="0"/>
-              <a:t>selector</a:t>
-            </a:r>
-            <a:r>
-              <a:rPr lang="fr-FR" sz="1400" dirty="0" smtClean="0"/>
-              <a:t> (double click to select/</a:t>
-            </a:r>
-            <a:r>
-              <a:rPr lang="fr-FR" sz="1400" dirty="0" err="1" smtClean="0"/>
-              <a:t>deselect</a:t>
-            </a:r>
-            <a:r>
-              <a:rPr lang="fr-FR" sz="1400" dirty="0" smtClean="0"/>
-              <a:t>)</a:t>
-            </a:r>
-            <a:endParaRPr lang="fr-FR" sz="1400" dirty="0"/>
-          </a:p>
-        </p:txBody>
-      </p:sp>
-      <p:sp>
-        <p:nvSpPr>
-          <p:cNvPr id="19" name="ZoneTexte 18"/>
-          <p:cNvSpPr txBox="1"/>
-          <p:nvPr/>
-        </p:nvSpPr>
-        <p:spPr>
-          <a:xfrm>
-            <a:off x="4066920" y="4916804"/>
-            <a:ext cx="5648580" cy="738664"/>
-          </a:xfrm>
-          <a:prstGeom prst="rect">
-            <a:avLst/>
-          </a:prstGeom>
-          <a:solidFill>
-            <a:schemeClr val="accent3">
-              <a:lumMod val="20000"/>
-              <a:lumOff val="80000"/>
-              <a:alpha val="90000"/>
-            </a:schemeClr>
-          </a:solidFill>
-          <a:ln>
+          <a:noFill/>
+          <a:ln w="38100">
             <a:solidFill>
               <a:schemeClr val="accent3"/>
-            </a:solidFill>
-          </a:ln>
-        </p:spPr>
-        <p:txBody>
-          <a:bodyPr wrap="square" rtlCol="0">
-            <a:spAutoFit/>
-          </a:bodyPr>
-          <a:lstStyle/>
-          <a:p>
-            <a:r>
-              <a:rPr lang="fr-FR" sz="1400" dirty="0" err="1" smtClean="0"/>
-              <a:t>Double-click</a:t>
-            </a:r>
-            <a:r>
-              <a:rPr lang="fr-FR" sz="1400" dirty="0" smtClean="0"/>
-              <a:t> on a signal </a:t>
-            </a:r>
-            <a:r>
-              <a:rPr lang="fr-FR" sz="1400" dirty="0" err="1" smtClean="0"/>
-              <a:t>name</a:t>
-            </a:r>
-            <a:r>
-              <a:rPr lang="fr-FR" sz="1400" dirty="0" smtClean="0"/>
-              <a:t> </a:t>
-            </a:r>
-            <a:r>
-              <a:rPr lang="fr-FR" sz="1400" dirty="0" err="1" smtClean="0"/>
-              <a:t>will</a:t>
-            </a:r>
-            <a:r>
-              <a:rPr lang="fr-FR" sz="1400" dirty="0" smtClean="0"/>
-              <a:t> select </a:t>
-            </a:r>
-            <a:r>
-              <a:rPr lang="fr-FR" sz="1400" dirty="0" err="1" smtClean="0"/>
-              <a:t>it</a:t>
-            </a:r>
-            <a:r>
-              <a:rPr lang="fr-FR" sz="1400" dirty="0" smtClean="0"/>
-              <a:t> for </a:t>
-            </a:r>
-            <a:r>
-              <a:rPr lang="fr-FR" sz="1400" dirty="0" err="1" smtClean="0"/>
-              <a:t>plotting</a:t>
-            </a:r>
-            <a:r>
-              <a:rPr lang="fr-FR" sz="1400" dirty="0" smtClean="0"/>
-              <a:t>. </a:t>
-            </a:r>
-          </a:p>
-          <a:p>
-            <a:r>
-              <a:rPr lang="fr-FR" sz="1400" dirty="0" smtClean="0"/>
-              <a:t>It </a:t>
-            </a:r>
-            <a:r>
-              <a:rPr lang="fr-FR" sz="1400" dirty="0" err="1" smtClean="0"/>
-              <a:t>is</a:t>
-            </a:r>
-            <a:r>
-              <a:rPr lang="fr-FR" sz="1400" dirty="0" smtClean="0"/>
-              <a:t> possible to select few signal </a:t>
-            </a:r>
-            <a:r>
-              <a:rPr lang="fr-FR" sz="1400" dirty="0" err="1" smtClean="0"/>
-              <a:t>names</a:t>
-            </a:r>
-            <a:r>
-              <a:rPr lang="fr-FR" sz="1400" dirty="0" smtClean="0"/>
-              <a:t>.</a:t>
-            </a:r>
-          </a:p>
-          <a:p>
-            <a:r>
-              <a:rPr lang="fr-FR" sz="1400" dirty="0" err="1" smtClean="0"/>
-              <a:t>Selected</a:t>
-            </a:r>
-            <a:r>
-              <a:rPr lang="fr-FR" sz="1400" dirty="0" smtClean="0"/>
-              <a:t> signal </a:t>
-            </a:r>
-            <a:r>
-              <a:rPr lang="fr-FR" sz="1400" dirty="0" err="1" smtClean="0"/>
-              <a:t>naless</a:t>
-            </a:r>
-            <a:r>
-              <a:rPr lang="fr-FR" sz="1400" dirty="0" smtClean="0"/>
-              <a:t> </a:t>
-            </a:r>
-            <a:r>
-              <a:rPr lang="fr-FR" sz="1400" dirty="0" err="1" smtClean="0"/>
-              <a:t>appears</a:t>
-            </a:r>
-            <a:r>
-              <a:rPr lang="fr-FR" sz="1400" dirty="0" smtClean="0"/>
-              <a:t> in </a:t>
-            </a:r>
-            <a:r>
-              <a:rPr lang="fr-FR" sz="1400" dirty="0" err="1" smtClean="0"/>
-              <a:t>red</a:t>
-            </a:r>
-            <a:r>
-              <a:rPr lang="fr-FR" sz="1400" dirty="0" smtClean="0"/>
-              <a:t>.</a:t>
-            </a:r>
-            <a:endParaRPr lang="fr-FR" sz="1400" dirty="0"/>
-          </a:p>
-        </p:txBody>
-      </p:sp>
-      <p:sp>
-        <p:nvSpPr>
-          <p:cNvPr id="20" name="Rectangle 19"/>
-          <p:cNvSpPr/>
-          <p:nvPr/>
-        </p:nvSpPr>
-        <p:spPr>
-          <a:xfrm>
-            <a:off x="362248" y="1500770"/>
-            <a:ext cx="1842155" cy="307777"/>
-          </a:xfrm>
-          <a:prstGeom prst="rect">
-            <a:avLst/>
-          </a:prstGeom>
-          <a:noFill/>
-          <a:ln w="57150">
-            <a:solidFill>
-              <a:schemeClr val="tx2"/>
             </a:solidFill>
           </a:ln>
         </p:spPr>
@@ -13667,1008 +16032,14 @@
           <a:lstStyle/>
           <a:p>
             <a:pPr algn="ctr"/>
-            <a:endParaRPr lang="fr-FR" dirty="0"/>
-          </a:p>
-        </p:txBody>
-      </p:sp>
-      <p:cxnSp>
-        <p:nvCxnSpPr>
-          <p:cNvPr id="21" name="Connecteur droit avec flèche 20"/>
-          <p:cNvCxnSpPr>
-            <a:stCxn id="23" idx="1"/>
-          </p:cNvCxnSpPr>
-          <p:nvPr/>
-        </p:nvCxnSpPr>
-        <p:spPr>
-          <a:xfrm flipH="1">
-            <a:off x="1908138" y="1367421"/>
-            <a:ext cx="2158782" cy="44708"/>
-          </a:xfrm>
-          <a:prstGeom prst="straightConnector1">
-            <a:avLst/>
-          </a:prstGeom>
-          <a:ln w="38100">
-            <a:solidFill>
-              <a:schemeClr val="tx2"/>
-            </a:solidFill>
-            <a:tailEnd type="triangle"/>
-          </a:ln>
-        </p:spPr>
-        <p:style>
-          <a:lnRef idx="1">
-            <a:schemeClr val="accent1"/>
-          </a:lnRef>
-          <a:fillRef idx="0">
-            <a:schemeClr val="accent1"/>
-          </a:fillRef>
-          <a:effectRef idx="0">
-            <a:schemeClr val="accent1"/>
-          </a:effectRef>
-          <a:fontRef idx="minor">
-            <a:schemeClr val="tx1"/>
-          </a:fontRef>
-        </p:style>
-      </p:cxnSp>
-      <p:sp>
-        <p:nvSpPr>
-          <p:cNvPr id="23" name="ZoneTexte 22"/>
-          <p:cNvSpPr txBox="1"/>
-          <p:nvPr/>
-        </p:nvSpPr>
-        <p:spPr>
-          <a:xfrm>
-            <a:off x="4066920" y="1213532"/>
-            <a:ext cx="3558923" cy="307777"/>
-          </a:xfrm>
-          <a:prstGeom prst="rect">
-            <a:avLst/>
-          </a:prstGeom>
-          <a:solidFill>
-            <a:schemeClr val="tx2">
-              <a:lumMod val="20000"/>
-              <a:lumOff val="80000"/>
-              <a:alpha val="60000"/>
-            </a:schemeClr>
-          </a:solidFill>
-          <a:ln>
-            <a:solidFill>
-              <a:schemeClr val="tx2"/>
-            </a:solidFill>
-          </a:ln>
-        </p:spPr>
-        <p:txBody>
-          <a:bodyPr wrap="none" rtlCol="0">
-            <a:spAutoFit/>
-          </a:bodyPr>
-          <a:lstStyle/>
-          <a:p>
-            <a:r>
-              <a:rPr lang="fr-FR" sz="1400" dirty="0" err="1" smtClean="0">
-                <a:solidFill>
-                  <a:schemeClr val="tx2">
-                    <a:lumMod val="75000"/>
-                  </a:schemeClr>
-                </a:solidFill>
-              </a:rPr>
-              <a:t>Search</a:t>
-            </a:r>
-            <a:r>
-              <a:rPr lang="fr-FR" sz="1400" dirty="0" smtClean="0">
-                <a:solidFill>
-                  <a:schemeClr val="tx2">
-                    <a:lumMod val="75000"/>
-                  </a:schemeClr>
-                </a:solidFill>
-              </a:rPr>
-              <a:t> zone, to </a:t>
-            </a:r>
-            <a:r>
-              <a:rPr lang="fr-FR" sz="1400" dirty="0" err="1" smtClean="0">
-                <a:solidFill>
-                  <a:schemeClr val="tx2">
-                    <a:lumMod val="75000"/>
-                  </a:schemeClr>
-                </a:solidFill>
-              </a:rPr>
-              <a:t>search</a:t>
-            </a:r>
-            <a:r>
-              <a:rPr lang="fr-FR" sz="1400" dirty="0" smtClean="0">
-                <a:solidFill>
-                  <a:schemeClr val="tx2">
-                    <a:lumMod val="75000"/>
-                  </a:schemeClr>
-                </a:solidFill>
-              </a:rPr>
-              <a:t> and </a:t>
-            </a:r>
-            <a:r>
-              <a:rPr lang="fr-FR" sz="1400" dirty="0" err="1" smtClean="0">
-                <a:solidFill>
-                  <a:schemeClr val="tx2">
-                    <a:lumMod val="75000"/>
-                  </a:schemeClr>
-                </a:solidFill>
-              </a:rPr>
-              <a:t>filter</a:t>
-            </a:r>
-            <a:r>
-              <a:rPr lang="fr-FR" sz="1400" dirty="0" smtClean="0">
-                <a:solidFill>
-                  <a:schemeClr val="tx2">
-                    <a:lumMod val="75000"/>
-                  </a:schemeClr>
-                </a:solidFill>
-              </a:rPr>
-              <a:t> a signal </a:t>
-            </a:r>
-            <a:r>
-              <a:rPr lang="fr-FR" sz="1400" dirty="0" err="1" smtClean="0">
-                <a:solidFill>
-                  <a:schemeClr val="tx2">
-                    <a:lumMod val="75000"/>
-                  </a:schemeClr>
-                </a:solidFill>
-              </a:rPr>
-              <a:t>name</a:t>
-            </a:r>
-            <a:endParaRPr lang="fr-FR" sz="1400" dirty="0">
-              <a:solidFill>
-                <a:schemeClr val="tx2">
-                  <a:lumMod val="75000"/>
-                </a:schemeClr>
-              </a:solidFill>
-            </a:endParaRPr>
-          </a:p>
-        </p:txBody>
-      </p:sp>
-      <p:sp>
-        <p:nvSpPr>
-          <p:cNvPr id="24" name="Rectangle 23"/>
-          <p:cNvSpPr/>
-          <p:nvPr/>
-        </p:nvSpPr>
-        <p:spPr>
-          <a:xfrm>
-            <a:off x="2247945" y="1520992"/>
-            <a:ext cx="1107879" cy="292100"/>
-          </a:xfrm>
-          <a:prstGeom prst="rect">
-            <a:avLst/>
-          </a:prstGeom>
-          <a:noFill/>
-          <a:ln w="57150">
-            <a:solidFill>
-              <a:schemeClr val="accent3"/>
-            </a:solidFill>
-          </a:ln>
-        </p:spPr>
-        <p:style>
-          <a:lnRef idx="2">
-            <a:schemeClr val="accent1">
-              <a:shade val="50000"/>
-            </a:schemeClr>
-          </a:lnRef>
-          <a:fillRef idx="1">
-            <a:schemeClr val="accent1"/>
-          </a:fillRef>
-          <a:effectRef idx="0">
-            <a:schemeClr val="accent1"/>
-          </a:effectRef>
-          <a:fontRef idx="minor">
-            <a:schemeClr val="lt1"/>
-          </a:fontRef>
-        </p:style>
-        <p:txBody>
-          <a:bodyPr rtlCol="0" anchor="ctr"/>
-          <a:lstStyle/>
-          <a:p>
-            <a:pPr algn="ctr"/>
-            <a:endParaRPr lang="fr-FR" dirty="0"/>
-          </a:p>
-        </p:txBody>
-      </p:sp>
-      <p:cxnSp>
-        <p:nvCxnSpPr>
-          <p:cNvPr id="25" name="Connecteur droit avec flèche 24"/>
-          <p:cNvCxnSpPr/>
-          <p:nvPr/>
-        </p:nvCxnSpPr>
-        <p:spPr>
-          <a:xfrm flipH="1" flipV="1">
-            <a:off x="3450912" y="1794896"/>
-            <a:ext cx="1136459" cy="1543256"/>
-          </a:xfrm>
-          <a:prstGeom prst="straightConnector1">
-            <a:avLst/>
-          </a:prstGeom>
-          <a:ln>
-            <a:solidFill>
-              <a:schemeClr val="accent3"/>
-            </a:solidFill>
-            <a:tailEnd type="triangle"/>
-          </a:ln>
-        </p:spPr>
-        <p:style>
-          <a:lnRef idx="1">
-            <a:schemeClr val="accent1"/>
-          </a:lnRef>
-          <a:fillRef idx="0">
-            <a:schemeClr val="accent1"/>
-          </a:fillRef>
-          <a:effectRef idx="0">
-            <a:schemeClr val="accent1"/>
-          </a:effectRef>
-          <a:fontRef idx="minor">
-            <a:schemeClr val="tx1"/>
-          </a:fontRef>
-        </p:style>
-      </p:cxnSp>
-      <p:sp>
-        <p:nvSpPr>
-          <p:cNvPr id="27" name="ZoneTexte 26"/>
-          <p:cNvSpPr txBox="1"/>
-          <p:nvPr/>
-        </p:nvSpPr>
-        <p:spPr>
-          <a:xfrm>
-            <a:off x="4587371" y="2959471"/>
-            <a:ext cx="7087155" cy="1384995"/>
-          </a:xfrm>
-          <a:prstGeom prst="rect">
-            <a:avLst/>
-          </a:prstGeom>
-          <a:solidFill>
-            <a:schemeClr val="accent6">
-              <a:lumMod val="20000"/>
-              <a:lumOff val="80000"/>
-              <a:alpha val="60000"/>
-            </a:schemeClr>
-          </a:solidFill>
-          <a:ln>
-            <a:solidFill>
-              <a:schemeClr val="tx2"/>
-            </a:solidFill>
-          </a:ln>
-        </p:spPr>
-        <p:txBody>
-          <a:bodyPr wrap="square" rtlCol="0">
-            <a:spAutoFit/>
-          </a:bodyPr>
-          <a:lstStyle/>
-          <a:p>
-            <a:r>
-              <a:rPr lang="fr-FR" sz="1400" dirty="0" smtClean="0">
-                <a:solidFill>
-                  <a:schemeClr val="tx2">
-                    <a:lumMod val="75000"/>
-                  </a:schemeClr>
-                </a:solidFill>
-              </a:rPr>
-              <a:t>Signal type </a:t>
-            </a:r>
-            <a:r>
-              <a:rPr lang="fr-FR" sz="1400" dirty="0" err="1" smtClean="0">
-                <a:solidFill>
-                  <a:schemeClr val="tx2">
-                    <a:lumMod val="75000"/>
-                  </a:schemeClr>
-                </a:solidFill>
-              </a:rPr>
-              <a:t>selector</a:t>
-            </a:r>
-            <a:endParaRPr lang="fr-FR" sz="1400" dirty="0" smtClean="0">
-              <a:solidFill>
-                <a:schemeClr val="tx2">
-                  <a:lumMod val="75000"/>
-                </a:schemeClr>
-              </a:solidFill>
-            </a:endParaRPr>
-          </a:p>
-          <a:p>
-            <a:pPr marL="285750" indent="-285750">
-              <a:buFontTx/>
-              <a:buChar char="-"/>
-            </a:pPr>
-            <a:r>
-              <a:rPr lang="fr-FR" sz="1400" dirty="0" smtClean="0">
-                <a:solidFill>
-                  <a:schemeClr val="tx2">
-                    <a:lumMod val="75000"/>
-                  </a:schemeClr>
-                </a:solidFill>
-              </a:rPr>
-              <a:t>“</a:t>
-            </a:r>
-            <a:r>
-              <a:rPr lang="fr-FR" sz="1400" dirty="0" err="1" smtClean="0">
-                <a:solidFill>
-                  <a:schemeClr val="tx2">
-                    <a:lumMod val="75000"/>
-                  </a:schemeClr>
-                </a:solidFill>
-              </a:rPr>
-              <a:t>signals</a:t>
-            </a:r>
-            <a:r>
-              <a:rPr lang="fr-FR" sz="1400" dirty="0" smtClean="0">
-                <a:solidFill>
-                  <a:schemeClr val="tx2">
-                    <a:lumMod val="75000"/>
-                  </a:schemeClr>
-                </a:solidFill>
-              </a:rPr>
-              <a:t>” </a:t>
-            </a:r>
-            <a:r>
-              <a:rPr lang="fr-FR" sz="1400" dirty="0" smtClean="0">
-                <a:solidFill>
-                  <a:schemeClr val="tx2">
-                    <a:lumMod val="75000"/>
-                  </a:schemeClr>
-                </a:solidFill>
-              </a:rPr>
-              <a:t>(WEST </a:t>
-            </a:r>
-            <a:r>
-              <a:rPr lang="fr-FR" sz="1400" dirty="0" err="1" smtClean="0">
-                <a:solidFill>
-                  <a:schemeClr val="tx2">
-                    <a:lumMod val="75000"/>
-                  </a:schemeClr>
-                </a:solidFill>
-              </a:rPr>
-              <a:t>database</a:t>
-            </a:r>
-            <a:r>
-              <a:rPr lang="fr-FR" sz="1400" dirty="0" smtClean="0">
-                <a:solidFill>
-                  <a:schemeClr val="tx2">
-                    <a:lumMod val="75000"/>
-                  </a:schemeClr>
-                </a:solidFill>
-              </a:rPr>
-              <a:t> </a:t>
-            </a:r>
-            <a:r>
-              <a:rPr lang="fr-FR" sz="1400" dirty="0" err="1" smtClean="0">
-                <a:solidFill>
-                  <a:schemeClr val="tx2">
-                    <a:lumMod val="75000"/>
-                  </a:schemeClr>
-                </a:solidFill>
-              </a:rPr>
-              <a:t>signals</a:t>
-            </a:r>
-            <a:r>
-              <a:rPr lang="fr-FR" sz="1400" dirty="0" smtClean="0">
-                <a:solidFill>
-                  <a:schemeClr val="tx2">
-                    <a:lumMod val="75000"/>
-                  </a:schemeClr>
-                </a:solidFill>
-              </a:rPr>
-              <a:t>, </a:t>
-            </a:r>
-            <a:r>
-              <a:rPr lang="fr-FR" sz="1400" dirty="0" err="1" smtClean="0">
-                <a:solidFill>
-                  <a:schemeClr val="tx2">
-                    <a:lumMod val="75000"/>
-                  </a:schemeClr>
-                </a:solidFill>
-              </a:rPr>
-              <a:t>from</a:t>
-            </a:r>
-            <a:r>
-              <a:rPr lang="fr-FR" sz="1400" dirty="0" smtClean="0">
-                <a:solidFill>
-                  <a:schemeClr val="tx2">
-                    <a:lumMod val="75000"/>
-                  </a:schemeClr>
-                </a:solidFill>
-              </a:rPr>
-              <a:t> ARCAD (</a:t>
-            </a:r>
-            <a:r>
-              <a:rPr lang="fr-FR" sz="1400" dirty="0" err="1" smtClean="0">
-                <a:solidFill>
-                  <a:schemeClr val="tx2">
-                    <a:lumMod val="75000"/>
-                  </a:schemeClr>
-                </a:solidFill>
-              </a:rPr>
-              <a:t>tsbase</a:t>
-            </a:r>
-            <a:r>
-              <a:rPr lang="fr-FR" sz="1400" dirty="0" smtClean="0">
-                <a:solidFill>
-                  <a:schemeClr val="tx2">
-                    <a:lumMod val="75000"/>
-                  </a:schemeClr>
-                </a:solidFill>
-              </a:rPr>
-              <a:t>) and IMAS) </a:t>
-            </a:r>
-            <a:endParaRPr lang="fr-FR" sz="1400" dirty="0" smtClean="0">
-              <a:solidFill>
-                <a:schemeClr val="tx2">
-                  <a:lumMod val="75000"/>
-                </a:schemeClr>
-              </a:solidFill>
-            </a:endParaRPr>
-          </a:p>
-          <a:p>
-            <a:r>
-              <a:rPr lang="fr-FR" sz="1400" dirty="0" smtClean="0">
-                <a:solidFill>
-                  <a:schemeClr val="tx2">
-                    <a:lumMod val="75000"/>
-                  </a:schemeClr>
-                </a:solidFill>
-              </a:rPr>
-              <a:t>or </a:t>
-            </a:r>
-            <a:endParaRPr lang="fr-FR" sz="1400" dirty="0" smtClean="0">
-              <a:solidFill>
-                <a:schemeClr val="tx2">
-                  <a:lumMod val="75000"/>
-                </a:schemeClr>
-              </a:solidFill>
-            </a:endParaRPr>
-          </a:p>
-          <a:p>
-            <a:pPr marL="285750" indent="-285750">
-              <a:buFontTx/>
-              <a:buChar char="-"/>
-            </a:pPr>
-            <a:r>
-              <a:rPr lang="fr-FR" sz="1400" dirty="0" smtClean="0">
-                <a:solidFill>
-                  <a:schemeClr val="tx2">
-                    <a:lumMod val="75000"/>
-                  </a:schemeClr>
-                </a:solidFill>
-              </a:rPr>
-              <a:t>“PCS </a:t>
-            </a:r>
-            <a:r>
-              <a:rPr lang="fr-FR" sz="1400" dirty="0" err="1" smtClean="0">
-                <a:solidFill>
-                  <a:schemeClr val="tx2">
-                    <a:lumMod val="75000"/>
-                  </a:schemeClr>
-                </a:solidFill>
-              </a:rPr>
-              <a:t>waveforms</a:t>
-            </a:r>
-            <a:r>
-              <a:rPr lang="fr-FR" sz="1400" dirty="0" smtClean="0">
-                <a:solidFill>
-                  <a:schemeClr val="tx2">
-                    <a:lumMod val="75000"/>
-                  </a:schemeClr>
-                </a:solidFill>
-              </a:rPr>
-              <a:t>” </a:t>
-            </a:r>
-            <a:r>
-              <a:rPr lang="fr-FR" sz="1400" dirty="0" smtClean="0">
-                <a:solidFill>
-                  <a:schemeClr val="tx2">
-                    <a:lumMod val="75000"/>
-                  </a:schemeClr>
-                </a:solidFill>
-              </a:rPr>
-              <a:t>(pulse configuration for the PCS</a:t>
-            </a:r>
-            <a:r>
-              <a:rPr lang="fr-FR" sz="1400" dirty="0" smtClean="0">
-                <a:solidFill>
-                  <a:schemeClr val="tx2">
-                    <a:lumMod val="75000"/>
-                  </a:schemeClr>
-                </a:solidFill>
-              </a:rPr>
-              <a:t>)</a:t>
-            </a:r>
-          </a:p>
-          <a:p>
-            <a:endParaRPr lang="fr-FR" sz="1400" dirty="0" smtClean="0">
-              <a:solidFill>
-                <a:schemeClr val="tx2">
-                  <a:lumMod val="75000"/>
-                </a:schemeClr>
-              </a:solidFill>
-            </a:endParaRPr>
-          </a:p>
-          <a:p>
-            <a:r>
-              <a:rPr lang="fr-FR" sz="1400" dirty="0" smtClean="0">
-                <a:solidFill>
-                  <a:schemeClr val="tx2">
-                    <a:lumMod val="75000"/>
-                  </a:schemeClr>
-                </a:solidFill>
-              </a:rPr>
-              <a:t>It possible to superpose </a:t>
-            </a:r>
-            <a:r>
-              <a:rPr lang="fr-FR" sz="1400" dirty="0" err="1" smtClean="0">
-                <a:solidFill>
-                  <a:schemeClr val="tx2">
-                    <a:lumMod val="75000"/>
-                  </a:schemeClr>
-                </a:solidFill>
-              </a:rPr>
-              <a:t>both</a:t>
-            </a:r>
-            <a:r>
-              <a:rPr lang="fr-FR" sz="1400" dirty="0" smtClean="0">
-                <a:solidFill>
-                  <a:schemeClr val="tx2">
-                    <a:lumMod val="75000"/>
-                  </a:schemeClr>
-                </a:solidFill>
-              </a:rPr>
-              <a:t> </a:t>
-            </a:r>
-            <a:r>
-              <a:rPr lang="fr-FR" sz="1400" dirty="0" err="1" smtClean="0">
-                <a:solidFill>
-                  <a:schemeClr val="tx2">
-                    <a:lumMod val="75000"/>
-                  </a:schemeClr>
-                </a:solidFill>
-              </a:rPr>
-              <a:t>kinds</a:t>
-            </a:r>
-            <a:r>
-              <a:rPr lang="fr-FR" sz="1400" dirty="0" smtClean="0">
-                <a:solidFill>
-                  <a:schemeClr val="tx2">
-                    <a:lumMod val="75000"/>
-                  </a:schemeClr>
-                </a:solidFill>
-              </a:rPr>
-              <a:t> (but </a:t>
-            </a:r>
-            <a:r>
-              <a:rPr lang="fr-FR" sz="1400" dirty="0" err="1" smtClean="0">
-                <a:solidFill>
-                  <a:schemeClr val="tx2">
-                    <a:lumMod val="75000"/>
-                  </a:schemeClr>
-                </a:solidFill>
-              </a:rPr>
-              <a:t>beware</a:t>
-            </a:r>
-            <a:r>
-              <a:rPr lang="fr-FR" sz="1400" dirty="0" smtClean="0">
-                <a:solidFill>
-                  <a:schemeClr val="tx2">
-                    <a:lumMod val="75000"/>
-                  </a:schemeClr>
-                </a:solidFill>
-              </a:rPr>
-              <a:t> </a:t>
-            </a:r>
-            <a:r>
-              <a:rPr lang="fr-FR" sz="1400" dirty="0" err="1" smtClean="0">
-                <a:solidFill>
-                  <a:schemeClr val="tx2">
-                    <a:lumMod val="75000"/>
-                  </a:schemeClr>
-                </a:solidFill>
-              </a:rPr>
-              <a:t>that</a:t>
-            </a:r>
-            <a:r>
-              <a:rPr lang="fr-FR" sz="1400" dirty="0" smtClean="0">
-                <a:solidFill>
-                  <a:schemeClr val="tx2">
-                    <a:lumMod val="75000"/>
-                  </a:schemeClr>
-                </a:solidFill>
-              </a:rPr>
-              <a:t> the </a:t>
-            </a:r>
-            <a:r>
-              <a:rPr lang="fr-FR" sz="1400" dirty="0" err="1" smtClean="0">
-                <a:solidFill>
-                  <a:schemeClr val="tx2">
-                    <a:lumMod val="75000"/>
-                  </a:schemeClr>
-                </a:solidFill>
-              </a:rPr>
-              <a:t>units</a:t>
-            </a:r>
-            <a:r>
-              <a:rPr lang="fr-FR" sz="1400" dirty="0" smtClean="0">
-                <a:solidFill>
-                  <a:schemeClr val="tx2">
-                    <a:lumMod val="75000"/>
-                  </a:schemeClr>
-                </a:solidFill>
-              </a:rPr>
-              <a:t> </a:t>
-            </a:r>
-            <a:r>
-              <a:rPr lang="fr-FR" sz="1400" dirty="0" err="1" smtClean="0">
-                <a:solidFill>
-                  <a:schemeClr val="tx2">
-                    <a:lumMod val="75000"/>
-                  </a:schemeClr>
-                </a:solidFill>
-              </a:rPr>
-              <a:t>does</a:t>
-            </a:r>
-            <a:r>
-              <a:rPr lang="fr-FR" sz="1400" dirty="0" smtClean="0">
-                <a:solidFill>
-                  <a:schemeClr val="tx2">
-                    <a:lumMod val="75000"/>
-                  </a:schemeClr>
-                </a:solidFill>
-              </a:rPr>
-              <a:t> not </a:t>
-            </a:r>
-            <a:r>
-              <a:rPr lang="fr-FR" sz="1400" dirty="0" err="1" smtClean="0">
-                <a:solidFill>
-                  <a:schemeClr val="tx2">
-                    <a:lumMod val="75000"/>
-                  </a:schemeClr>
-                </a:solidFill>
-              </a:rPr>
-              <a:t>always</a:t>
-            </a:r>
-            <a:r>
-              <a:rPr lang="fr-FR" sz="1400" dirty="0" smtClean="0">
-                <a:solidFill>
-                  <a:schemeClr val="tx2">
-                    <a:lumMod val="75000"/>
-                  </a:schemeClr>
-                </a:solidFill>
-              </a:rPr>
-              <a:t> match</a:t>
-            </a:r>
-            <a:endParaRPr lang="fr-FR" sz="1400" dirty="0">
-              <a:solidFill>
-                <a:schemeClr val="tx2">
-                  <a:lumMod val="75000"/>
-                </a:schemeClr>
-              </a:solidFill>
-            </a:endParaRPr>
-          </a:p>
-        </p:txBody>
-      </p:sp>
-      <p:sp>
-        <p:nvSpPr>
-          <p:cNvPr id="29" name="ZoneTexte 28"/>
-          <p:cNvSpPr txBox="1"/>
-          <p:nvPr/>
-        </p:nvSpPr>
-        <p:spPr>
-          <a:xfrm>
-            <a:off x="886041" y="6319911"/>
-            <a:ext cx="4707058" cy="307777"/>
-          </a:xfrm>
-          <a:prstGeom prst="rect">
-            <a:avLst/>
-          </a:prstGeom>
-          <a:solidFill>
-            <a:schemeClr val="bg1">
-              <a:lumMod val="85000"/>
-              <a:alpha val="60000"/>
-            </a:schemeClr>
-          </a:solidFill>
-          <a:ln>
-            <a:solidFill>
-              <a:schemeClr val="tx2"/>
-            </a:solidFill>
-          </a:ln>
-        </p:spPr>
-        <p:txBody>
-          <a:bodyPr wrap="none" rtlCol="0">
-            <a:spAutoFit/>
-          </a:bodyPr>
-          <a:lstStyle/>
-          <a:p>
-            <a:r>
-              <a:rPr lang="fr-FR" sz="1400" dirty="0" smtClean="0">
-                <a:solidFill>
-                  <a:schemeClr val="tx2">
-                    <a:lumMod val="75000"/>
-                  </a:schemeClr>
-                </a:solidFill>
-              </a:rPr>
-              <a:t>The </a:t>
-            </a:r>
-            <a:r>
-              <a:rPr lang="fr-FR" sz="1400" dirty="0" err="1" smtClean="0">
-                <a:solidFill>
-                  <a:schemeClr val="tx2">
-                    <a:lumMod val="75000"/>
-                  </a:schemeClr>
-                </a:solidFill>
-              </a:rPr>
-              <a:t>selection</a:t>
-            </a:r>
-            <a:r>
-              <a:rPr lang="fr-FR" sz="1400" dirty="0" smtClean="0">
-                <a:solidFill>
-                  <a:schemeClr val="tx2">
-                    <a:lumMod val="75000"/>
-                  </a:schemeClr>
-                </a:solidFill>
-              </a:rPr>
-              <a:t> zone </a:t>
-            </a:r>
-            <a:r>
-              <a:rPr lang="fr-FR" sz="1400" dirty="0" err="1" smtClean="0">
-                <a:solidFill>
-                  <a:schemeClr val="tx2">
-                    <a:lumMod val="75000"/>
-                  </a:schemeClr>
-                </a:solidFill>
-              </a:rPr>
-              <a:t>can</a:t>
-            </a:r>
-            <a:r>
-              <a:rPr lang="fr-FR" sz="1400" dirty="0" smtClean="0">
-                <a:solidFill>
-                  <a:schemeClr val="tx2">
-                    <a:lumMod val="75000"/>
-                  </a:schemeClr>
-                </a:solidFill>
-              </a:rPr>
-              <a:t> </a:t>
-            </a:r>
-            <a:r>
-              <a:rPr lang="fr-FR" sz="1400" dirty="0" err="1" smtClean="0">
-                <a:solidFill>
-                  <a:schemeClr val="tx2">
-                    <a:lumMod val="75000"/>
-                  </a:schemeClr>
-                </a:solidFill>
-              </a:rPr>
-              <a:t>be</a:t>
-            </a:r>
-            <a:r>
-              <a:rPr lang="fr-FR" sz="1400" dirty="0" smtClean="0">
-                <a:solidFill>
-                  <a:schemeClr val="tx2">
-                    <a:lumMod val="75000"/>
-                  </a:schemeClr>
-                </a:solidFill>
-              </a:rPr>
-              <a:t> </a:t>
-            </a:r>
-            <a:r>
-              <a:rPr lang="fr-FR" sz="1400" dirty="0" err="1" smtClean="0">
-                <a:solidFill>
-                  <a:schemeClr val="tx2">
-                    <a:lumMod val="75000"/>
-                  </a:schemeClr>
-                </a:solidFill>
-              </a:rPr>
-              <a:t>resized</a:t>
-            </a:r>
-            <a:r>
-              <a:rPr lang="fr-FR" sz="1400" dirty="0" smtClean="0">
-                <a:solidFill>
-                  <a:schemeClr val="tx2">
-                    <a:lumMod val="75000"/>
-                  </a:schemeClr>
-                </a:solidFill>
-              </a:rPr>
-              <a:t> or </a:t>
-            </a:r>
-            <a:r>
-              <a:rPr lang="fr-FR" sz="1400" dirty="0" err="1" smtClean="0">
-                <a:solidFill>
-                  <a:schemeClr val="tx2">
-                    <a:lumMod val="75000"/>
-                  </a:schemeClr>
-                </a:solidFill>
-              </a:rPr>
-              <a:t>hidden</a:t>
-            </a:r>
-            <a:r>
-              <a:rPr lang="fr-FR" sz="1400" dirty="0" smtClean="0">
-                <a:solidFill>
-                  <a:schemeClr val="tx2">
-                    <a:lumMod val="75000"/>
-                  </a:schemeClr>
-                </a:solidFill>
-              </a:rPr>
-              <a:t> (« Panels » menu)</a:t>
-            </a:r>
-            <a:endParaRPr lang="fr-FR" sz="1400" dirty="0">
-              <a:solidFill>
-                <a:schemeClr val="tx2">
-                  <a:lumMod val="75000"/>
-                </a:schemeClr>
-              </a:solidFill>
-            </a:endParaRPr>
-          </a:p>
-        </p:txBody>
-      </p:sp>
-      <p:sp>
-        <p:nvSpPr>
-          <p:cNvPr id="26" name="Rectangle 25"/>
-          <p:cNvSpPr/>
-          <p:nvPr/>
-        </p:nvSpPr>
-        <p:spPr>
-          <a:xfrm>
-            <a:off x="2204403" y="4074340"/>
-            <a:ext cx="1107879" cy="292100"/>
-          </a:xfrm>
-          <a:prstGeom prst="rect">
-            <a:avLst/>
-          </a:prstGeom>
-          <a:noFill/>
-          <a:ln w="57150">
-            <a:solidFill>
-              <a:schemeClr val="accent3"/>
-            </a:solidFill>
-          </a:ln>
-        </p:spPr>
-        <p:style>
-          <a:lnRef idx="2">
-            <a:schemeClr val="accent1">
-              <a:shade val="50000"/>
-            </a:schemeClr>
-          </a:lnRef>
-          <a:fillRef idx="1">
-            <a:schemeClr val="accent1"/>
-          </a:fillRef>
-          <a:effectRef idx="0">
-            <a:schemeClr val="accent1"/>
-          </a:effectRef>
-          <a:fontRef idx="minor">
-            <a:schemeClr val="lt1"/>
-          </a:fontRef>
-        </p:style>
-        <p:txBody>
-          <a:bodyPr rtlCol="0" anchor="ctr"/>
-          <a:lstStyle/>
-          <a:p>
-            <a:pPr algn="ctr"/>
-            <a:endParaRPr lang="fr-FR" dirty="0"/>
-          </a:p>
-        </p:txBody>
-      </p:sp>
-      <p:cxnSp>
-        <p:nvCxnSpPr>
-          <p:cNvPr id="28" name="Connecteur droit avec flèche 27"/>
-          <p:cNvCxnSpPr>
-            <a:stCxn id="27" idx="1"/>
-          </p:cNvCxnSpPr>
-          <p:nvPr/>
-        </p:nvCxnSpPr>
-        <p:spPr>
-          <a:xfrm flipH="1">
-            <a:off x="3450912" y="3651969"/>
-            <a:ext cx="1136459" cy="616030"/>
-          </a:xfrm>
-          <a:prstGeom prst="straightConnector1">
-            <a:avLst/>
-          </a:prstGeom>
-          <a:ln>
-            <a:solidFill>
-              <a:schemeClr val="accent3"/>
-            </a:solidFill>
-            <a:tailEnd type="triangle"/>
-          </a:ln>
-        </p:spPr>
-        <p:style>
-          <a:lnRef idx="1">
-            <a:schemeClr val="accent1"/>
-          </a:lnRef>
-          <a:fillRef idx="0">
-            <a:schemeClr val="accent1"/>
-          </a:fillRef>
-          <a:effectRef idx="0">
-            <a:schemeClr val="accent1"/>
-          </a:effectRef>
-          <a:fontRef idx="minor">
-            <a:schemeClr val="tx1"/>
-          </a:fontRef>
-        </p:style>
-      </p:cxnSp>
-      <p:sp>
-        <p:nvSpPr>
-          <p:cNvPr id="30" name="Rectangle 29"/>
-          <p:cNvSpPr/>
-          <p:nvPr/>
-        </p:nvSpPr>
-        <p:spPr>
-          <a:xfrm>
-            <a:off x="216852" y="670505"/>
-            <a:ext cx="1691285" cy="272546"/>
-          </a:xfrm>
-          <a:prstGeom prst="rect">
-            <a:avLst/>
-          </a:prstGeom>
-          <a:noFill/>
-          <a:ln w="57150">
-            <a:solidFill>
-              <a:schemeClr val="accent6">
-                <a:lumMod val="50000"/>
-              </a:schemeClr>
-            </a:solidFill>
-          </a:ln>
-        </p:spPr>
-        <p:style>
-          <a:lnRef idx="2">
-            <a:schemeClr val="accent1">
-              <a:shade val="50000"/>
-            </a:schemeClr>
-          </a:lnRef>
-          <a:fillRef idx="1">
-            <a:schemeClr val="accent1"/>
-          </a:fillRef>
-          <a:effectRef idx="0">
-            <a:schemeClr val="accent1"/>
-          </a:effectRef>
-          <a:fontRef idx="minor">
-            <a:schemeClr val="lt1"/>
-          </a:fontRef>
-        </p:style>
-        <p:txBody>
-          <a:bodyPr rtlCol="0" anchor="ctr"/>
-          <a:lstStyle/>
-          <a:p>
-            <a:pPr algn="ctr"/>
-            <a:endParaRPr lang="fr-FR" dirty="0"/>
-          </a:p>
-        </p:txBody>
-      </p:sp>
-      <p:cxnSp>
-        <p:nvCxnSpPr>
-          <p:cNvPr id="34" name="Connecteur droit avec flèche 33"/>
-          <p:cNvCxnSpPr>
-            <a:stCxn id="19" idx="1"/>
-          </p:cNvCxnSpPr>
-          <p:nvPr/>
-        </p:nvCxnSpPr>
-        <p:spPr>
-          <a:xfrm flipH="1" flipV="1">
-            <a:off x="1377710" y="5230888"/>
-            <a:ext cx="2689210" cy="55248"/>
-          </a:xfrm>
-          <a:prstGeom prst="straightConnector1">
-            <a:avLst/>
-          </a:prstGeom>
-          <a:ln>
-            <a:solidFill>
-              <a:schemeClr val="accent3"/>
-            </a:solidFill>
-            <a:tailEnd type="triangle"/>
-          </a:ln>
-        </p:spPr>
-        <p:style>
-          <a:lnRef idx="1">
-            <a:schemeClr val="accent1"/>
-          </a:lnRef>
-          <a:fillRef idx="0">
-            <a:schemeClr val="accent1"/>
-          </a:fillRef>
-          <a:effectRef idx="0">
-            <a:schemeClr val="accent1"/>
-          </a:effectRef>
-          <a:fontRef idx="minor">
-            <a:schemeClr val="tx1"/>
-          </a:fontRef>
-        </p:style>
-      </p:cxnSp>
+            <a:endParaRPr lang="en-GB"/>
+          </a:p>
+        </p:txBody>
+      </p:sp>
     </p:spTree>
     <p:extLst>
       <p:ext uri="{BB962C8B-B14F-4D97-AF65-F5344CB8AC3E}">
-        <p14:creationId xmlns:p14="http://schemas.microsoft.com/office/powerpoint/2010/main" val="2068212747"/>
+        <p14:creationId xmlns:p14="http://schemas.microsoft.com/office/powerpoint/2010/main" val="3509401065"/>
       </p:ext>
     </p:extLst>
   </p:cSld>
@@ -14715,7 +16086,7 @@
         <p:spPr>
           <a:xfrm>
             <a:off x="1127570" y="4801465"/>
-            <a:ext cx="4685401" cy="249299"/>
+            <a:ext cx="4968430" cy="498598"/>
           </a:xfrm>
         </p:spPr>
         <p:txBody>
@@ -14724,7 +16095,7 @@
           <a:p>
             <a:r>
               <a:rPr lang="en-GB" dirty="0" smtClean="0"/>
-              <a:t>Examples of daily usage</a:t>
+              <a:t>Graphical Interface Description</a:t>
             </a:r>
             <a:endParaRPr lang="en-GB" dirty="0"/>
           </a:p>
@@ -14752,7 +16123,7 @@
     </p:spTree>
     <p:extLst>
       <p:ext uri="{BB962C8B-B14F-4D97-AF65-F5344CB8AC3E}">
-        <p14:creationId xmlns:p14="http://schemas.microsoft.com/office/powerpoint/2010/main" val="1775879151"/>
+        <p14:creationId xmlns:p14="http://schemas.microsoft.com/office/powerpoint/2010/main" val="3190174673"/>
       </p:ext>
     </p:extLst>
   </p:cSld>
